--- a/JAMS/PPT/Figs.pptx
+++ b/JAMS/PPT/Figs.pptx
@@ -5,7 +5,9 @@
     <p:sldMasterId id="2147483648" r:id="rId1"/>
   </p:sldMasterIdLst>
   <p:sldIdLst>
-    <p:sldId id="256" r:id="rId2"/>
+    <p:sldId id="258" r:id="rId2"/>
+    <p:sldId id="257" r:id="rId3"/>
+    <p:sldId id="256" r:id="rId4"/>
   </p:sldIdLst>
   <p:sldSz cx="12192000" cy="6858000"/>
   <p:notesSz cx="6858000" cy="9144000"/>
@@ -104,7 +106,2684 @@
       </a:defRPr>
     </a:lvl9pPr>
   </p:defaultTextStyle>
+  <p:extLst>
+    <p:ext uri="{EFAFB233-063F-42B5-8137-9DF3F51BA10A}">
+      <p15:sldGuideLst xmlns:p15="http://schemas.microsoft.com/office/powerpoint/2012/main"/>
+    </p:ext>
+  </p:extLst>
 </p:presentation>
+</file>
+
+<file path=ppt/charts/chart1.xml><?xml version="1.0" encoding="utf-8"?>
+<c:chartSpace xmlns:c="http://schemas.openxmlformats.org/drawingml/2006/chart" xmlns:a="http://schemas.openxmlformats.org/drawingml/2006/main" xmlns:r="http://schemas.openxmlformats.org/officeDocument/2006/relationships" xmlns:c16r2="http://schemas.microsoft.com/office/drawing/2015/06/chart">
+  <c:date1904 val="0"/>
+  <c:lang val="ko-KR"/>
+  <c:roundedCorners val="0"/>
+  <mc:AlternateContent xmlns:mc="http://schemas.openxmlformats.org/markup-compatibility/2006">
+    <mc:Choice xmlns:c14="http://schemas.microsoft.com/office/drawing/2007/8/2/chart" Requires="c14">
+      <c14:style val="102"/>
+    </mc:Choice>
+    <mc:Fallback>
+      <c:style val="2"/>
+    </mc:Fallback>
+  </mc:AlternateContent>
+  <c:chart>
+    <c:autoTitleDeleted val="1"/>
+    <c:plotArea>
+      <c:layout>
+        <c:manualLayout>
+          <c:layoutTarget val="inner"/>
+          <c:xMode val="edge"/>
+          <c:yMode val="edge"/>
+          <c:x val="5.0243851368974746E-2"/>
+          <c:y val="4.0048950454236204E-2"/>
+          <c:w val="0.88036294654504077"/>
+          <c:h val="0.66878693161799496"/>
+        </c:manualLayout>
+      </c:layout>
+      <c:barChart>
+        <c:barDir val="col"/>
+        <c:grouping val="clustered"/>
+        <c:varyColors val="0"/>
+        <c:ser>
+          <c:idx val="0"/>
+          <c:order val="0"/>
+          <c:tx>
+            <c:strRef>
+              <c:f>Sheet2!$C$40</c:f>
+              <c:strCache>
+                <c:ptCount val="1"/>
+                <c:pt idx="0">
+                  <c:v>Technical potential</c:v>
+                </c:pt>
+              </c:strCache>
+            </c:strRef>
+          </c:tx>
+          <c:spPr>
+            <a:solidFill>
+              <a:schemeClr val="accent1"/>
+            </a:solidFill>
+            <a:ln>
+              <a:noFill/>
+            </a:ln>
+            <a:effectLst/>
+          </c:spPr>
+          <c:invertIfNegative val="0"/>
+          <c:cat>
+            <c:strRef>
+              <c:f>Sheet2!$A$42:$A$72</c:f>
+              <c:strCache>
+                <c:ptCount val="31"/>
+                <c:pt idx="0">
+                  <c:v>Hwaseong-si</c:v>
+                </c:pt>
+                <c:pt idx="1">
+                  <c:v>Paju-si</c:v>
+                </c:pt>
+                <c:pt idx="2">
+                  <c:v>Pyeongtaek-si</c:v>
+                </c:pt>
+                <c:pt idx="3">
+                  <c:v>Yeoju-si</c:v>
+                </c:pt>
+                <c:pt idx="4">
+                  <c:v>Icheon-si</c:v>
+                </c:pt>
+                <c:pt idx="5">
+                  <c:v>Anseong-si</c:v>
+                </c:pt>
+                <c:pt idx="6">
+                  <c:v>Yongin-si</c:v>
+                </c:pt>
+                <c:pt idx="7">
+                  <c:v>Pocheon-si</c:v>
+                </c:pt>
+                <c:pt idx="8">
+                  <c:v>Yeoncheon-gun</c:v>
+                </c:pt>
+                <c:pt idx="9">
+                  <c:v>Yangpyeong-gun</c:v>
+                </c:pt>
+                <c:pt idx="10">
+                  <c:v>Gimpo-si</c:v>
+                </c:pt>
+                <c:pt idx="11">
+                  <c:v>Goyang-si</c:v>
+                </c:pt>
+                <c:pt idx="12">
+                  <c:v>Namyangju-si</c:v>
+                </c:pt>
+                <c:pt idx="13">
+                  <c:v>Yangju-si</c:v>
+                </c:pt>
+                <c:pt idx="14">
+                  <c:v>Gwangju-si</c:v>
+                </c:pt>
+                <c:pt idx="15">
+                  <c:v>Gapyeong-gun</c:v>
+                </c:pt>
+                <c:pt idx="16">
+                  <c:v>Ansan-si</c:v>
+                </c:pt>
+                <c:pt idx="17">
+                  <c:v>Siheung-si</c:v>
+                </c:pt>
+                <c:pt idx="18">
+                  <c:v>Suwon-si</c:v>
+                </c:pt>
+                <c:pt idx="19">
+                  <c:v>Seongnam-si</c:v>
+                </c:pt>
+                <c:pt idx="20">
+                  <c:v>Bucheon-si</c:v>
+                </c:pt>
+                <c:pt idx="21">
+                  <c:v>Hanam-si</c:v>
+                </c:pt>
+                <c:pt idx="22">
+                  <c:v>Uijeongbu-si</c:v>
+                </c:pt>
+                <c:pt idx="23">
+                  <c:v>Osan-si</c:v>
+                </c:pt>
+                <c:pt idx="24">
+                  <c:v>Anyang-si</c:v>
+                </c:pt>
+                <c:pt idx="25">
+                  <c:v>Gwangmyeong-si</c:v>
+                </c:pt>
+                <c:pt idx="26">
+                  <c:v>Dongducheon-si</c:v>
+                </c:pt>
+                <c:pt idx="27">
+                  <c:v>Uiwang-si</c:v>
+                </c:pt>
+                <c:pt idx="28">
+                  <c:v>Gunpo-si</c:v>
+                </c:pt>
+                <c:pt idx="29">
+                  <c:v>Guri-si</c:v>
+                </c:pt>
+                <c:pt idx="30">
+                  <c:v>Gwacheon-si</c:v>
+                </c:pt>
+              </c:strCache>
+            </c:strRef>
+          </c:cat>
+          <c:val>
+            <c:numRef>
+              <c:f>Sheet2!$C$42:$C$72</c:f>
+              <c:numCache>
+                <c:formatCode>0</c:formatCode>
+                <c:ptCount val="31"/>
+                <c:pt idx="0">
+                  <c:v>44751.392991897432</c:v>
+                </c:pt>
+                <c:pt idx="1">
+                  <c:v>31355.336931794514</c:v>
+                </c:pt>
+                <c:pt idx="2">
+                  <c:v>31245.400532437368</c:v>
+                </c:pt>
+                <c:pt idx="3">
+                  <c:v>27735.132525380792</c:v>
+                </c:pt>
+                <c:pt idx="4">
+                  <c:v>27055.708066988154</c:v>
+                </c:pt>
+                <c:pt idx="5">
+                  <c:v>26854.336309870869</c:v>
+                </c:pt>
+                <c:pt idx="6">
+                  <c:v>24151.977285743757</c:v>
+                </c:pt>
+                <c:pt idx="7">
+                  <c:v>21840.895466752601</c:v>
+                </c:pt>
+                <c:pt idx="8">
+                  <c:v>19327.554148223146</c:v>
+                </c:pt>
+                <c:pt idx="9">
+                  <c:v>18350.067029442034</c:v>
+                </c:pt>
+                <c:pt idx="10">
+                  <c:v>16960.33486496273</c:v>
+                </c:pt>
+                <c:pt idx="11">
+                  <c:v>14593.03026418845</c:v>
+                </c:pt>
+                <c:pt idx="12">
+                  <c:v>12899.100715625664</c:v>
+                </c:pt>
+                <c:pt idx="13">
+                  <c:v>11762.539121880636</c:v>
+                </c:pt>
+                <c:pt idx="14">
+                  <c:v>10988.834203464858</c:v>
+                </c:pt>
+                <c:pt idx="15">
+                  <c:v>9793.6831244079513</c:v>
+                </c:pt>
+                <c:pt idx="16">
+                  <c:v>8871.1323354231117</c:v>
+                </c:pt>
+                <c:pt idx="17">
+                  <c:v>8668.5007439447181</c:v>
+                </c:pt>
+                <c:pt idx="18">
+                  <c:v>7935.4560050335003</c:v>
+                </c:pt>
+                <c:pt idx="19">
+                  <c:v>5711.5137585405673</c:v>
+                </c:pt>
+                <c:pt idx="20">
+                  <c:v>3823.426548084667</c:v>
+                </c:pt>
+                <c:pt idx="21">
+                  <c:v>3446.780221259145</c:v>
+                </c:pt>
+                <c:pt idx="22">
+                  <c:v>2950.3734714636626</c:v>
+                </c:pt>
+                <c:pt idx="23">
+                  <c:v>2853.9785406570368</c:v>
+                </c:pt>
+                <c:pt idx="24">
+                  <c:v>2276.9368646054131</c:v>
+                </c:pt>
+                <c:pt idx="25">
+                  <c:v>2219.2646619820498</c:v>
+                </c:pt>
+                <c:pt idx="26">
+                  <c:v>2082.0128753843478</c:v>
+                </c:pt>
+                <c:pt idx="27">
+                  <c:v>2005.9091581458854</c:v>
+                </c:pt>
+                <c:pt idx="28">
+                  <c:v>1737.5953858203882</c:v>
+                </c:pt>
+                <c:pt idx="29">
+                  <c:v>1694.4436725592789</c:v>
+                </c:pt>
+                <c:pt idx="30">
+                  <c:v>1188.7077430954027</c:v>
+                </c:pt>
+              </c:numCache>
+            </c:numRef>
+          </c:val>
+          <c:extLst>
+            <c:ext xmlns:c16="http://schemas.microsoft.com/office/drawing/2014/chart" uri="{C3380CC4-5D6E-409C-BE32-E72D297353CC}">
+              <c16:uniqueId val="{00000000-1AEB-41E1-A39B-3821B95AE068}"/>
+            </c:ext>
+          </c:extLst>
+        </c:ser>
+        <c:dLbls>
+          <c:showLegendKey val="0"/>
+          <c:showVal val="0"/>
+          <c:showCatName val="0"/>
+          <c:showSerName val="0"/>
+          <c:showPercent val="0"/>
+          <c:showBubbleSize val="0"/>
+        </c:dLbls>
+        <c:gapWidth val="219"/>
+        <c:overlap val="-27"/>
+        <c:axId val="352924847"/>
+        <c:axId val="352917647"/>
+      </c:barChart>
+      <c:lineChart>
+        <c:grouping val="standard"/>
+        <c:varyColors val="0"/>
+        <c:ser>
+          <c:idx val="1"/>
+          <c:order val="1"/>
+          <c:tx>
+            <c:strRef>
+              <c:f>Sheet2!$D$40</c:f>
+              <c:strCache>
+                <c:ptCount val="1"/>
+                <c:pt idx="0">
+                  <c:v>Administrative Area</c:v>
+                </c:pt>
+              </c:strCache>
+            </c:strRef>
+          </c:tx>
+          <c:spPr>
+            <a:ln w="28575" cap="rnd">
+              <a:solidFill>
+                <a:schemeClr val="accent2"/>
+              </a:solidFill>
+              <a:round/>
+            </a:ln>
+            <a:effectLst/>
+          </c:spPr>
+          <c:marker>
+            <c:symbol val="none"/>
+          </c:marker>
+          <c:cat>
+            <c:strRef>
+              <c:f>Sheet2!$A$42:$A$72</c:f>
+              <c:strCache>
+                <c:ptCount val="31"/>
+                <c:pt idx="0">
+                  <c:v>Hwaseong-si</c:v>
+                </c:pt>
+                <c:pt idx="1">
+                  <c:v>Paju-si</c:v>
+                </c:pt>
+                <c:pt idx="2">
+                  <c:v>Pyeongtaek-si</c:v>
+                </c:pt>
+                <c:pt idx="3">
+                  <c:v>Yeoju-si</c:v>
+                </c:pt>
+                <c:pt idx="4">
+                  <c:v>Icheon-si</c:v>
+                </c:pt>
+                <c:pt idx="5">
+                  <c:v>Anseong-si</c:v>
+                </c:pt>
+                <c:pt idx="6">
+                  <c:v>Yongin-si</c:v>
+                </c:pt>
+                <c:pt idx="7">
+                  <c:v>Pocheon-si</c:v>
+                </c:pt>
+                <c:pt idx="8">
+                  <c:v>Yeoncheon-gun</c:v>
+                </c:pt>
+                <c:pt idx="9">
+                  <c:v>Yangpyeong-gun</c:v>
+                </c:pt>
+                <c:pt idx="10">
+                  <c:v>Gimpo-si</c:v>
+                </c:pt>
+                <c:pt idx="11">
+                  <c:v>Goyang-si</c:v>
+                </c:pt>
+                <c:pt idx="12">
+                  <c:v>Namyangju-si</c:v>
+                </c:pt>
+                <c:pt idx="13">
+                  <c:v>Yangju-si</c:v>
+                </c:pt>
+                <c:pt idx="14">
+                  <c:v>Gwangju-si</c:v>
+                </c:pt>
+                <c:pt idx="15">
+                  <c:v>Gapyeong-gun</c:v>
+                </c:pt>
+                <c:pt idx="16">
+                  <c:v>Ansan-si</c:v>
+                </c:pt>
+                <c:pt idx="17">
+                  <c:v>Siheung-si</c:v>
+                </c:pt>
+                <c:pt idx="18">
+                  <c:v>Suwon-si</c:v>
+                </c:pt>
+                <c:pt idx="19">
+                  <c:v>Seongnam-si</c:v>
+                </c:pt>
+                <c:pt idx="20">
+                  <c:v>Bucheon-si</c:v>
+                </c:pt>
+                <c:pt idx="21">
+                  <c:v>Hanam-si</c:v>
+                </c:pt>
+                <c:pt idx="22">
+                  <c:v>Uijeongbu-si</c:v>
+                </c:pt>
+                <c:pt idx="23">
+                  <c:v>Osan-si</c:v>
+                </c:pt>
+                <c:pt idx="24">
+                  <c:v>Anyang-si</c:v>
+                </c:pt>
+                <c:pt idx="25">
+                  <c:v>Gwangmyeong-si</c:v>
+                </c:pt>
+                <c:pt idx="26">
+                  <c:v>Dongducheon-si</c:v>
+                </c:pt>
+                <c:pt idx="27">
+                  <c:v>Uiwang-si</c:v>
+                </c:pt>
+                <c:pt idx="28">
+                  <c:v>Gunpo-si</c:v>
+                </c:pt>
+                <c:pt idx="29">
+                  <c:v>Guri-si</c:v>
+                </c:pt>
+                <c:pt idx="30">
+                  <c:v>Gwacheon-si</c:v>
+                </c:pt>
+              </c:strCache>
+            </c:strRef>
+          </c:cat>
+          <c:val>
+            <c:numRef>
+              <c:f>Sheet2!$D$42:$D$72</c:f>
+              <c:numCache>
+                <c:formatCode>0.0</c:formatCode>
+                <c:ptCount val="31"/>
+                <c:pt idx="0">
+                  <c:v>698.18</c:v>
+                </c:pt>
+                <c:pt idx="1">
+                  <c:v>673.86</c:v>
+                </c:pt>
+                <c:pt idx="2">
+                  <c:v>458.24</c:v>
+                </c:pt>
+                <c:pt idx="3">
+                  <c:v>608.26</c:v>
+                </c:pt>
+                <c:pt idx="4">
+                  <c:v>461.43</c:v>
+                </c:pt>
+                <c:pt idx="5">
+                  <c:v>553.46</c:v>
+                </c:pt>
+                <c:pt idx="6">
+                  <c:v>591.23</c:v>
+                </c:pt>
+                <c:pt idx="7">
+                  <c:v>826.91</c:v>
+                </c:pt>
+                <c:pt idx="8">
+                  <c:v>676.31</c:v>
+                </c:pt>
+                <c:pt idx="9">
+                  <c:v>877.69</c:v>
+                </c:pt>
+                <c:pt idx="10">
+                  <c:v>276.61</c:v>
+                </c:pt>
+                <c:pt idx="11">
+                  <c:v>268.10000000000002</c:v>
+                </c:pt>
+                <c:pt idx="12">
+                  <c:v>458.14</c:v>
+                </c:pt>
+                <c:pt idx="13">
+                  <c:v>310.43</c:v>
+                </c:pt>
+                <c:pt idx="14">
+                  <c:v>430.99</c:v>
+                </c:pt>
+                <c:pt idx="15">
+                  <c:v>843.66</c:v>
+                </c:pt>
+                <c:pt idx="16">
+                  <c:v>156.33000000000001</c:v>
+                </c:pt>
+                <c:pt idx="17">
+                  <c:v>139.68</c:v>
+                </c:pt>
+                <c:pt idx="18">
+                  <c:v>121.09</c:v>
+                </c:pt>
+                <c:pt idx="19">
+                  <c:v>141.63</c:v>
+                </c:pt>
+                <c:pt idx="20">
+                  <c:v>53.45</c:v>
+                </c:pt>
+                <c:pt idx="21">
+                  <c:v>92.99</c:v>
+                </c:pt>
+                <c:pt idx="22">
+                  <c:v>81.55</c:v>
+                </c:pt>
+                <c:pt idx="23">
+                  <c:v>42.71</c:v>
+                </c:pt>
+                <c:pt idx="24">
+                  <c:v>58.47</c:v>
+                </c:pt>
+                <c:pt idx="25">
+                  <c:v>38.53</c:v>
+                </c:pt>
+                <c:pt idx="26">
+                  <c:v>95.67</c:v>
+                </c:pt>
+                <c:pt idx="27">
+                  <c:v>54.03</c:v>
+                </c:pt>
+                <c:pt idx="28">
+                  <c:v>36.42</c:v>
+                </c:pt>
+                <c:pt idx="29">
+                  <c:v>33.33</c:v>
+                </c:pt>
+                <c:pt idx="30">
+                  <c:v>35.869999999999997</c:v>
+                </c:pt>
+              </c:numCache>
+            </c:numRef>
+          </c:val>
+          <c:smooth val="0"/>
+          <c:extLst>
+            <c:ext xmlns:c16="http://schemas.microsoft.com/office/drawing/2014/chart" uri="{C3380CC4-5D6E-409C-BE32-E72D297353CC}">
+              <c16:uniqueId val="{00000001-1AEB-41E1-A39B-3821B95AE068}"/>
+            </c:ext>
+          </c:extLst>
+        </c:ser>
+        <c:dLbls>
+          <c:showLegendKey val="0"/>
+          <c:showVal val="0"/>
+          <c:showCatName val="0"/>
+          <c:showSerName val="0"/>
+          <c:showPercent val="0"/>
+          <c:showBubbleSize val="0"/>
+        </c:dLbls>
+        <c:marker val="1"/>
+        <c:smooth val="0"/>
+        <c:axId val="352909487"/>
+        <c:axId val="352908047"/>
+      </c:lineChart>
+      <c:catAx>
+        <c:axId val="352924847"/>
+        <c:scaling>
+          <c:orientation val="minMax"/>
+        </c:scaling>
+        <c:delete val="0"/>
+        <c:axPos val="b"/>
+        <c:numFmt formatCode="General" sourceLinked="1"/>
+        <c:majorTickMark val="none"/>
+        <c:minorTickMark val="none"/>
+        <c:tickLblPos val="nextTo"/>
+        <c:spPr>
+          <a:noFill/>
+          <a:ln w="9525" cap="flat" cmpd="sng" algn="ctr">
+            <a:solidFill>
+              <a:schemeClr val="tx1">
+                <a:lumMod val="15000"/>
+                <a:lumOff val="85000"/>
+              </a:schemeClr>
+            </a:solidFill>
+            <a:round/>
+          </a:ln>
+          <a:effectLst/>
+        </c:spPr>
+        <c:txPr>
+          <a:bodyPr rot="-60000000" spcFirstLastPara="1" vertOverflow="ellipsis" vert="horz" wrap="square" anchor="ctr" anchorCtr="1"/>
+          <a:lstStyle/>
+          <a:p>
+            <a:pPr>
+              <a:defRPr sz="1100" b="1" i="0" u="none" strike="noStrike" kern="1200" baseline="0">
+                <a:solidFill>
+                  <a:schemeClr val="tx1">
+                    <a:lumMod val="65000"/>
+                    <a:lumOff val="35000"/>
+                  </a:schemeClr>
+                </a:solidFill>
+                <a:latin typeface="바탕체" panose="02030609000101010101" pitchFamily="17" charset="-127"/>
+                <a:ea typeface="바탕체" panose="02030609000101010101" pitchFamily="17" charset="-127"/>
+                <a:cs typeface="+mn-cs"/>
+              </a:defRPr>
+            </a:pPr>
+            <a:endParaRPr lang="ko-KR"/>
+          </a:p>
+        </c:txPr>
+        <c:crossAx val="352917647"/>
+        <c:crosses val="autoZero"/>
+        <c:auto val="1"/>
+        <c:lblAlgn val="ctr"/>
+        <c:lblOffset val="100"/>
+        <c:noMultiLvlLbl val="0"/>
+      </c:catAx>
+      <c:valAx>
+        <c:axId val="352917647"/>
+        <c:scaling>
+          <c:orientation val="minMax"/>
+        </c:scaling>
+        <c:delete val="0"/>
+        <c:axPos val="l"/>
+        <c:majorGridlines>
+          <c:spPr>
+            <a:ln w="9525" cap="flat" cmpd="sng" algn="ctr">
+              <a:solidFill>
+                <a:schemeClr val="tx1">
+                  <a:lumMod val="15000"/>
+                  <a:lumOff val="85000"/>
+                </a:schemeClr>
+              </a:solidFill>
+              <a:round/>
+            </a:ln>
+            <a:effectLst/>
+          </c:spPr>
+        </c:majorGridlines>
+        <c:numFmt formatCode="0" sourceLinked="1"/>
+        <c:majorTickMark val="none"/>
+        <c:minorTickMark val="none"/>
+        <c:tickLblPos val="nextTo"/>
+        <c:spPr>
+          <a:noFill/>
+          <a:ln>
+            <a:noFill/>
+          </a:ln>
+          <a:effectLst/>
+        </c:spPr>
+        <c:txPr>
+          <a:bodyPr rot="-60000000" spcFirstLastPara="1" vertOverflow="ellipsis" vert="horz" wrap="square" anchor="ctr" anchorCtr="1"/>
+          <a:lstStyle/>
+          <a:p>
+            <a:pPr>
+              <a:defRPr sz="1100" b="1" i="0" u="none" strike="noStrike" kern="1200" baseline="0">
+                <a:solidFill>
+                  <a:schemeClr val="tx1">
+                    <a:lumMod val="65000"/>
+                    <a:lumOff val="35000"/>
+                  </a:schemeClr>
+                </a:solidFill>
+                <a:latin typeface="바탕체" panose="02030609000101010101" pitchFamily="17" charset="-127"/>
+                <a:ea typeface="바탕체" panose="02030609000101010101" pitchFamily="17" charset="-127"/>
+                <a:cs typeface="+mn-cs"/>
+              </a:defRPr>
+            </a:pPr>
+            <a:endParaRPr lang="ko-KR"/>
+          </a:p>
+        </c:txPr>
+        <c:crossAx val="352924847"/>
+        <c:crosses val="autoZero"/>
+        <c:crossBetween val="between"/>
+        <c:dispUnits>
+          <c:builtInUnit val="thousands"/>
+        </c:dispUnits>
+      </c:valAx>
+      <c:valAx>
+        <c:axId val="352908047"/>
+        <c:scaling>
+          <c:orientation val="minMax"/>
+          <c:max val="900"/>
+        </c:scaling>
+        <c:delete val="0"/>
+        <c:axPos val="r"/>
+        <c:numFmt formatCode="#,##0_);[Red]\(#,##0\)" sourceLinked="0"/>
+        <c:majorTickMark val="out"/>
+        <c:minorTickMark val="none"/>
+        <c:tickLblPos val="nextTo"/>
+        <c:spPr>
+          <a:noFill/>
+          <a:ln>
+            <a:noFill/>
+          </a:ln>
+          <a:effectLst/>
+        </c:spPr>
+        <c:txPr>
+          <a:bodyPr rot="-60000000" spcFirstLastPara="1" vertOverflow="ellipsis" vert="horz" wrap="square" anchor="ctr" anchorCtr="1"/>
+          <a:lstStyle/>
+          <a:p>
+            <a:pPr>
+              <a:defRPr sz="1100" b="1" i="0" u="none" strike="noStrike" kern="1200" baseline="0">
+                <a:solidFill>
+                  <a:schemeClr val="tx1">
+                    <a:lumMod val="65000"/>
+                    <a:lumOff val="35000"/>
+                  </a:schemeClr>
+                </a:solidFill>
+                <a:latin typeface="바탕체" panose="02030609000101010101" pitchFamily="17" charset="-127"/>
+                <a:ea typeface="바탕체" panose="02030609000101010101" pitchFamily="17" charset="-127"/>
+                <a:cs typeface="+mn-cs"/>
+              </a:defRPr>
+            </a:pPr>
+            <a:endParaRPr lang="ko-KR"/>
+          </a:p>
+        </c:txPr>
+        <c:crossAx val="352909487"/>
+        <c:crosses val="max"/>
+        <c:crossBetween val="between"/>
+      </c:valAx>
+      <c:catAx>
+        <c:axId val="352909487"/>
+        <c:scaling>
+          <c:orientation val="minMax"/>
+        </c:scaling>
+        <c:delete val="1"/>
+        <c:axPos val="b"/>
+        <c:numFmt formatCode="General" sourceLinked="1"/>
+        <c:majorTickMark val="out"/>
+        <c:minorTickMark val="none"/>
+        <c:tickLblPos val="nextTo"/>
+        <c:crossAx val="352908047"/>
+        <c:crosses val="autoZero"/>
+        <c:auto val="1"/>
+        <c:lblAlgn val="ctr"/>
+        <c:lblOffset val="100"/>
+        <c:noMultiLvlLbl val="0"/>
+      </c:catAx>
+      <c:spPr>
+        <a:noFill/>
+        <a:ln>
+          <a:noFill/>
+        </a:ln>
+        <a:effectLst/>
+      </c:spPr>
+    </c:plotArea>
+    <c:legend>
+      <c:legendPos val="r"/>
+      <c:layout>
+        <c:manualLayout>
+          <c:xMode val="edge"/>
+          <c:yMode val="edge"/>
+          <c:x val="0.56031955149987189"/>
+          <c:y val="6.6533347340617111E-2"/>
+          <c:w val="0.31449156127208167"/>
+          <c:h val="0.13292720831487062"/>
+        </c:manualLayout>
+      </c:layout>
+      <c:overlay val="0"/>
+      <c:spPr>
+        <a:solidFill>
+          <a:schemeClr val="bg1"/>
+        </a:solidFill>
+        <a:ln>
+          <a:solidFill>
+            <a:schemeClr val="tx1"/>
+          </a:solidFill>
+        </a:ln>
+        <a:effectLst/>
+      </c:spPr>
+      <c:txPr>
+        <a:bodyPr rot="0" spcFirstLastPara="1" vertOverflow="ellipsis" vert="horz" wrap="square" anchor="ctr" anchorCtr="1"/>
+        <a:lstStyle/>
+        <a:p>
+          <a:pPr>
+            <a:defRPr sz="1400" b="0" i="0" u="none" strike="noStrike" kern="1200" baseline="0">
+              <a:solidFill>
+                <a:schemeClr val="tx1">
+                  <a:lumMod val="65000"/>
+                  <a:lumOff val="35000"/>
+                </a:schemeClr>
+              </a:solidFill>
+              <a:latin typeface="바탕체" panose="02030609000101010101" pitchFamily="17" charset="-127"/>
+              <a:ea typeface="바탕체" panose="02030609000101010101" pitchFamily="17" charset="-127"/>
+              <a:cs typeface="+mn-cs"/>
+            </a:defRPr>
+          </a:pPr>
+          <a:endParaRPr lang="ko-KR"/>
+        </a:p>
+      </c:txPr>
+    </c:legend>
+    <c:plotVisOnly val="1"/>
+    <c:dispBlanksAs val="gap"/>
+    <c:extLst>
+      <c:ext xmlns:c16r3="http://schemas.microsoft.com/office/drawing/2017/03/chart" uri="{56B9EC1D-385E-4148-901F-78D8002777C0}">
+        <c16r3:dataDisplayOptions16>
+          <c16r3:dispNaAsBlank val="1"/>
+        </c16r3:dataDisplayOptions16>
+      </c:ext>
+    </c:extLst>
+    <c:showDLblsOverMax val="0"/>
+  </c:chart>
+  <c:spPr>
+    <a:solidFill>
+      <a:schemeClr val="bg1"/>
+    </a:solidFill>
+    <a:ln w="9525" cap="flat" cmpd="sng" algn="ctr">
+      <a:solidFill>
+        <a:sysClr val="windowText" lastClr="000000"/>
+      </a:solidFill>
+      <a:round/>
+    </a:ln>
+    <a:effectLst/>
+  </c:spPr>
+  <c:txPr>
+    <a:bodyPr/>
+    <a:lstStyle/>
+    <a:p>
+      <a:pPr>
+        <a:defRPr/>
+      </a:pPr>
+      <a:endParaRPr lang="ko-KR"/>
+    </a:p>
+  </c:txPr>
+  <c:externalData r:id="rId3">
+    <c:autoUpdate val="0"/>
+  </c:externalData>
+</c:chartSpace>
+</file>
+
+<file path=ppt/charts/chart2.xml><?xml version="1.0" encoding="utf-8"?>
+<c:chartSpace xmlns:c="http://schemas.openxmlformats.org/drawingml/2006/chart" xmlns:a="http://schemas.openxmlformats.org/drawingml/2006/main" xmlns:r="http://schemas.openxmlformats.org/officeDocument/2006/relationships" xmlns:c16r2="http://schemas.microsoft.com/office/drawing/2015/06/chart">
+  <c:date1904 val="0"/>
+  <c:lang val="ko-KR"/>
+  <c:roundedCorners val="0"/>
+  <mc:AlternateContent xmlns:mc="http://schemas.openxmlformats.org/markup-compatibility/2006">
+    <mc:Choice xmlns:c14="http://schemas.microsoft.com/office/drawing/2007/8/2/chart" Requires="c14">
+      <c14:style val="102"/>
+    </mc:Choice>
+    <mc:Fallback>
+      <c:style val="2"/>
+    </mc:Fallback>
+  </mc:AlternateContent>
+  <c:chart>
+    <c:autoTitleDeleted val="1"/>
+    <c:plotArea>
+      <c:layout>
+        <c:manualLayout>
+          <c:layoutTarget val="inner"/>
+          <c:xMode val="edge"/>
+          <c:yMode val="edge"/>
+          <c:x val="5.4421991790224104E-2"/>
+          <c:y val="2.394774864116574E-2"/>
+          <c:w val="0.8961214146860359"/>
+          <c:h val="0.68082912176051602"/>
+        </c:manualLayout>
+      </c:layout>
+      <c:barChart>
+        <c:barDir val="col"/>
+        <c:grouping val="clustered"/>
+        <c:varyColors val="0"/>
+        <c:ser>
+          <c:idx val="0"/>
+          <c:order val="0"/>
+          <c:tx>
+            <c:strRef>
+              <c:f>Sheet2!$C$76</c:f>
+              <c:strCache>
+                <c:ptCount val="1"/>
+                <c:pt idx="0">
+                  <c:v>Market potential</c:v>
+                </c:pt>
+              </c:strCache>
+            </c:strRef>
+          </c:tx>
+          <c:spPr>
+            <a:solidFill>
+              <a:schemeClr val="accent1"/>
+            </a:solidFill>
+            <a:ln>
+              <a:noFill/>
+            </a:ln>
+            <a:effectLst/>
+          </c:spPr>
+          <c:invertIfNegative val="0"/>
+          <c:cat>
+            <c:strRef>
+              <c:f>Sheet2!$A$78:$A$108</c:f>
+              <c:strCache>
+                <c:ptCount val="31"/>
+                <c:pt idx="0">
+                  <c:v>Yeoncheon-gun</c:v>
+                </c:pt>
+                <c:pt idx="1">
+                  <c:v>Paju-si</c:v>
+                </c:pt>
+                <c:pt idx="2">
+                  <c:v>Pocheon-si</c:v>
+                </c:pt>
+                <c:pt idx="3">
+                  <c:v>Anseong-si</c:v>
+                </c:pt>
+                <c:pt idx="4">
+                  <c:v>Yangpyeong-gun</c:v>
+                </c:pt>
+                <c:pt idx="5">
+                  <c:v>Gapyeong-gun</c:v>
+                </c:pt>
+                <c:pt idx="6">
+                  <c:v>Yeoju-si</c:v>
+                </c:pt>
+                <c:pt idx="7">
+                  <c:v>Hwaseong-si</c:v>
+                </c:pt>
+                <c:pt idx="8">
+                  <c:v>Yangju-si</c:v>
+                </c:pt>
+                <c:pt idx="9">
+                  <c:v>Icheon-si</c:v>
+                </c:pt>
+                <c:pt idx="10">
+                  <c:v>Yongin-si</c:v>
+                </c:pt>
+                <c:pt idx="11">
+                  <c:v>Namyangju-si</c:v>
+                </c:pt>
+                <c:pt idx="12">
+                  <c:v>Ansan-si</c:v>
+                </c:pt>
+                <c:pt idx="13">
+                  <c:v>Pyeongtaek-si</c:v>
+                </c:pt>
+                <c:pt idx="14">
+                  <c:v>Siheung-si</c:v>
+                </c:pt>
+                <c:pt idx="15">
+                  <c:v>Gimpo-si</c:v>
+                </c:pt>
+                <c:pt idx="16">
+                  <c:v>Dongducheon-si</c:v>
+                </c:pt>
+                <c:pt idx="17">
+                  <c:v>Uijeongbu-si</c:v>
+                </c:pt>
+                <c:pt idx="18">
+                  <c:v>Hanam-si</c:v>
+                </c:pt>
+                <c:pt idx="19">
+                  <c:v>Uiwang-si</c:v>
+                </c:pt>
+                <c:pt idx="20">
+                  <c:v>Seongnam-si</c:v>
+                </c:pt>
+                <c:pt idx="21">
+                  <c:v>Goyang-si</c:v>
+                </c:pt>
+                <c:pt idx="22">
+                  <c:v>Suwon-si</c:v>
+                </c:pt>
+                <c:pt idx="23">
+                  <c:v>Anyang-si</c:v>
+                </c:pt>
+                <c:pt idx="24">
+                  <c:v>Gunpo-si</c:v>
+                </c:pt>
+                <c:pt idx="25">
+                  <c:v>Gwangju-si</c:v>
+                </c:pt>
+                <c:pt idx="26">
+                  <c:v>Guri-si</c:v>
+                </c:pt>
+                <c:pt idx="27">
+                  <c:v>Gwangmyeong-si</c:v>
+                </c:pt>
+                <c:pt idx="28">
+                  <c:v>Osan-si</c:v>
+                </c:pt>
+                <c:pt idx="29">
+                  <c:v>Bucheon-si</c:v>
+                </c:pt>
+                <c:pt idx="30">
+                  <c:v>Gwacheon-si</c:v>
+                </c:pt>
+              </c:strCache>
+            </c:strRef>
+          </c:cat>
+          <c:val>
+            <c:numRef>
+              <c:f>Sheet2!$C$78:$C$108</c:f>
+              <c:numCache>
+                <c:formatCode>0</c:formatCode>
+                <c:ptCount val="31"/>
+                <c:pt idx="0">
+                  <c:v>4692.9772768149724</c:v>
+                </c:pt>
+                <c:pt idx="1">
+                  <c:v>2227.7235540137372</c:v>
+                </c:pt>
+                <c:pt idx="2">
+                  <c:v>2008.9870782756591</c:v>
+                </c:pt>
+                <c:pt idx="3">
+                  <c:v>1976.804590885605</c:v>
+                </c:pt>
+                <c:pt idx="4">
+                  <c:v>1356.7085089440357</c:v>
+                </c:pt>
+                <c:pt idx="5">
+                  <c:v>1150.248435949318</c:v>
+                </c:pt>
+                <c:pt idx="6">
+                  <c:v>1004.9221167440427</c:v>
+                </c:pt>
+                <c:pt idx="7">
+                  <c:v>855.22171643638376</c:v>
+                </c:pt>
+                <c:pt idx="8">
+                  <c:v>447.15844883203658</c:v>
+                </c:pt>
+                <c:pt idx="9">
+                  <c:v>402.0577628197683</c:v>
+                </c:pt>
+                <c:pt idx="10">
+                  <c:v>386.43167819357132</c:v>
+                </c:pt>
+                <c:pt idx="11">
+                  <c:v>341.16965803718733</c:v>
+                </c:pt>
+                <c:pt idx="12">
+                  <c:v>220.16842282295258</c:v>
+                </c:pt>
+                <c:pt idx="13">
+                  <c:v>197.75919323301312</c:v>
+                </c:pt>
+                <c:pt idx="14">
+                  <c:v>148.26039961481143</c:v>
+                </c:pt>
+                <c:pt idx="15">
+                  <c:v>129.60568758583017</c:v>
+                </c:pt>
+                <c:pt idx="16">
+                  <c:v>105.73545297765708</c:v>
+                </c:pt>
+                <c:pt idx="17">
+                  <c:v>95.841170288562466</c:v>
+                </c:pt>
+                <c:pt idx="18">
+                  <c:v>82.999177209377407</c:v>
+                </c:pt>
+                <c:pt idx="19">
+                  <c:v>75.274060715675475</c:v>
+                </c:pt>
+                <c:pt idx="20">
+                  <c:v>73.266551779270216</c:v>
+                </c:pt>
+                <c:pt idx="21">
+                  <c:v>34.339339865684501</c:v>
+                </c:pt>
+                <c:pt idx="22">
+                  <c:v>23.515375140666947</c:v>
+                </c:pt>
+                <c:pt idx="23">
+                  <c:v>17.150895530223842</c:v>
+                </c:pt>
+                <c:pt idx="24">
+                  <c:v>16.545192607879624</c:v>
+                </c:pt>
+                <c:pt idx="25">
+                  <c:v>13.607353075027472</c:v>
+                </c:pt>
+                <c:pt idx="26">
+                  <c:v>12.209053881168373</c:v>
+                </c:pt>
+                <c:pt idx="27">
+                  <c:v>11.243136580944061</c:v>
+                </c:pt>
+                <c:pt idx="28">
+                  <c:v>6.763776578426361</c:v>
+                </c:pt>
+                <c:pt idx="29">
+                  <c:v>6.5368619575500473</c:v>
+                </c:pt>
+                <c:pt idx="30">
+                  <c:v>2.3620001182556152</c:v>
+                </c:pt>
+              </c:numCache>
+            </c:numRef>
+          </c:val>
+          <c:extLst>
+            <c:ext xmlns:c16="http://schemas.microsoft.com/office/drawing/2014/chart" uri="{C3380CC4-5D6E-409C-BE32-E72D297353CC}">
+              <c16:uniqueId val="{00000000-8F6D-4BDC-B3F6-1D037D9A159A}"/>
+            </c:ext>
+          </c:extLst>
+        </c:ser>
+        <c:dLbls>
+          <c:showLegendKey val="0"/>
+          <c:showVal val="0"/>
+          <c:showCatName val="0"/>
+          <c:showSerName val="0"/>
+          <c:showPercent val="0"/>
+          <c:showBubbleSize val="0"/>
+        </c:dLbls>
+        <c:gapWidth val="219"/>
+        <c:overlap val="-27"/>
+        <c:axId val="352924847"/>
+        <c:axId val="352917647"/>
+      </c:barChart>
+      <c:lineChart>
+        <c:grouping val="standard"/>
+        <c:varyColors val="0"/>
+        <c:ser>
+          <c:idx val="1"/>
+          <c:order val="1"/>
+          <c:tx>
+            <c:strRef>
+              <c:f>Sheet2!$D$76</c:f>
+              <c:strCache>
+                <c:ptCount val="1"/>
+                <c:pt idx="0">
+                  <c:v>Population density</c:v>
+                </c:pt>
+              </c:strCache>
+            </c:strRef>
+          </c:tx>
+          <c:spPr>
+            <a:ln w="28575" cap="rnd">
+              <a:solidFill>
+                <a:schemeClr val="accent2"/>
+              </a:solidFill>
+              <a:round/>
+            </a:ln>
+            <a:effectLst/>
+          </c:spPr>
+          <c:marker>
+            <c:symbol val="none"/>
+          </c:marker>
+          <c:cat>
+            <c:strRef>
+              <c:f>Sheet2!$A$78:$A$108</c:f>
+              <c:strCache>
+                <c:ptCount val="31"/>
+                <c:pt idx="0">
+                  <c:v>Yeoncheon-gun</c:v>
+                </c:pt>
+                <c:pt idx="1">
+                  <c:v>Paju-si</c:v>
+                </c:pt>
+                <c:pt idx="2">
+                  <c:v>Pocheon-si</c:v>
+                </c:pt>
+                <c:pt idx="3">
+                  <c:v>Anseong-si</c:v>
+                </c:pt>
+                <c:pt idx="4">
+                  <c:v>Yangpyeong-gun</c:v>
+                </c:pt>
+                <c:pt idx="5">
+                  <c:v>Gapyeong-gun</c:v>
+                </c:pt>
+                <c:pt idx="6">
+                  <c:v>Yeoju-si</c:v>
+                </c:pt>
+                <c:pt idx="7">
+                  <c:v>Hwaseong-si</c:v>
+                </c:pt>
+                <c:pt idx="8">
+                  <c:v>Yangju-si</c:v>
+                </c:pt>
+                <c:pt idx="9">
+                  <c:v>Icheon-si</c:v>
+                </c:pt>
+                <c:pt idx="10">
+                  <c:v>Yongin-si</c:v>
+                </c:pt>
+                <c:pt idx="11">
+                  <c:v>Namyangju-si</c:v>
+                </c:pt>
+                <c:pt idx="12">
+                  <c:v>Ansan-si</c:v>
+                </c:pt>
+                <c:pt idx="13">
+                  <c:v>Pyeongtaek-si</c:v>
+                </c:pt>
+                <c:pt idx="14">
+                  <c:v>Siheung-si</c:v>
+                </c:pt>
+                <c:pt idx="15">
+                  <c:v>Gimpo-si</c:v>
+                </c:pt>
+                <c:pt idx="16">
+                  <c:v>Dongducheon-si</c:v>
+                </c:pt>
+                <c:pt idx="17">
+                  <c:v>Uijeongbu-si</c:v>
+                </c:pt>
+                <c:pt idx="18">
+                  <c:v>Hanam-si</c:v>
+                </c:pt>
+                <c:pt idx="19">
+                  <c:v>Uiwang-si</c:v>
+                </c:pt>
+                <c:pt idx="20">
+                  <c:v>Seongnam-si</c:v>
+                </c:pt>
+                <c:pt idx="21">
+                  <c:v>Goyang-si</c:v>
+                </c:pt>
+                <c:pt idx="22">
+                  <c:v>Suwon-si</c:v>
+                </c:pt>
+                <c:pt idx="23">
+                  <c:v>Anyang-si</c:v>
+                </c:pt>
+                <c:pt idx="24">
+                  <c:v>Gunpo-si</c:v>
+                </c:pt>
+                <c:pt idx="25">
+                  <c:v>Gwangju-si</c:v>
+                </c:pt>
+                <c:pt idx="26">
+                  <c:v>Guri-si</c:v>
+                </c:pt>
+                <c:pt idx="27">
+                  <c:v>Gwangmyeong-si</c:v>
+                </c:pt>
+                <c:pt idx="28">
+                  <c:v>Osan-si</c:v>
+                </c:pt>
+                <c:pt idx="29">
+                  <c:v>Bucheon-si</c:v>
+                </c:pt>
+                <c:pt idx="30">
+                  <c:v>Gwacheon-si</c:v>
+                </c:pt>
+              </c:strCache>
+            </c:strRef>
+          </c:cat>
+          <c:val>
+            <c:numRef>
+              <c:f>Sheet2!$D$78:$D$108</c:f>
+              <c:numCache>
+                <c:formatCode>0</c:formatCode>
+                <c:ptCount val="31"/>
+                <c:pt idx="0">
+                  <c:v>62.413686031553581</c:v>
+                </c:pt>
+                <c:pt idx="1">
+                  <c:v>781.72617457632145</c:v>
+                </c:pt>
+                <c:pt idx="2">
+                  <c:v>190.80673833911794</c:v>
+                </c:pt>
+                <c:pt idx="3">
+                  <c:v>377.36241101434609</c:v>
+                </c:pt>
+                <c:pt idx="4">
+                  <c:v>146.35805352687166</c:v>
+                </c:pt>
+                <c:pt idx="5">
+                  <c:v>75.638290306521583</c:v>
+                </c:pt>
+                <c:pt idx="6">
+                  <c:v>196.16940124288956</c:v>
+                </c:pt>
+                <c:pt idx="7">
+                  <c:v>1460.769429087055</c:v>
+                </c:pt>
+                <c:pt idx="8">
+                  <c:v>962.81931514351061</c:v>
+                </c:pt>
+                <c:pt idx="9">
+                  <c:v>504.68110005851372</c:v>
+                </c:pt>
+                <c:pt idx="10">
+                  <c:v>1871.9838303198417</c:v>
+                </c:pt>
+                <c:pt idx="11">
+                  <c:v>1619.013838564631</c:v>
+                </c:pt>
+                <c:pt idx="12">
+                  <c:v>4316.6314846798432</c:v>
+                </c:pt>
+                <c:pt idx="13">
+                  <c:v>1377.1058833798882</c:v>
+                </c:pt>
+                <c:pt idx="14">
+                  <c:v>3999.3198739977088</c:v>
+                </c:pt>
+                <c:pt idx="15">
+                  <c:v>1852.6481327500812</c:v>
+                </c:pt>
+                <c:pt idx="16">
+                  <c:v>952.18981917006374</c:v>
+                </c:pt>
+                <c:pt idx="17">
+                  <c:v>5742.1827099938691</c:v>
+                </c:pt>
+                <c:pt idx="18">
+                  <c:v>3568.8138509517153</c:v>
+                </c:pt>
+                <c:pt idx="19">
+                  <c:v>2879.6224319822322</c:v>
+                </c:pt>
+                <c:pt idx="20">
+                  <c:v>6566.9632140083322</c:v>
+                </c:pt>
+                <c:pt idx="21">
+                  <c:v>4043.3420365535244</c:v>
+                </c:pt>
+                <c:pt idx="22">
+                  <c:v>10173.408208770335</c:v>
+                </c:pt>
+                <c:pt idx="23">
+                  <c:v>9635.4198734393703</c:v>
+                </c:pt>
+                <c:pt idx="24">
+                  <c:v>7190.993959362987</c:v>
+                </c:pt>
+                <c:pt idx="25">
+                  <c:v>957.14053690340836</c:v>
+                </c:pt>
+                <c:pt idx="26">
+                  <c:v>5652.6552655265532</c:v>
+                </c:pt>
+                <c:pt idx="27">
+                  <c:v>7295.146638982611</c:v>
+                </c:pt>
+                <c:pt idx="28">
+                  <c:v>5916.0618122219621</c:v>
+                </c:pt>
+                <c:pt idx="29">
+                  <c:v>14952.703461178671</c:v>
+                </c:pt>
+                <c:pt idx="30">
+                  <c:v>2391.2182882631728</c:v>
+                </c:pt>
+              </c:numCache>
+            </c:numRef>
+          </c:val>
+          <c:smooth val="0"/>
+          <c:extLst>
+            <c:ext xmlns:c16="http://schemas.microsoft.com/office/drawing/2014/chart" uri="{C3380CC4-5D6E-409C-BE32-E72D297353CC}">
+              <c16:uniqueId val="{00000001-8F6D-4BDC-B3F6-1D037D9A159A}"/>
+            </c:ext>
+          </c:extLst>
+        </c:ser>
+        <c:dLbls>
+          <c:showLegendKey val="0"/>
+          <c:showVal val="0"/>
+          <c:showCatName val="0"/>
+          <c:showSerName val="0"/>
+          <c:showPercent val="0"/>
+          <c:showBubbleSize val="0"/>
+        </c:dLbls>
+        <c:marker val="1"/>
+        <c:smooth val="0"/>
+        <c:axId val="352909487"/>
+        <c:axId val="352908047"/>
+      </c:lineChart>
+      <c:catAx>
+        <c:axId val="352924847"/>
+        <c:scaling>
+          <c:orientation val="minMax"/>
+        </c:scaling>
+        <c:delete val="0"/>
+        <c:axPos val="b"/>
+        <c:numFmt formatCode="General" sourceLinked="1"/>
+        <c:majorTickMark val="none"/>
+        <c:minorTickMark val="none"/>
+        <c:tickLblPos val="nextTo"/>
+        <c:spPr>
+          <a:noFill/>
+          <a:ln w="9525" cap="flat" cmpd="sng" algn="ctr">
+            <a:solidFill>
+              <a:schemeClr val="tx1">
+                <a:lumMod val="15000"/>
+                <a:lumOff val="85000"/>
+              </a:schemeClr>
+            </a:solidFill>
+            <a:round/>
+          </a:ln>
+          <a:effectLst/>
+        </c:spPr>
+        <c:txPr>
+          <a:bodyPr rot="-60000000" spcFirstLastPara="1" vertOverflow="ellipsis" vert="horz" wrap="square" anchor="ctr" anchorCtr="1"/>
+          <a:lstStyle/>
+          <a:p>
+            <a:pPr>
+              <a:defRPr sz="1100" b="1" i="0" u="none" strike="noStrike" kern="1200" baseline="0">
+                <a:solidFill>
+                  <a:schemeClr val="tx1">
+                    <a:lumMod val="65000"/>
+                    <a:lumOff val="35000"/>
+                  </a:schemeClr>
+                </a:solidFill>
+                <a:latin typeface="바탕체" panose="02030609000101010101" pitchFamily="17" charset="-127"/>
+                <a:ea typeface="바탕체" panose="02030609000101010101" pitchFamily="17" charset="-127"/>
+                <a:cs typeface="+mn-cs"/>
+              </a:defRPr>
+            </a:pPr>
+            <a:endParaRPr lang="ko-KR"/>
+          </a:p>
+        </c:txPr>
+        <c:crossAx val="352917647"/>
+        <c:crosses val="autoZero"/>
+        <c:auto val="1"/>
+        <c:lblAlgn val="ctr"/>
+        <c:lblOffset val="100"/>
+        <c:noMultiLvlLbl val="0"/>
+      </c:catAx>
+      <c:valAx>
+        <c:axId val="352917647"/>
+        <c:scaling>
+          <c:orientation val="minMax"/>
+        </c:scaling>
+        <c:delete val="0"/>
+        <c:axPos val="l"/>
+        <c:majorGridlines>
+          <c:spPr>
+            <a:ln w="9525" cap="flat" cmpd="sng" algn="ctr">
+              <a:solidFill>
+                <a:schemeClr val="tx1">
+                  <a:lumMod val="15000"/>
+                  <a:lumOff val="85000"/>
+                </a:schemeClr>
+              </a:solidFill>
+              <a:round/>
+            </a:ln>
+            <a:effectLst/>
+          </c:spPr>
+        </c:majorGridlines>
+        <c:numFmt formatCode="0.0" sourceLinked="0"/>
+        <c:majorTickMark val="none"/>
+        <c:minorTickMark val="none"/>
+        <c:tickLblPos val="nextTo"/>
+        <c:spPr>
+          <a:noFill/>
+          <a:ln>
+            <a:noFill/>
+          </a:ln>
+          <a:effectLst/>
+        </c:spPr>
+        <c:txPr>
+          <a:bodyPr rot="-60000000" spcFirstLastPara="1" vertOverflow="ellipsis" vert="horz" wrap="square" anchor="ctr" anchorCtr="1"/>
+          <a:lstStyle/>
+          <a:p>
+            <a:pPr>
+              <a:defRPr sz="1100" b="1" i="0" u="none" strike="noStrike" kern="1200" baseline="0">
+                <a:solidFill>
+                  <a:schemeClr val="tx1">
+                    <a:lumMod val="65000"/>
+                    <a:lumOff val="35000"/>
+                  </a:schemeClr>
+                </a:solidFill>
+                <a:latin typeface="바탕체" panose="02030609000101010101" pitchFamily="17" charset="-127"/>
+                <a:ea typeface="바탕체" panose="02030609000101010101" pitchFamily="17" charset="-127"/>
+                <a:cs typeface="+mn-cs"/>
+              </a:defRPr>
+            </a:pPr>
+            <a:endParaRPr lang="ko-KR"/>
+          </a:p>
+        </c:txPr>
+        <c:crossAx val="352924847"/>
+        <c:crosses val="autoZero"/>
+        <c:crossBetween val="between"/>
+        <c:dispUnits>
+          <c:builtInUnit val="thousands"/>
+        </c:dispUnits>
+      </c:valAx>
+      <c:valAx>
+        <c:axId val="352908047"/>
+        <c:scaling>
+          <c:orientation val="minMax"/>
+        </c:scaling>
+        <c:delete val="0"/>
+        <c:axPos val="r"/>
+        <c:numFmt formatCode="0" sourceLinked="1"/>
+        <c:majorTickMark val="out"/>
+        <c:minorTickMark val="none"/>
+        <c:tickLblPos val="nextTo"/>
+        <c:spPr>
+          <a:noFill/>
+          <a:ln>
+            <a:noFill/>
+          </a:ln>
+          <a:effectLst/>
+        </c:spPr>
+        <c:txPr>
+          <a:bodyPr rot="-60000000" spcFirstLastPara="1" vertOverflow="ellipsis" vert="horz" wrap="square" anchor="ctr" anchorCtr="1"/>
+          <a:lstStyle/>
+          <a:p>
+            <a:pPr>
+              <a:defRPr sz="1100" b="1" i="0" u="none" strike="noStrike" kern="1200" baseline="0">
+                <a:solidFill>
+                  <a:schemeClr val="tx1">
+                    <a:lumMod val="65000"/>
+                    <a:lumOff val="35000"/>
+                  </a:schemeClr>
+                </a:solidFill>
+                <a:latin typeface="바탕체" panose="02030609000101010101" pitchFamily="17" charset="-127"/>
+                <a:ea typeface="바탕체" panose="02030609000101010101" pitchFamily="17" charset="-127"/>
+                <a:cs typeface="+mn-cs"/>
+              </a:defRPr>
+            </a:pPr>
+            <a:endParaRPr lang="ko-KR"/>
+          </a:p>
+        </c:txPr>
+        <c:crossAx val="352909487"/>
+        <c:crosses val="max"/>
+        <c:crossBetween val="between"/>
+        <c:dispUnits>
+          <c:builtInUnit val="thousands"/>
+        </c:dispUnits>
+      </c:valAx>
+      <c:catAx>
+        <c:axId val="352909487"/>
+        <c:scaling>
+          <c:orientation val="minMax"/>
+        </c:scaling>
+        <c:delete val="1"/>
+        <c:axPos val="b"/>
+        <c:numFmt formatCode="General" sourceLinked="1"/>
+        <c:majorTickMark val="out"/>
+        <c:minorTickMark val="none"/>
+        <c:tickLblPos val="nextTo"/>
+        <c:crossAx val="352908047"/>
+        <c:crosses val="autoZero"/>
+        <c:auto val="1"/>
+        <c:lblAlgn val="ctr"/>
+        <c:lblOffset val="100"/>
+        <c:noMultiLvlLbl val="0"/>
+      </c:catAx>
+      <c:spPr>
+        <a:noFill/>
+        <a:ln>
+          <a:noFill/>
+        </a:ln>
+        <a:effectLst/>
+      </c:spPr>
+    </c:plotArea>
+    <c:legend>
+      <c:legendPos val="r"/>
+      <c:layout>
+        <c:manualLayout>
+          <c:xMode val="edge"/>
+          <c:yMode val="edge"/>
+          <c:x val="0.1302537909346744"/>
+          <c:y val="6.9255765509655273E-2"/>
+          <c:w val="0.32070810404328548"/>
+          <c:h val="0.14353263160657886"/>
+        </c:manualLayout>
+      </c:layout>
+      <c:overlay val="0"/>
+      <c:spPr>
+        <a:solidFill>
+          <a:schemeClr val="bg1"/>
+        </a:solidFill>
+        <a:ln>
+          <a:solidFill>
+            <a:schemeClr val="tx1"/>
+          </a:solidFill>
+        </a:ln>
+        <a:effectLst/>
+      </c:spPr>
+      <c:txPr>
+        <a:bodyPr rot="0" spcFirstLastPara="1" vertOverflow="ellipsis" vert="horz" wrap="square" anchor="ctr" anchorCtr="1"/>
+        <a:lstStyle/>
+        <a:p>
+          <a:pPr>
+            <a:defRPr sz="1400" b="0" i="0" u="none" strike="noStrike" kern="1200" baseline="0">
+              <a:solidFill>
+                <a:schemeClr val="tx1">
+                  <a:lumMod val="65000"/>
+                  <a:lumOff val="35000"/>
+                </a:schemeClr>
+              </a:solidFill>
+              <a:latin typeface="바탕체" panose="02030609000101010101" pitchFamily="17" charset="-127"/>
+              <a:ea typeface="바탕체" panose="02030609000101010101" pitchFamily="17" charset="-127"/>
+              <a:cs typeface="+mn-cs"/>
+            </a:defRPr>
+          </a:pPr>
+          <a:endParaRPr lang="ko-KR"/>
+        </a:p>
+      </c:txPr>
+    </c:legend>
+    <c:plotVisOnly val="1"/>
+    <c:dispBlanksAs val="gap"/>
+    <c:extLst>
+      <c:ext xmlns:c16r3="http://schemas.microsoft.com/office/drawing/2017/03/chart" uri="{56B9EC1D-385E-4148-901F-78D8002777C0}">
+        <c16r3:dataDisplayOptions16>
+          <c16r3:dispNaAsBlank val="1"/>
+        </c16r3:dataDisplayOptions16>
+      </c:ext>
+    </c:extLst>
+    <c:showDLblsOverMax val="0"/>
+  </c:chart>
+  <c:spPr>
+    <a:solidFill>
+      <a:schemeClr val="bg1"/>
+    </a:solidFill>
+    <a:ln w="9525" cap="flat" cmpd="sng" algn="ctr">
+      <a:solidFill>
+        <a:sysClr val="windowText" lastClr="000000"/>
+      </a:solidFill>
+      <a:round/>
+    </a:ln>
+    <a:effectLst/>
+  </c:spPr>
+  <c:txPr>
+    <a:bodyPr/>
+    <a:lstStyle/>
+    <a:p>
+      <a:pPr>
+        <a:defRPr/>
+      </a:pPr>
+      <a:endParaRPr lang="ko-KR"/>
+    </a:p>
+  </c:txPr>
+  <c:externalData r:id="rId3">
+    <c:autoUpdate val="0"/>
+  </c:externalData>
+</c:chartSpace>
+</file>
+
+<file path=ppt/charts/colors1.xml><?xml version="1.0" encoding="utf-8"?>
+<cs:colorStyle xmlns:cs="http://schemas.microsoft.com/office/drawing/2012/chartStyle" xmlns:a="http://schemas.openxmlformats.org/drawingml/2006/main" meth="cycle" id="10">
+  <a:schemeClr val="accent1"/>
+  <a:schemeClr val="accent2"/>
+  <a:schemeClr val="accent3"/>
+  <a:schemeClr val="accent4"/>
+  <a:schemeClr val="accent5"/>
+  <a:schemeClr val="accent6"/>
+  <cs:variation/>
+  <cs:variation>
+    <a:lumMod val="60000"/>
+  </cs:variation>
+  <cs:variation>
+    <a:lumMod val="80000"/>
+    <a:lumOff val="20000"/>
+  </cs:variation>
+  <cs:variation>
+    <a:lumMod val="80000"/>
+  </cs:variation>
+  <cs:variation>
+    <a:lumMod val="60000"/>
+    <a:lumOff val="40000"/>
+  </cs:variation>
+  <cs:variation>
+    <a:lumMod val="50000"/>
+  </cs:variation>
+  <cs:variation>
+    <a:lumMod val="70000"/>
+    <a:lumOff val="30000"/>
+  </cs:variation>
+  <cs:variation>
+    <a:lumMod val="70000"/>
+  </cs:variation>
+  <cs:variation>
+    <a:lumMod val="50000"/>
+    <a:lumOff val="50000"/>
+  </cs:variation>
+</cs:colorStyle>
+</file>
+
+<file path=ppt/charts/colors2.xml><?xml version="1.0" encoding="utf-8"?>
+<cs:colorStyle xmlns:cs="http://schemas.microsoft.com/office/drawing/2012/chartStyle" xmlns:a="http://schemas.openxmlformats.org/drawingml/2006/main" meth="cycle" id="10">
+  <a:schemeClr val="accent1"/>
+  <a:schemeClr val="accent2"/>
+  <a:schemeClr val="accent3"/>
+  <a:schemeClr val="accent4"/>
+  <a:schemeClr val="accent5"/>
+  <a:schemeClr val="accent6"/>
+  <cs:variation/>
+  <cs:variation>
+    <a:lumMod val="60000"/>
+  </cs:variation>
+  <cs:variation>
+    <a:lumMod val="80000"/>
+    <a:lumOff val="20000"/>
+  </cs:variation>
+  <cs:variation>
+    <a:lumMod val="80000"/>
+  </cs:variation>
+  <cs:variation>
+    <a:lumMod val="60000"/>
+    <a:lumOff val="40000"/>
+  </cs:variation>
+  <cs:variation>
+    <a:lumMod val="50000"/>
+  </cs:variation>
+  <cs:variation>
+    <a:lumMod val="70000"/>
+    <a:lumOff val="30000"/>
+  </cs:variation>
+  <cs:variation>
+    <a:lumMod val="70000"/>
+  </cs:variation>
+  <cs:variation>
+    <a:lumMod val="50000"/>
+    <a:lumOff val="50000"/>
+  </cs:variation>
+</cs:colorStyle>
+</file>
+
+<file path=ppt/charts/style1.xml><?xml version="1.0" encoding="utf-8"?>
+<cs:chartStyle xmlns:cs="http://schemas.microsoft.com/office/drawing/2012/chartStyle" xmlns:a="http://schemas.openxmlformats.org/drawingml/2006/main" id="201">
+  <cs:axisTitle>
+    <cs:lnRef idx="0"/>
+    <cs:fillRef idx="0"/>
+    <cs:effectRef idx="0"/>
+    <cs:fontRef idx="minor">
+      <a:schemeClr val="tx1">
+        <a:lumMod val="65000"/>
+        <a:lumOff val="35000"/>
+      </a:schemeClr>
+    </cs:fontRef>
+    <cs:defRPr sz="1000" kern="1200"/>
+  </cs:axisTitle>
+  <cs:categoryAxis>
+    <cs:lnRef idx="0"/>
+    <cs:fillRef idx="0"/>
+    <cs:effectRef idx="0"/>
+    <cs:fontRef idx="minor">
+      <a:schemeClr val="tx1">
+        <a:lumMod val="65000"/>
+        <a:lumOff val="35000"/>
+      </a:schemeClr>
+    </cs:fontRef>
+    <cs:spPr>
+      <a:ln w="9525" cap="flat" cmpd="sng" algn="ctr">
+        <a:solidFill>
+          <a:schemeClr val="tx1">
+            <a:lumMod val="15000"/>
+            <a:lumOff val="85000"/>
+          </a:schemeClr>
+        </a:solidFill>
+        <a:round/>
+      </a:ln>
+    </cs:spPr>
+    <cs:defRPr sz="900" kern="1200"/>
+  </cs:categoryAxis>
+  <cs:chartArea mods="allowNoFillOverride allowNoLineOverride">
+    <cs:lnRef idx="0"/>
+    <cs:fillRef idx="0"/>
+    <cs:effectRef idx="0"/>
+    <cs:fontRef idx="minor">
+      <a:schemeClr val="tx1"/>
+    </cs:fontRef>
+    <cs:spPr>
+      <a:solidFill>
+        <a:schemeClr val="bg1"/>
+      </a:solidFill>
+      <a:ln w="9525" cap="flat" cmpd="sng" algn="ctr">
+        <a:solidFill>
+          <a:schemeClr val="tx1">
+            <a:lumMod val="15000"/>
+            <a:lumOff val="85000"/>
+          </a:schemeClr>
+        </a:solidFill>
+        <a:round/>
+      </a:ln>
+    </cs:spPr>
+    <cs:defRPr sz="1000" kern="1200"/>
+  </cs:chartArea>
+  <cs:dataLabel>
+    <cs:lnRef idx="0"/>
+    <cs:fillRef idx="0"/>
+    <cs:effectRef idx="0"/>
+    <cs:fontRef idx="minor">
+      <a:schemeClr val="tx1">
+        <a:lumMod val="75000"/>
+        <a:lumOff val="25000"/>
+      </a:schemeClr>
+    </cs:fontRef>
+    <cs:defRPr sz="900" kern="1200"/>
+  </cs:dataLabel>
+  <cs:dataLabelCallout>
+    <cs:lnRef idx="0"/>
+    <cs:fillRef idx="0"/>
+    <cs:effectRef idx="0"/>
+    <cs:fontRef idx="minor">
+      <a:schemeClr val="dk1">
+        <a:lumMod val="65000"/>
+        <a:lumOff val="35000"/>
+      </a:schemeClr>
+    </cs:fontRef>
+    <cs:spPr>
+      <a:solidFill>
+        <a:schemeClr val="lt1"/>
+      </a:solidFill>
+      <a:ln>
+        <a:solidFill>
+          <a:schemeClr val="dk1">
+            <a:lumMod val="25000"/>
+            <a:lumOff val="75000"/>
+          </a:schemeClr>
+        </a:solidFill>
+      </a:ln>
+    </cs:spPr>
+    <cs:defRPr sz="900" kern="1200"/>
+    <cs:bodyPr rot="0" spcFirstLastPara="1" vertOverflow="clip" horzOverflow="clip" vert="horz" wrap="square" lIns="36576" tIns="18288" rIns="36576" bIns="18288" anchor="ctr" anchorCtr="1">
+      <a:spAutoFit/>
+    </cs:bodyPr>
+  </cs:dataLabelCallout>
+  <cs:dataPoint>
+    <cs:lnRef idx="0"/>
+    <cs:fillRef idx="1">
+      <cs:styleClr val="auto"/>
+    </cs:fillRef>
+    <cs:effectRef idx="0"/>
+    <cs:fontRef idx="minor">
+      <a:schemeClr val="tx1"/>
+    </cs:fontRef>
+  </cs:dataPoint>
+  <cs:dataPoint3D>
+    <cs:lnRef idx="0"/>
+    <cs:fillRef idx="1">
+      <cs:styleClr val="auto"/>
+    </cs:fillRef>
+    <cs:effectRef idx="0"/>
+    <cs:fontRef idx="minor">
+      <a:schemeClr val="tx1"/>
+    </cs:fontRef>
+  </cs:dataPoint3D>
+  <cs:dataPointLine>
+    <cs:lnRef idx="0">
+      <cs:styleClr val="auto"/>
+    </cs:lnRef>
+    <cs:fillRef idx="1"/>
+    <cs:effectRef idx="0"/>
+    <cs:fontRef idx="minor">
+      <a:schemeClr val="tx1"/>
+    </cs:fontRef>
+    <cs:spPr>
+      <a:ln w="28575" cap="rnd">
+        <a:solidFill>
+          <a:schemeClr val="phClr"/>
+        </a:solidFill>
+        <a:round/>
+      </a:ln>
+    </cs:spPr>
+  </cs:dataPointLine>
+  <cs:dataPointMarker>
+    <cs:lnRef idx="0">
+      <cs:styleClr val="auto"/>
+    </cs:lnRef>
+    <cs:fillRef idx="1">
+      <cs:styleClr val="auto"/>
+    </cs:fillRef>
+    <cs:effectRef idx="0"/>
+    <cs:fontRef idx="minor">
+      <a:schemeClr val="tx1"/>
+    </cs:fontRef>
+    <cs:spPr>
+      <a:ln w="9525">
+        <a:solidFill>
+          <a:schemeClr val="phClr"/>
+        </a:solidFill>
+      </a:ln>
+    </cs:spPr>
+  </cs:dataPointMarker>
+  <cs:dataPointMarkerLayout symbol="circle" size="5"/>
+  <cs:dataPointWireframe>
+    <cs:lnRef idx="0">
+      <cs:styleClr val="auto"/>
+    </cs:lnRef>
+    <cs:fillRef idx="1"/>
+    <cs:effectRef idx="0"/>
+    <cs:fontRef idx="minor">
+      <a:schemeClr val="tx1"/>
+    </cs:fontRef>
+    <cs:spPr>
+      <a:ln w="9525" cap="rnd">
+        <a:solidFill>
+          <a:schemeClr val="phClr"/>
+        </a:solidFill>
+        <a:round/>
+      </a:ln>
+    </cs:spPr>
+  </cs:dataPointWireframe>
+  <cs:dataTable>
+    <cs:lnRef idx="0"/>
+    <cs:fillRef idx="0"/>
+    <cs:effectRef idx="0"/>
+    <cs:fontRef idx="minor">
+      <a:schemeClr val="tx1">
+        <a:lumMod val="65000"/>
+        <a:lumOff val="35000"/>
+      </a:schemeClr>
+    </cs:fontRef>
+    <cs:spPr>
+      <a:noFill/>
+      <a:ln w="9525" cap="flat" cmpd="sng" algn="ctr">
+        <a:solidFill>
+          <a:schemeClr val="tx1">
+            <a:lumMod val="15000"/>
+            <a:lumOff val="85000"/>
+          </a:schemeClr>
+        </a:solidFill>
+        <a:round/>
+      </a:ln>
+    </cs:spPr>
+    <cs:defRPr sz="900" kern="1200"/>
+  </cs:dataTable>
+  <cs:downBar>
+    <cs:lnRef idx="0"/>
+    <cs:fillRef idx="0"/>
+    <cs:effectRef idx="0"/>
+    <cs:fontRef idx="minor">
+      <a:schemeClr val="dk1"/>
+    </cs:fontRef>
+    <cs:spPr>
+      <a:solidFill>
+        <a:schemeClr val="dk1">
+          <a:lumMod val="65000"/>
+          <a:lumOff val="35000"/>
+        </a:schemeClr>
+      </a:solidFill>
+      <a:ln w="9525">
+        <a:solidFill>
+          <a:schemeClr val="tx1">
+            <a:lumMod val="65000"/>
+            <a:lumOff val="35000"/>
+          </a:schemeClr>
+        </a:solidFill>
+      </a:ln>
+    </cs:spPr>
+  </cs:downBar>
+  <cs:dropLine>
+    <cs:lnRef idx="0"/>
+    <cs:fillRef idx="0"/>
+    <cs:effectRef idx="0"/>
+    <cs:fontRef idx="minor">
+      <a:schemeClr val="tx1"/>
+    </cs:fontRef>
+    <cs:spPr>
+      <a:ln w="9525" cap="flat" cmpd="sng" algn="ctr">
+        <a:solidFill>
+          <a:schemeClr val="tx1">
+            <a:lumMod val="35000"/>
+            <a:lumOff val="65000"/>
+          </a:schemeClr>
+        </a:solidFill>
+        <a:round/>
+      </a:ln>
+    </cs:spPr>
+  </cs:dropLine>
+  <cs:errorBar>
+    <cs:lnRef idx="0"/>
+    <cs:fillRef idx="0"/>
+    <cs:effectRef idx="0"/>
+    <cs:fontRef idx="minor">
+      <a:schemeClr val="tx1"/>
+    </cs:fontRef>
+    <cs:spPr>
+      <a:ln w="9525" cap="flat" cmpd="sng" algn="ctr">
+        <a:solidFill>
+          <a:schemeClr val="tx1">
+            <a:lumMod val="65000"/>
+            <a:lumOff val="35000"/>
+          </a:schemeClr>
+        </a:solidFill>
+        <a:round/>
+      </a:ln>
+    </cs:spPr>
+  </cs:errorBar>
+  <cs:floor>
+    <cs:lnRef idx="0"/>
+    <cs:fillRef idx="0"/>
+    <cs:effectRef idx="0"/>
+    <cs:fontRef idx="minor">
+      <a:schemeClr val="tx1"/>
+    </cs:fontRef>
+    <cs:spPr>
+      <a:noFill/>
+      <a:ln>
+        <a:noFill/>
+      </a:ln>
+    </cs:spPr>
+  </cs:floor>
+  <cs:gridlineMajor>
+    <cs:lnRef idx="0"/>
+    <cs:fillRef idx="0"/>
+    <cs:effectRef idx="0"/>
+    <cs:fontRef idx="minor">
+      <a:schemeClr val="tx1"/>
+    </cs:fontRef>
+    <cs:spPr>
+      <a:ln w="9525" cap="flat" cmpd="sng" algn="ctr">
+        <a:solidFill>
+          <a:schemeClr val="tx1">
+            <a:lumMod val="15000"/>
+            <a:lumOff val="85000"/>
+          </a:schemeClr>
+        </a:solidFill>
+        <a:round/>
+      </a:ln>
+    </cs:spPr>
+  </cs:gridlineMajor>
+  <cs:gridlineMinor>
+    <cs:lnRef idx="0"/>
+    <cs:fillRef idx="0"/>
+    <cs:effectRef idx="0"/>
+    <cs:fontRef idx="minor">
+      <a:schemeClr val="tx1"/>
+    </cs:fontRef>
+    <cs:spPr>
+      <a:ln w="9525" cap="flat" cmpd="sng" algn="ctr">
+        <a:solidFill>
+          <a:schemeClr val="tx1">
+            <a:lumMod val="5000"/>
+            <a:lumOff val="95000"/>
+          </a:schemeClr>
+        </a:solidFill>
+        <a:round/>
+      </a:ln>
+    </cs:spPr>
+  </cs:gridlineMinor>
+  <cs:hiLoLine>
+    <cs:lnRef idx="0"/>
+    <cs:fillRef idx="0"/>
+    <cs:effectRef idx="0"/>
+    <cs:fontRef idx="minor">
+      <a:schemeClr val="tx1"/>
+    </cs:fontRef>
+    <cs:spPr>
+      <a:ln w="9525" cap="flat" cmpd="sng" algn="ctr">
+        <a:solidFill>
+          <a:schemeClr val="tx1">
+            <a:lumMod val="75000"/>
+            <a:lumOff val="25000"/>
+          </a:schemeClr>
+        </a:solidFill>
+        <a:round/>
+      </a:ln>
+    </cs:spPr>
+  </cs:hiLoLine>
+  <cs:leaderLine>
+    <cs:lnRef idx="0"/>
+    <cs:fillRef idx="0"/>
+    <cs:effectRef idx="0"/>
+    <cs:fontRef idx="minor">
+      <a:schemeClr val="tx1"/>
+    </cs:fontRef>
+    <cs:spPr>
+      <a:ln w="9525" cap="flat" cmpd="sng" algn="ctr">
+        <a:solidFill>
+          <a:schemeClr val="tx1">
+            <a:lumMod val="35000"/>
+            <a:lumOff val="65000"/>
+          </a:schemeClr>
+        </a:solidFill>
+        <a:round/>
+      </a:ln>
+    </cs:spPr>
+  </cs:leaderLine>
+  <cs:legend>
+    <cs:lnRef idx="0"/>
+    <cs:fillRef idx="0"/>
+    <cs:effectRef idx="0"/>
+    <cs:fontRef idx="minor">
+      <a:schemeClr val="tx1">
+        <a:lumMod val="65000"/>
+        <a:lumOff val="35000"/>
+      </a:schemeClr>
+    </cs:fontRef>
+    <cs:defRPr sz="900" kern="1200"/>
+  </cs:legend>
+  <cs:plotArea mods="allowNoFillOverride allowNoLineOverride">
+    <cs:lnRef idx="0"/>
+    <cs:fillRef idx="0"/>
+    <cs:effectRef idx="0"/>
+    <cs:fontRef idx="minor">
+      <a:schemeClr val="tx1"/>
+    </cs:fontRef>
+  </cs:plotArea>
+  <cs:plotArea3D mods="allowNoFillOverride allowNoLineOverride">
+    <cs:lnRef idx="0"/>
+    <cs:fillRef idx="0"/>
+    <cs:effectRef idx="0"/>
+    <cs:fontRef idx="minor">
+      <a:schemeClr val="tx1"/>
+    </cs:fontRef>
+  </cs:plotArea3D>
+  <cs:seriesAxis>
+    <cs:lnRef idx="0"/>
+    <cs:fillRef idx="0"/>
+    <cs:effectRef idx="0"/>
+    <cs:fontRef idx="minor">
+      <a:schemeClr val="tx1">
+        <a:lumMod val="65000"/>
+        <a:lumOff val="35000"/>
+      </a:schemeClr>
+    </cs:fontRef>
+    <cs:defRPr sz="900" kern="1200"/>
+  </cs:seriesAxis>
+  <cs:seriesLine>
+    <cs:lnRef idx="0"/>
+    <cs:fillRef idx="0"/>
+    <cs:effectRef idx="0"/>
+    <cs:fontRef idx="minor">
+      <a:schemeClr val="tx1"/>
+    </cs:fontRef>
+    <cs:spPr>
+      <a:ln w="9525" cap="flat" cmpd="sng" algn="ctr">
+        <a:solidFill>
+          <a:schemeClr val="tx1">
+            <a:lumMod val="35000"/>
+            <a:lumOff val="65000"/>
+          </a:schemeClr>
+        </a:solidFill>
+        <a:round/>
+      </a:ln>
+    </cs:spPr>
+  </cs:seriesLine>
+  <cs:title>
+    <cs:lnRef idx="0"/>
+    <cs:fillRef idx="0"/>
+    <cs:effectRef idx="0"/>
+    <cs:fontRef idx="minor">
+      <a:schemeClr val="tx1">
+        <a:lumMod val="65000"/>
+        <a:lumOff val="35000"/>
+      </a:schemeClr>
+    </cs:fontRef>
+    <cs:defRPr sz="1400" b="0" kern="1200" spc="0" baseline="0"/>
+  </cs:title>
+  <cs:trendline>
+    <cs:lnRef idx="0">
+      <cs:styleClr val="auto"/>
+    </cs:lnRef>
+    <cs:fillRef idx="0"/>
+    <cs:effectRef idx="0"/>
+    <cs:fontRef idx="minor">
+      <a:schemeClr val="tx1"/>
+    </cs:fontRef>
+    <cs:spPr>
+      <a:ln w="19050" cap="rnd">
+        <a:solidFill>
+          <a:schemeClr val="phClr"/>
+        </a:solidFill>
+        <a:prstDash val="sysDot"/>
+      </a:ln>
+    </cs:spPr>
+  </cs:trendline>
+  <cs:trendlineLabel>
+    <cs:lnRef idx="0"/>
+    <cs:fillRef idx="0"/>
+    <cs:effectRef idx="0"/>
+    <cs:fontRef idx="minor">
+      <a:schemeClr val="tx1">
+        <a:lumMod val="65000"/>
+        <a:lumOff val="35000"/>
+      </a:schemeClr>
+    </cs:fontRef>
+    <cs:defRPr sz="900" kern="1200"/>
+  </cs:trendlineLabel>
+  <cs:upBar>
+    <cs:lnRef idx="0"/>
+    <cs:fillRef idx="0"/>
+    <cs:effectRef idx="0"/>
+    <cs:fontRef idx="minor">
+      <a:schemeClr val="dk1"/>
+    </cs:fontRef>
+    <cs:spPr>
+      <a:solidFill>
+        <a:schemeClr val="lt1"/>
+      </a:solidFill>
+      <a:ln w="9525">
+        <a:solidFill>
+          <a:schemeClr val="tx1">
+            <a:lumMod val="15000"/>
+            <a:lumOff val="85000"/>
+          </a:schemeClr>
+        </a:solidFill>
+      </a:ln>
+    </cs:spPr>
+  </cs:upBar>
+  <cs:valueAxis>
+    <cs:lnRef idx="0"/>
+    <cs:fillRef idx="0"/>
+    <cs:effectRef idx="0"/>
+    <cs:fontRef idx="minor">
+      <a:schemeClr val="tx1">
+        <a:lumMod val="65000"/>
+        <a:lumOff val="35000"/>
+      </a:schemeClr>
+    </cs:fontRef>
+    <cs:defRPr sz="900" kern="1200"/>
+  </cs:valueAxis>
+  <cs:wall>
+    <cs:lnRef idx="0"/>
+    <cs:fillRef idx="0"/>
+    <cs:effectRef idx="0"/>
+    <cs:fontRef idx="minor">
+      <a:schemeClr val="tx1"/>
+    </cs:fontRef>
+    <cs:spPr>
+      <a:noFill/>
+      <a:ln>
+        <a:noFill/>
+      </a:ln>
+    </cs:spPr>
+  </cs:wall>
+</cs:chartStyle>
+</file>
+
+<file path=ppt/charts/style2.xml><?xml version="1.0" encoding="utf-8"?>
+<cs:chartStyle xmlns:cs="http://schemas.microsoft.com/office/drawing/2012/chartStyle" xmlns:a="http://schemas.openxmlformats.org/drawingml/2006/main" id="201">
+  <cs:axisTitle>
+    <cs:lnRef idx="0"/>
+    <cs:fillRef idx="0"/>
+    <cs:effectRef idx="0"/>
+    <cs:fontRef idx="minor">
+      <a:schemeClr val="tx1">
+        <a:lumMod val="65000"/>
+        <a:lumOff val="35000"/>
+      </a:schemeClr>
+    </cs:fontRef>
+    <cs:defRPr sz="1000" kern="1200"/>
+  </cs:axisTitle>
+  <cs:categoryAxis>
+    <cs:lnRef idx="0"/>
+    <cs:fillRef idx="0"/>
+    <cs:effectRef idx="0"/>
+    <cs:fontRef idx="minor">
+      <a:schemeClr val="tx1">
+        <a:lumMod val="65000"/>
+        <a:lumOff val="35000"/>
+      </a:schemeClr>
+    </cs:fontRef>
+    <cs:spPr>
+      <a:ln w="9525" cap="flat" cmpd="sng" algn="ctr">
+        <a:solidFill>
+          <a:schemeClr val="tx1">
+            <a:lumMod val="15000"/>
+            <a:lumOff val="85000"/>
+          </a:schemeClr>
+        </a:solidFill>
+        <a:round/>
+      </a:ln>
+    </cs:spPr>
+    <cs:defRPr sz="900" kern="1200"/>
+  </cs:categoryAxis>
+  <cs:chartArea mods="allowNoFillOverride allowNoLineOverride">
+    <cs:lnRef idx="0"/>
+    <cs:fillRef idx="0"/>
+    <cs:effectRef idx="0"/>
+    <cs:fontRef idx="minor">
+      <a:schemeClr val="tx1"/>
+    </cs:fontRef>
+    <cs:spPr>
+      <a:solidFill>
+        <a:schemeClr val="bg1"/>
+      </a:solidFill>
+      <a:ln w="9525" cap="flat" cmpd="sng" algn="ctr">
+        <a:solidFill>
+          <a:schemeClr val="tx1">
+            <a:lumMod val="15000"/>
+            <a:lumOff val="85000"/>
+          </a:schemeClr>
+        </a:solidFill>
+        <a:round/>
+      </a:ln>
+    </cs:spPr>
+    <cs:defRPr sz="1000" kern="1200"/>
+  </cs:chartArea>
+  <cs:dataLabel>
+    <cs:lnRef idx="0"/>
+    <cs:fillRef idx="0"/>
+    <cs:effectRef idx="0"/>
+    <cs:fontRef idx="minor">
+      <a:schemeClr val="tx1">
+        <a:lumMod val="75000"/>
+        <a:lumOff val="25000"/>
+      </a:schemeClr>
+    </cs:fontRef>
+    <cs:defRPr sz="900" kern="1200"/>
+  </cs:dataLabel>
+  <cs:dataLabelCallout>
+    <cs:lnRef idx="0"/>
+    <cs:fillRef idx="0"/>
+    <cs:effectRef idx="0"/>
+    <cs:fontRef idx="minor">
+      <a:schemeClr val="dk1">
+        <a:lumMod val="65000"/>
+        <a:lumOff val="35000"/>
+      </a:schemeClr>
+    </cs:fontRef>
+    <cs:spPr>
+      <a:solidFill>
+        <a:schemeClr val="lt1"/>
+      </a:solidFill>
+      <a:ln>
+        <a:solidFill>
+          <a:schemeClr val="dk1">
+            <a:lumMod val="25000"/>
+            <a:lumOff val="75000"/>
+          </a:schemeClr>
+        </a:solidFill>
+      </a:ln>
+    </cs:spPr>
+    <cs:defRPr sz="900" kern="1200"/>
+    <cs:bodyPr rot="0" spcFirstLastPara="1" vertOverflow="clip" horzOverflow="clip" vert="horz" wrap="square" lIns="36576" tIns="18288" rIns="36576" bIns="18288" anchor="ctr" anchorCtr="1">
+      <a:spAutoFit/>
+    </cs:bodyPr>
+  </cs:dataLabelCallout>
+  <cs:dataPoint>
+    <cs:lnRef idx="0"/>
+    <cs:fillRef idx="1">
+      <cs:styleClr val="auto"/>
+    </cs:fillRef>
+    <cs:effectRef idx="0"/>
+    <cs:fontRef idx="minor">
+      <a:schemeClr val="tx1"/>
+    </cs:fontRef>
+  </cs:dataPoint>
+  <cs:dataPoint3D>
+    <cs:lnRef idx="0"/>
+    <cs:fillRef idx="1">
+      <cs:styleClr val="auto"/>
+    </cs:fillRef>
+    <cs:effectRef idx="0"/>
+    <cs:fontRef idx="minor">
+      <a:schemeClr val="tx1"/>
+    </cs:fontRef>
+  </cs:dataPoint3D>
+  <cs:dataPointLine>
+    <cs:lnRef idx="0">
+      <cs:styleClr val="auto"/>
+    </cs:lnRef>
+    <cs:fillRef idx="1"/>
+    <cs:effectRef idx="0"/>
+    <cs:fontRef idx="minor">
+      <a:schemeClr val="tx1"/>
+    </cs:fontRef>
+    <cs:spPr>
+      <a:ln w="28575" cap="rnd">
+        <a:solidFill>
+          <a:schemeClr val="phClr"/>
+        </a:solidFill>
+        <a:round/>
+      </a:ln>
+    </cs:spPr>
+  </cs:dataPointLine>
+  <cs:dataPointMarker>
+    <cs:lnRef idx="0">
+      <cs:styleClr val="auto"/>
+    </cs:lnRef>
+    <cs:fillRef idx="1">
+      <cs:styleClr val="auto"/>
+    </cs:fillRef>
+    <cs:effectRef idx="0"/>
+    <cs:fontRef idx="minor">
+      <a:schemeClr val="tx1"/>
+    </cs:fontRef>
+    <cs:spPr>
+      <a:ln w="9525">
+        <a:solidFill>
+          <a:schemeClr val="phClr"/>
+        </a:solidFill>
+      </a:ln>
+    </cs:spPr>
+  </cs:dataPointMarker>
+  <cs:dataPointMarkerLayout symbol="circle" size="5"/>
+  <cs:dataPointWireframe>
+    <cs:lnRef idx="0">
+      <cs:styleClr val="auto"/>
+    </cs:lnRef>
+    <cs:fillRef idx="1"/>
+    <cs:effectRef idx="0"/>
+    <cs:fontRef idx="minor">
+      <a:schemeClr val="tx1"/>
+    </cs:fontRef>
+    <cs:spPr>
+      <a:ln w="9525" cap="rnd">
+        <a:solidFill>
+          <a:schemeClr val="phClr"/>
+        </a:solidFill>
+        <a:round/>
+      </a:ln>
+    </cs:spPr>
+  </cs:dataPointWireframe>
+  <cs:dataTable>
+    <cs:lnRef idx="0"/>
+    <cs:fillRef idx="0"/>
+    <cs:effectRef idx="0"/>
+    <cs:fontRef idx="minor">
+      <a:schemeClr val="tx1">
+        <a:lumMod val="65000"/>
+        <a:lumOff val="35000"/>
+      </a:schemeClr>
+    </cs:fontRef>
+    <cs:spPr>
+      <a:noFill/>
+      <a:ln w="9525" cap="flat" cmpd="sng" algn="ctr">
+        <a:solidFill>
+          <a:schemeClr val="tx1">
+            <a:lumMod val="15000"/>
+            <a:lumOff val="85000"/>
+          </a:schemeClr>
+        </a:solidFill>
+        <a:round/>
+      </a:ln>
+    </cs:spPr>
+    <cs:defRPr sz="900" kern="1200"/>
+  </cs:dataTable>
+  <cs:downBar>
+    <cs:lnRef idx="0"/>
+    <cs:fillRef idx="0"/>
+    <cs:effectRef idx="0"/>
+    <cs:fontRef idx="minor">
+      <a:schemeClr val="dk1"/>
+    </cs:fontRef>
+    <cs:spPr>
+      <a:solidFill>
+        <a:schemeClr val="dk1">
+          <a:lumMod val="65000"/>
+          <a:lumOff val="35000"/>
+        </a:schemeClr>
+      </a:solidFill>
+      <a:ln w="9525">
+        <a:solidFill>
+          <a:schemeClr val="tx1">
+            <a:lumMod val="65000"/>
+            <a:lumOff val="35000"/>
+          </a:schemeClr>
+        </a:solidFill>
+      </a:ln>
+    </cs:spPr>
+  </cs:downBar>
+  <cs:dropLine>
+    <cs:lnRef idx="0"/>
+    <cs:fillRef idx="0"/>
+    <cs:effectRef idx="0"/>
+    <cs:fontRef idx="minor">
+      <a:schemeClr val="tx1"/>
+    </cs:fontRef>
+    <cs:spPr>
+      <a:ln w="9525" cap="flat" cmpd="sng" algn="ctr">
+        <a:solidFill>
+          <a:schemeClr val="tx1">
+            <a:lumMod val="35000"/>
+            <a:lumOff val="65000"/>
+          </a:schemeClr>
+        </a:solidFill>
+        <a:round/>
+      </a:ln>
+    </cs:spPr>
+  </cs:dropLine>
+  <cs:errorBar>
+    <cs:lnRef idx="0"/>
+    <cs:fillRef idx="0"/>
+    <cs:effectRef idx="0"/>
+    <cs:fontRef idx="minor">
+      <a:schemeClr val="tx1"/>
+    </cs:fontRef>
+    <cs:spPr>
+      <a:ln w="9525" cap="flat" cmpd="sng" algn="ctr">
+        <a:solidFill>
+          <a:schemeClr val="tx1">
+            <a:lumMod val="65000"/>
+            <a:lumOff val="35000"/>
+          </a:schemeClr>
+        </a:solidFill>
+        <a:round/>
+      </a:ln>
+    </cs:spPr>
+  </cs:errorBar>
+  <cs:floor>
+    <cs:lnRef idx="0"/>
+    <cs:fillRef idx="0"/>
+    <cs:effectRef idx="0"/>
+    <cs:fontRef idx="minor">
+      <a:schemeClr val="tx1"/>
+    </cs:fontRef>
+    <cs:spPr>
+      <a:noFill/>
+      <a:ln>
+        <a:noFill/>
+      </a:ln>
+    </cs:spPr>
+  </cs:floor>
+  <cs:gridlineMajor>
+    <cs:lnRef idx="0"/>
+    <cs:fillRef idx="0"/>
+    <cs:effectRef idx="0"/>
+    <cs:fontRef idx="minor">
+      <a:schemeClr val="tx1"/>
+    </cs:fontRef>
+    <cs:spPr>
+      <a:ln w="9525" cap="flat" cmpd="sng" algn="ctr">
+        <a:solidFill>
+          <a:schemeClr val="tx1">
+            <a:lumMod val="15000"/>
+            <a:lumOff val="85000"/>
+          </a:schemeClr>
+        </a:solidFill>
+        <a:round/>
+      </a:ln>
+    </cs:spPr>
+  </cs:gridlineMajor>
+  <cs:gridlineMinor>
+    <cs:lnRef idx="0"/>
+    <cs:fillRef idx="0"/>
+    <cs:effectRef idx="0"/>
+    <cs:fontRef idx="minor">
+      <a:schemeClr val="tx1"/>
+    </cs:fontRef>
+    <cs:spPr>
+      <a:ln w="9525" cap="flat" cmpd="sng" algn="ctr">
+        <a:solidFill>
+          <a:schemeClr val="tx1">
+            <a:lumMod val="5000"/>
+            <a:lumOff val="95000"/>
+          </a:schemeClr>
+        </a:solidFill>
+        <a:round/>
+      </a:ln>
+    </cs:spPr>
+  </cs:gridlineMinor>
+  <cs:hiLoLine>
+    <cs:lnRef idx="0"/>
+    <cs:fillRef idx="0"/>
+    <cs:effectRef idx="0"/>
+    <cs:fontRef idx="minor">
+      <a:schemeClr val="tx1"/>
+    </cs:fontRef>
+    <cs:spPr>
+      <a:ln w="9525" cap="flat" cmpd="sng" algn="ctr">
+        <a:solidFill>
+          <a:schemeClr val="tx1">
+            <a:lumMod val="75000"/>
+            <a:lumOff val="25000"/>
+          </a:schemeClr>
+        </a:solidFill>
+        <a:round/>
+      </a:ln>
+    </cs:spPr>
+  </cs:hiLoLine>
+  <cs:leaderLine>
+    <cs:lnRef idx="0"/>
+    <cs:fillRef idx="0"/>
+    <cs:effectRef idx="0"/>
+    <cs:fontRef idx="minor">
+      <a:schemeClr val="tx1"/>
+    </cs:fontRef>
+    <cs:spPr>
+      <a:ln w="9525" cap="flat" cmpd="sng" algn="ctr">
+        <a:solidFill>
+          <a:schemeClr val="tx1">
+            <a:lumMod val="35000"/>
+            <a:lumOff val="65000"/>
+          </a:schemeClr>
+        </a:solidFill>
+        <a:round/>
+      </a:ln>
+    </cs:spPr>
+  </cs:leaderLine>
+  <cs:legend>
+    <cs:lnRef idx="0"/>
+    <cs:fillRef idx="0"/>
+    <cs:effectRef idx="0"/>
+    <cs:fontRef idx="minor">
+      <a:schemeClr val="tx1">
+        <a:lumMod val="65000"/>
+        <a:lumOff val="35000"/>
+      </a:schemeClr>
+    </cs:fontRef>
+    <cs:defRPr sz="900" kern="1200"/>
+  </cs:legend>
+  <cs:plotArea mods="allowNoFillOverride allowNoLineOverride">
+    <cs:lnRef idx="0"/>
+    <cs:fillRef idx="0"/>
+    <cs:effectRef idx="0"/>
+    <cs:fontRef idx="minor">
+      <a:schemeClr val="tx1"/>
+    </cs:fontRef>
+  </cs:plotArea>
+  <cs:plotArea3D mods="allowNoFillOverride allowNoLineOverride">
+    <cs:lnRef idx="0"/>
+    <cs:fillRef idx="0"/>
+    <cs:effectRef idx="0"/>
+    <cs:fontRef idx="minor">
+      <a:schemeClr val="tx1"/>
+    </cs:fontRef>
+  </cs:plotArea3D>
+  <cs:seriesAxis>
+    <cs:lnRef idx="0"/>
+    <cs:fillRef idx="0"/>
+    <cs:effectRef idx="0"/>
+    <cs:fontRef idx="minor">
+      <a:schemeClr val="tx1">
+        <a:lumMod val="65000"/>
+        <a:lumOff val="35000"/>
+      </a:schemeClr>
+    </cs:fontRef>
+    <cs:defRPr sz="900" kern="1200"/>
+  </cs:seriesAxis>
+  <cs:seriesLine>
+    <cs:lnRef idx="0"/>
+    <cs:fillRef idx="0"/>
+    <cs:effectRef idx="0"/>
+    <cs:fontRef idx="minor">
+      <a:schemeClr val="tx1"/>
+    </cs:fontRef>
+    <cs:spPr>
+      <a:ln w="9525" cap="flat" cmpd="sng" algn="ctr">
+        <a:solidFill>
+          <a:schemeClr val="tx1">
+            <a:lumMod val="35000"/>
+            <a:lumOff val="65000"/>
+          </a:schemeClr>
+        </a:solidFill>
+        <a:round/>
+      </a:ln>
+    </cs:spPr>
+  </cs:seriesLine>
+  <cs:title>
+    <cs:lnRef idx="0"/>
+    <cs:fillRef idx="0"/>
+    <cs:effectRef idx="0"/>
+    <cs:fontRef idx="minor">
+      <a:schemeClr val="tx1">
+        <a:lumMod val="65000"/>
+        <a:lumOff val="35000"/>
+      </a:schemeClr>
+    </cs:fontRef>
+    <cs:defRPr sz="1400" b="0" kern="1200" spc="0" baseline="0"/>
+  </cs:title>
+  <cs:trendline>
+    <cs:lnRef idx="0">
+      <cs:styleClr val="auto"/>
+    </cs:lnRef>
+    <cs:fillRef idx="0"/>
+    <cs:effectRef idx="0"/>
+    <cs:fontRef idx="minor">
+      <a:schemeClr val="tx1"/>
+    </cs:fontRef>
+    <cs:spPr>
+      <a:ln w="19050" cap="rnd">
+        <a:solidFill>
+          <a:schemeClr val="phClr"/>
+        </a:solidFill>
+        <a:prstDash val="sysDot"/>
+      </a:ln>
+    </cs:spPr>
+  </cs:trendline>
+  <cs:trendlineLabel>
+    <cs:lnRef idx="0"/>
+    <cs:fillRef idx="0"/>
+    <cs:effectRef idx="0"/>
+    <cs:fontRef idx="minor">
+      <a:schemeClr val="tx1">
+        <a:lumMod val="65000"/>
+        <a:lumOff val="35000"/>
+      </a:schemeClr>
+    </cs:fontRef>
+    <cs:defRPr sz="900" kern="1200"/>
+  </cs:trendlineLabel>
+  <cs:upBar>
+    <cs:lnRef idx="0"/>
+    <cs:fillRef idx="0"/>
+    <cs:effectRef idx="0"/>
+    <cs:fontRef idx="minor">
+      <a:schemeClr val="dk1"/>
+    </cs:fontRef>
+    <cs:spPr>
+      <a:solidFill>
+        <a:schemeClr val="lt1"/>
+      </a:solidFill>
+      <a:ln w="9525">
+        <a:solidFill>
+          <a:schemeClr val="tx1">
+            <a:lumMod val="15000"/>
+            <a:lumOff val="85000"/>
+          </a:schemeClr>
+        </a:solidFill>
+      </a:ln>
+    </cs:spPr>
+  </cs:upBar>
+  <cs:valueAxis>
+    <cs:lnRef idx="0"/>
+    <cs:fillRef idx="0"/>
+    <cs:effectRef idx="0"/>
+    <cs:fontRef idx="minor">
+      <a:schemeClr val="tx1">
+        <a:lumMod val="65000"/>
+        <a:lumOff val="35000"/>
+      </a:schemeClr>
+    </cs:fontRef>
+    <cs:defRPr sz="900" kern="1200"/>
+  </cs:valueAxis>
+  <cs:wall>
+    <cs:lnRef idx="0"/>
+    <cs:fillRef idx="0"/>
+    <cs:effectRef idx="0"/>
+    <cs:fontRef idx="minor">
+      <a:schemeClr val="tx1"/>
+    </cs:fontRef>
+    <cs:spPr>
+      <a:noFill/>
+      <a:ln>
+        <a:noFill/>
+      </a:ln>
+    </cs:spPr>
+  </cs:wall>
+</cs:chartStyle>
 </file>
 
 <file path=ppt/slideLayouts/slideLayout1.xml><?xml version="1.0" encoding="utf-8"?>
@@ -254,7 +2933,7 @@
           <a:p>
             <a:fld id="{08D45E2C-F65D-4824-8008-5941D4E99895}" type="datetimeFigureOut">
               <a:rPr lang="ko-KR" altLang="en-US" smtClean="0"/>
-              <a:t>2025-05-23</a:t>
+              <a:t>2025-05-27</a:t>
             </a:fld>
             <a:endParaRPr lang="ko-KR" altLang="en-US"/>
           </a:p>
@@ -452,7 +3131,7 @@
           <a:p>
             <a:fld id="{08D45E2C-F65D-4824-8008-5941D4E99895}" type="datetimeFigureOut">
               <a:rPr lang="ko-KR" altLang="en-US" smtClean="0"/>
-              <a:t>2025-05-23</a:t>
+              <a:t>2025-05-27</a:t>
             </a:fld>
             <a:endParaRPr lang="ko-KR" altLang="en-US"/>
           </a:p>
@@ -660,7 +3339,7 @@
           <a:p>
             <a:fld id="{08D45E2C-F65D-4824-8008-5941D4E99895}" type="datetimeFigureOut">
               <a:rPr lang="ko-KR" altLang="en-US" smtClean="0"/>
-              <a:t>2025-05-23</a:t>
+              <a:t>2025-05-27</a:t>
             </a:fld>
             <a:endParaRPr lang="ko-KR" altLang="en-US"/>
           </a:p>
@@ -858,7 +3537,7 @@
           <a:p>
             <a:fld id="{08D45E2C-F65D-4824-8008-5941D4E99895}" type="datetimeFigureOut">
               <a:rPr lang="ko-KR" altLang="en-US" smtClean="0"/>
-              <a:t>2025-05-23</a:t>
+              <a:t>2025-05-27</a:t>
             </a:fld>
             <a:endParaRPr lang="ko-KR" altLang="en-US"/>
           </a:p>
@@ -1133,7 +3812,7 @@
           <a:p>
             <a:fld id="{08D45E2C-F65D-4824-8008-5941D4E99895}" type="datetimeFigureOut">
               <a:rPr lang="ko-KR" altLang="en-US" smtClean="0"/>
-              <a:t>2025-05-23</a:t>
+              <a:t>2025-05-27</a:t>
             </a:fld>
             <a:endParaRPr lang="ko-KR" altLang="en-US"/>
           </a:p>
@@ -1398,7 +4077,7 @@
           <a:p>
             <a:fld id="{08D45E2C-F65D-4824-8008-5941D4E99895}" type="datetimeFigureOut">
               <a:rPr lang="ko-KR" altLang="en-US" smtClean="0"/>
-              <a:t>2025-05-23</a:t>
+              <a:t>2025-05-27</a:t>
             </a:fld>
             <a:endParaRPr lang="ko-KR" altLang="en-US"/>
           </a:p>
@@ -1810,7 +4489,7 @@
           <a:p>
             <a:fld id="{08D45E2C-F65D-4824-8008-5941D4E99895}" type="datetimeFigureOut">
               <a:rPr lang="ko-KR" altLang="en-US" smtClean="0"/>
-              <a:t>2025-05-23</a:t>
+              <a:t>2025-05-27</a:t>
             </a:fld>
             <a:endParaRPr lang="ko-KR" altLang="en-US"/>
           </a:p>
@@ -1951,7 +4630,7 @@
           <a:p>
             <a:fld id="{08D45E2C-F65D-4824-8008-5941D4E99895}" type="datetimeFigureOut">
               <a:rPr lang="ko-KR" altLang="en-US" smtClean="0"/>
-              <a:t>2025-05-23</a:t>
+              <a:t>2025-05-27</a:t>
             </a:fld>
             <a:endParaRPr lang="ko-KR" altLang="en-US"/>
           </a:p>
@@ -2064,7 +4743,7 @@
           <a:p>
             <a:fld id="{08D45E2C-F65D-4824-8008-5941D4E99895}" type="datetimeFigureOut">
               <a:rPr lang="ko-KR" altLang="en-US" smtClean="0"/>
-              <a:t>2025-05-23</a:t>
+              <a:t>2025-05-27</a:t>
             </a:fld>
             <a:endParaRPr lang="ko-KR" altLang="en-US"/>
           </a:p>
@@ -2375,7 +5054,7 @@
           <a:p>
             <a:fld id="{08D45E2C-F65D-4824-8008-5941D4E99895}" type="datetimeFigureOut">
               <a:rPr lang="ko-KR" altLang="en-US" smtClean="0"/>
-              <a:t>2025-05-23</a:t>
+              <a:t>2025-05-27</a:t>
             </a:fld>
             <a:endParaRPr lang="ko-KR" altLang="en-US"/>
           </a:p>
@@ -2663,7 +5342,7 @@
           <a:p>
             <a:fld id="{08D45E2C-F65D-4824-8008-5941D4E99895}" type="datetimeFigureOut">
               <a:rPr lang="ko-KR" altLang="en-US" smtClean="0"/>
-              <a:t>2025-05-23</a:t>
+              <a:t>2025-05-27</a:t>
             </a:fld>
             <a:endParaRPr lang="ko-KR" altLang="en-US"/>
           </a:p>
@@ -2904,7 +5583,7 @@
           <a:p>
             <a:fld id="{08D45E2C-F65D-4824-8008-5941D4E99895}" type="datetimeFigureOut">
               <a:rPr lang="ko-KR" altLang="en-US" smtClean="0"/>
-              <a:t>2025-05-23</a:t>
+              <a:t>2025-05-27</a:t>
             </a:fld>
             <a:endParaRPr lang="ko-KR" altLang="en-US"/>
           </a:p>
@@ -3321,6 +6000,156 @@
           <a:chExt cx="0" cy="0"/>
         </a:xfrm>
       </p:grpSpPr>
+      <p:graphicFrame>
+        <p:nvGraphicFramePr>
+          <p:cNvPr id="7" name="차트 6">
+            <a:extLst>
+              <a:ext uri="{FF2B5EF4-FFF2-40B4-BE49-F238E27FC236}">
+                <a16:creationId xmlns:a16="http://schemas.microsoft.com/office/drawing/2014/main" id="{DCE649AC-9A6D-83C5-5ED4-E1F73E00249B}"/>
+              </a:ext>
+            </a:extLst>
+          </p:cNvPr>
+          <p:cNvGraphicFramePr>
+            <a:graphicFrameLocks/>
+          </p:cNvGraphicFramePr>
+          <p:nvPr>
+            <p:extLst>
+              <p:ext uri="{D42A27DB-BD31-4B8C-83A1-F6EECF244321}">
+                <p14:modId xmlns:p14="http://schemas.microsoft.com/office/powerpoint/2010/main" val="3313733773"/>
+              </p:ext>
+            </p:extLst>
+          </p:nvPr>
+        </p:nvGraphicFramePr>
+        <p:xfrm>
+          <a:off x="2791118" y="1569392"/>
+          <a:ext cx="6609764" cy="3719216"/>
+        </p:xfrm>
+        <a:graphic>
+          <a:graphicData uri="http://schemas.openxmlformats.org/drawingml/2006/chart">
+            <c:chart xmlns:c="http://schemas.openxmlformats.org/drawingml/2006/chart" xmlns:r="http://schemas.openxmlformats.org/officeDocument/2006/relationships" r:id="rId2"/>
+          </a:graphicData>
+        </a:graphic>
+      </p:graphicFrame>
+    </p:spTree>
+    <p:extLst>
+      <p:ext uri="{BB962C8B-B14F-4D97-AF65-F5344CB8AC3E}">
+        <p14:creationId xmlns:p14="http://schemas.microsoft.com/office/powerpoint/2010/main" val="4174512780"/>
+      </p:ext>
+    </p:extLst>
+  </p:cSld>
+  <p:clrMapOvr>
+    <a:masterClrMapping/>
+  </p:clrMapOvr>
+</p:sld>
+</file>
+
+<file path=ppt/slides/slide2.xml><?xml version="1.0" encoding="utf-8"?>
+<p:sld xmlns:a="http://schemas.openxmlformats.org/drawingml/2006/main" xmlns:r="http://schemas.openxmlformats.org/officeDocument/2006/relationships" xmlns:p="http://schemas.openxmlformats.org/presentationml/2006/main">
+  <p:cSld>
+    <p:spTree>
+      <p:nvGrpSpPr>
+        <p:cNvPr id="1" name=""/>
+        <p:cNvGrpSpPr/>
+        <p:nvPr/>
+      </p:nvGrpSpPr>
+      <p:grpSpPr>
+        <a:xfrm>
+          <a:off x="0" y="0"/>
+          <a:ext cx="0" cy="0"/>
+          <a:chOff x="0" y="0"/>
+          <a:chExt cx="0" cy="0"/>
+        </a:xfrm>
+      </p:grpSpPr>
+      <p:graphicFrame>
+        <p:nvGraphicFramePr>
+          <p:cNvPr id="4" name="차트 3">
+            <a:extLst>
+              <a:ext uri="{FF2B5EF4-FFF2-40B4-BE49-F238E27FC236}">
+                <a16:creationId xmlns:a16="http://schemas.microsoft.com/office/drawing/2014/main" id="{C627175F-F2C7-4316-B9B8-BC1A6CD895CA}"/>
+              </a:ext>
+            </a:extLst>
+          </p:cNvPr>
+          <p:cNvGraphicFramePr>
+            <a:graphicFrameLocks/>
+          </p:cNvGraphicFramePr>
+          <p:nvPr>
+            <p:extLst>
+              <p:ext uri="{D42A27DB-BD31-4B8C-83A1-F6EECF244321}">
+                <p14:modId xmlns:p14="http://schemas.microsoft.com/office/powerpoint/2010/main" val="648593812"/>
+              </p:ext>
+            </p:extLst>
+          </p:nvPr>
+        </p:nvGraphicFramePr>
+        <p:xfrm>
+          <a:off x="2790779" y="1555336"/>
+          <a:ext cx="6610441" cy="3747327"/>
+        </p:xfrm>
+        <a:graphic>
+          <a:graphicData uri="http://schemas.openxmlformats.org/drawingml/2006/chart">
+            <c:chart xmlns:c="http://schemas.openxmlformats.org/drawingml/2006/chart" xmlns:r="http://schemas.openxmlformats.org/officeDocument/2006/relationships" r:id="rId2"/>
+          </a:graphicData>
+        </a:graphic>
+      </p:graphicFrame>
+    </p:spTree>
+    <p:extLst>
+      <p:ext uri="{BB962C8B-B14F-4D97-AF65-F5344CB8AC3E}">
+        <p14:creationId xmlns:p14="http://schemas.microsoft.com/office/powerpoint/2010/main" val="3038506058"/>
+      </p:ext>
+    </p:extLst>
+  </p:cSld>
+  <p:clrMapOvr>
+    <a:masterClrMapping/>
+  </p:clrMapOvr>
+</p:sld>
+</file>
+
+<file path=ppt/slides/slide3.xml><?xml version="1.0" encoding="utf-8"?>
+<p:sld xmlns:a="http://schemas.openxmlformats.org/drawingml/2006/main" xmlns:r="http://schemas.openxmlformats.org/officeDocument/2006/relationships" xmlns:p="http://schemas.openxmlformats.org/presentationml/2006/main">
+  <p:cSld>
+    <p:spTree>
+      <p:nvGrpSpPr>
+        <p:cNvPr id="1" name=""/>
+        <p:cNvGrpSpPr/>
+        <p:nvPr/>
+      </p:nvGrpSpPr>
+      <p:grpSpPr>
+        <a:xfrm>
+          <a:off x="0" y="0"/>
+          <a:ext cx="0" cy="0"/>
+          <a:chOff x="0" y="0"/>
+          <a:chExt cx="0" cy="0"/>
+        </a:xfrm>
+      </p:grpSpPr>
+      <p:pic>
+        <p:nvPicPr>
+          <p:cNvPr id="4" name="그림 3">
+            <a:extLst>
+              <a:ext uri="{FF2B5EF4-FFF2-40B4-BE49-F238E27FC236}">
+                <a16:creationId xmlns:a16="http://schemas.microsoft.com/office/drawing/2014/main" id="{06A3E4AC-9AB0-1036-E02C-C49AD871A9B1}"/>
+              </a:ext>
+            </a:extLst>
+          </p:cNvPr>
+          <p:cNvPicPr>
+            <a:picLocks noChangeAspect="1"/>
+          </p:cNvPicPr>
+          <p:nvPr/>
+        </p:nvPicPr>
+        <p:blipFill>
+          <a:blip r:embed="rId2"/>
+          <a:stretch>
+            <a:fillRect/>
+          </a:stretch>
+        </p:blipFill>
+        <p:spPr>
+          <a:xfrm>
+            <a:off x="3002012" y="1215960"/>
+            <a:ext cx="6187976" cy="4426080"/>
+          </a:xfrm>
+          <a:prstGeom prst="rect">
+            <a:avLst/>
+          </a:prstGeom>
+        </p:spPr>
+      </p:pic>
     </p:spTree>
     <p:extLst>
       <p:ext uri="{BB962C8B-B14F-4D97-AF65-F5344CB8AC3E}">

--- a/JAMS/PPT/Figs.pptx
+++ b/JAMS/PPT/Figs.pptx
@@ -135,9 +135,9 @@
           <c:layoutTarget val="inner"/>
           <c:xMode val="edge"/>
           <c:yMode val="edge"/>
-          <c:x val="5.0243851368974746E-2"/>
+          <c:x val="9.6149840496038419E-2"/>
           <c:y val="4.0048950454236204E-2"/>
-          <c:w val="0.88036294654504077"/>
+          <c:w val="0.80385282530833346"/>
           <c:h val="0.66878693161799496"/>
         </c:manualLayout>
       </c:layout>
@@ -374,7 +374,7 @@
           </c:val>
           <c:extLst>
             <c:ext xmlns:c16="http://schemas.microsoft.com/office/drawing/2014/chart" uri="{C3380CC4-5D6E-409C-BE32-E72D297353CC}">
-              <c16:uniqueId val="{00000000-1AEB-41E1-A39B-3821B95AE068}"/>
+              <c16:uniqueId val="{00000000-579D-4243-A93B-8457F2669C6D}"/>
             </c:ext>
           </c:extLst>
         </c:ser>
@@ -387,12 +387,11 @@
           <c:showBubbleSize val="0"/>
         </c:dLbls>
         <c:gapWidth val="219"/>
-        <c:overlap val="-27"/>
         <c:axId val="352924847"/>
         <c:axId val="352917647"/>
       </c:barChart>
-      <c:lineChart>
-        <c:grouping val="standard"/>
+      <c:scatterChart>
+        <c:scatterStyle val="lineMarker"/>
         <c:varyColors val="0"/>
         <c:ser>
           <c:idx val="1"/>
@@ -409,18 +408,28 @@
             </c:strRef>
           </c:tx>
           <c:spPr>
-            <a:ln w="28575" cap="rnd">
-              <a:solidFill>
-                <a:schemeClr val="accent2"/>
-              </a:solidFill>
+            <a:ln w="25400" cap="rnd">
+              <a:noFill/>
               <a:round/>
             </a:ln>
             <a:effectLst/>
           </c:spPr>
           <c:marker>
-            <c:symbol val="none"/>
+            <c:symbol val="circle"/>
+            <c:size val="5"/>
+            <c:spPr>
+              <a:solidFill>
+                <a:schemeClr val="accent2"/>
+              </a:solidFill>
+              <a:ln w="9525">
+                <a:solidFill>
+                  <a:schemeClr val="accent2"/>
+                </a:solidFill>
+              </a:ln>
+              <a:effectLst/>
+            </c:spPr>
           </c:marker>
-          <c:cat>
+          <c:xVal>
             <c:strRef>
               <c:f>Sheet2!$A$42:$A$72</c:f>
               <c:strCache>
@@ -520,12 +529,12 @@
                 </c:pt>
               </c:strCache>
             </c:strRef>
-          </c:cat>
-          <c:val>
+          </c:xVal>
+          <c:yVal>
             <c:numRef>
               <c:f>Sheet2!$D$42:$D$72</c:f>
               <c:numCache>
-                <c:formatCode>0.0</c:formatCode>
+                <c:formatCode>0</c:formatCode>
                 <c:ptCount val="31"/>
                 <c:pt idx="0">
                   <c:v>698.18</c:v>
@@ -622,11 +631,11 @@
                 </c:pt>
               </c:numCache>
             </c:numRef>
-          </c:val>
+          </c:yVal>
           <c:smooth val="0"/>
           <c:extLst>
             <c:ext xmlns:c16="http://schemas.microsoft.com/office/drawing/2014/chart" uri="{C3380CC4-5D6E-409C-BE32-E72D297353CC}">
-              <c16:uniqueId val="{00000001-1AEB-41E1-A39B-3821B95AE068}"/>
+              <c16:uniqueId val="{00000001-579D-4243-A93B-8457F2669C6D}"/>
             </c:ext>
           </c:extLst>
         </c:ser>
@@ -638,11 +647,9 @@
           <c:showPercent val="0"/>
           <c:showBubbleSize val="0"/>
         </c:dLbls>
-        <c:marker val="1"/>
-        <c:smooth val="0"/>
-        <c:axId val="352909487"/>
-        <c:axId val="352908047"/>
-      </c:lineChart>
+        <c:axId val="1661752496"/>
+        <c:axId val="1661751536"/>
+      </c:scatterChart>
       <c:catAx>
         <c:axId val="352924847"/>
         <c:scaling>
@@ -715,6 +722,68 @@
             <a:effectLst/>
           </c:spPr>
         </c:majorGridlines>
+        <c:title>
+          <c:tx>
+            <c:rich>
+              <a:bodyPr rot="-5400000" spcFirstLastPara="1" vertOverflow="ellipsis" vert="horz" wrap="square" anchor="ctr" anchorCtr="1"/>
+              <a:lstStyle/>
+              <a:p>
+                <a:pPr>
+                  <a:defRPr sz="1400" b="0" i="0" u="none" strike="noStrike" kern="1200" baseline="0">
+                    <a:solidFill>
+                      <a:schemeClr val="tx1">
+                        <a:lumMod val="65000"/>
+                        <a:lumOff val="35000"/>
+                      </a:schemeClr>
+                    </a:solidFill>
+                    <a:latin typeface="바탕체" panose="02030609000101010101" pitchFamily="17" charset="-127"/>
+                    <a:ea typeface="바탕체" panose="02030609000101010101" pitchFamily="17" charset="-127"/>
+                    <a:cs typeface="+mn-cs"/>
+                  </a:defRPr>
+                </a:pPr>
+                <a:r>
+                  <a:rPr lang="en-US" altLang="ko-KR" sz="1400">
+                    <a:latin typeface="바탕체" panose="02030609000101010101" pitchFamily="17" charset="-127"/>
+                    <a:ea typeface="바탕체" panose="02030609000101010101" pitchFamily="17" charset="-127"/>
+                  </a:rPr>
+                  <a:t>Technical potential (TWh)</a:t>
+                </a:r>
+                <a:endParaRPr lang="ko-KR" altLang="en-US" sz="1400">
+                  <a:latin typeface="바탕체" panose="02030609000101010101" pitchFamily="17" charset="-127"/>
+                  <a:ea typeface="바탕체" panose="02030609000101010101" pitchFamily="17" charset="-127"/>
+                </a:endParaRPr>
+              </a:p>
+            </c:rich>
+          </c:tx>
+          <c:overlay val="0"/>
+          <c:spPr>
+            <a:noFill/>
+            <a:ln>
+              <a:noFill/>
+            </a:ln>
+            <a:effectLst/>
+          </c:spPr>
+          <c:txPr>
+            <a:bodyPr rot="-5400000" spcFirstLastPara="1" vertOverflow="ellipsis" vert="horz" wrap="square" anchor="ctr" anchorCtr="1"/>
+            <a:lstStyle/>
+            <a:p>
+              <a:pPr>
+                <a:defRPr sz="1400" b="0" i="0" u="none" strike="noStrike" kern="1200" baseline="0">
+                  <a:solidFill>
+                    <a:schemeClr val="tx1">
+                      <a:lumMod val="65000"/>
+                      <a:lumOff val="35000"/>
+                    </a:schemeClr>
+                  </a:solidFill>
+                  <a:latin typeface="바탕체" panose="02030609000101010101" pitchFamily="17" charset="-127"/>
+                  <a:ea typeface="바탕체" panose="02030609000101010101" pitchFamily="17" charset="-127"/>
+                  <a:cs typeface="+mn-cs"/>
+                </a:defRPr>
+              </a:pPr>
+              <a:endParaRPr lang="ko-KR" altLang="en-US"/>
+            </a:p>
+          </c:txPr>
+        </c:title>
         <c:numFmt formatCode="0" sourceLinked="1"/>
         <c:majorTickMark val="none"/>
         <c:minorTickMark val="none"/>
@@ -754,14 +823,97 @@
         </c:dispUnits>
       </c:valAx>
       <c:valAx>
-        <c:axId val="352908047"/>
+        <c:axId val="1661751536"/>
         <c:scaling>
           <c:orientation val="minMax"/>
           <c:max val="900"/>
         </c:scaling>
         <c:delete val="0"/>
         <c:axPos val="r"/>
-        <c:numFmt formatCode="#,##0_);[Red]\(#,##0\)" sourceLinked="0"/>
+        <c:title>
+          <c:tx>
+            <c:rich>
+              <a:bodyPr rot="-5400000" spcFirstLastPara="1" vertOverflow="ellipsis" vert="horz" wrap="square" anchor="ctr" anchorCtr="1"/>
+              <a:lstStyle/>
+              <a:p>
+                <a:pPr>
+                  <a:defRPr sz="1400" b="0" i="0" u="none" strike="noStrike" kern="1200" baseline="0">
+                    <a:solidFill>
+                      <a:schemeClr val="tx1">
+                        <a:lumMod val="65000"/>
+                        <a:lumOff val="35000"/>
+                      </a:schemeClr>
+                    </a:solidFill>
+                    <a:latin typeface="바탕체" panose="02030609000101010101" pitchFamily="17" charset="-127"/>
+                    <a:ea typeface="바탕체" panose="02030609000101010101" pitchFamily="17" charset="-127"/>
+                    <a:cs typeface="+mn-cs"/>
+                  </a:defRPr>
+                </a:pPr>
+                <a:r>
+                  <a:rPr lang="en-US" altLang="ko-KR" sz="1400" dirty="0">
+                    <a:latin typeface="바탕체" panose="02030609000101010101" pitchFamily="17" charset="-127"/>
+                    <a:ea typeface="바탕체" panose="02030609000101010101" pitchFamily="17" charset="-127"/>
+                  </a:rPr>
+                  <a:t>Administrative</a:t>
+                </a:r>
+                <a:r>
+                  <a:rPr lang="en-US" altLang="ko-KR" sz="1400" baseline="0" dirty="0">
+                    <a:latin typeface="바탕체" panose="02030609000101010101" pitchFamily="17" charset="-127"/>
+                    <a:ea typeface="바탕체" panose="02030609000101010101" pitchFamily="17" charset="-127"/>
+                  </a:rPr>
+                  <a:t> area (km</a:t>
+                </a:r>
+                <a:r>
+                  <a:rPr lang="en-US" altLang="ko-KR" sz="1400" baseline="30000" dirty="0">
+                    <a:latin typeface="바탕체" panose="02030609000101010101" pitchFamily="17" charset="-127"/>
+                    <a:ea typeface="바탕체" panose="02030609000101010101" pitchFamily="17" charset="-127"/>
+                  </a:rPr>
+                  <a:t>2</a:t>
+                </a:r>
+                <a:r>
+                  <a:rPr lang="en-US" altLang="ko-KR" sz="1400" baseline="0" dirty="0">
+                    <a:latin typeface="바탕체" panose="02030609000101010101" pitchFamily="17" charset="-127"/>
+                    <a:ea typeface="바탕체" panose="02030609000101010101" pitchFamily="17" charset="-127"/>
+                  </a:rPr>
+                  <a:t>)</a:t>
+                </a:r>
+                <a:endParaRPr lang="ko-KR" altLang="en-US" sz="1400" dirty="0">
+                  <a:latin typeface="바탕체" panose="02030609000101010101" pitchFamily="17" charset="-127"/>
+                  <a:ea typeface="바탕체" panose="02030609000101010101" pitchFamily="17" charset="-127"/>
+                </a:endParaRPr>
+              </a:p>
+            </c:rich>
+          </c:tx>
+          <c:overlay val="0"/>
+          <c:spPr>
+            <a:noFill/>
+            <a:ln>
+              <a:noFill/>
+            </a:ln>
+            <a:effectLst/>
+          </c:spPr>
+          <c:txPr>
+            <a:bodyPr rot="-5400000" spcFirstLastPara="1" vertOverflow="ellipsis" vert="horz" wrap="square" anchor="ctr" anchorCtr="1"/>
+            <a:lstStyle/>
+            <a:p>
+              <a:pPr>
+                <a:defRPr sz="1400" b="0" i="0" u="none" strike="noStrike" kern="1200" baseline="0">
+                  <a:solidFill>
+                    <a:schemeClr val="tx1">
+                      <a:lumMod val="65000"/>
+                      <a:lumOff val="35000"/>
+                    </a:schemeClr>
+                  </a:solidFill>
+                  <a:latin typeface="바탕체" panose="02030609000101010101" pitchFamily="17" charset="-127"/>
+                  <a:ea typeface="바탕체" panose="02030609000101010101" pitchFamily="17" charset="-127"/>
+                  <a:cs typeface="+mn-cs"/>
+                </a:defRPr>
+              </a:pPr>
+              <a:endParaRPr lang="ko-KR" altLang="en-US"/>
+            </a:p>
+          </c:txPr>
+        </c:title>
+        <c:numFmt formatCode="0" sourceLinked="1"/>
         <c:majorTickMark val="out"/>
         <c:minorTickMark val="none"/>
         <c:tickLblPos val="nextTo"/>
@@ -792,12 +944,12 @@
             <a:endParaRPr lang="ko-KR"/>
           </a:p>
         </c:txPr>
-        <c:crossAx val="352909487"/>
+        <c:crossAx val="1661752496"/>
         <c:crosses val="max"/>
-        <c:crossBetween val="between"/>
+        <c:crossBetween val="midCat"/>
       </c:valAx>
-      <c:catAx>
-        <c:axId val="352909487"/>
+      <c:valAx>
+        <c:axId val="1661752496"/>
         <c:scaling>
           <c:orientation val="minMax"/>
         </c:scaling>
@@ -807,13 +959,10 @@
         <c:majorTickMark val="out"/>
         <c:minorTickMark val="none"/>
         <c:tickLblPos val="nextTo"/>
-        <c:crossAx val="352908047"/>
+        <c:crossAx val="1661751536"/>
         <c:crosses val="autoZero"/>
-        <c:auto val="1"/>
-        <c:lblAlgn val="ctr"/>
-        <c:lblOffset val="100"/>
-        <c:noMultiLvlLbl val="0"/>
-      </c:catAx>
+        <c:crossBetween val="midCat"/>
+      </c:valAx>
       <c:spPr>
         <a:noFill/>
         <a:ln>
@@ -830,8 +979,8 @@
           <c:yMode val="edge"/>
           <c:x val="0.56031955149987189"/>
           <c:y val="6.6533347340617111E-2"/>
-          <c:w val="0.31449156127208167"/>
-          <c:h val="0.13292720831487062"/>
+          <c:w val="0.29128422739450305"/>
+          <c:h val="0.13563181057513196"/>
         </c:manualLayout>
       </c:layout>
       <c:overlay val="0"/>
@@ -907,6 +1056,625 @@
 </file>
 
 <file path=ppt/charts/chart2.xml><?xml version="1.0" encoding="utf-8"?>
+<c:chartSpace xmlns:c="http://schemas.openxmlformats.org/drawingml/2006/chart" xmlns:a="http://schemas.openxmlformats.org/drawingml/2006/main" xmlns:r="http://schemas.openxmlformats.org/officeDocument/2006/relationships" xmlns:c16r2="http://schemas.microsoft.com/office/drawing/2015/06/chart">
+  <c:date1904 val="0"/>
+  <c:lang val="ko-KR"/>
+  <c:roundedCorners val="0"/>
+  <mc:AlternateContent xmlns:mc="http://schemas.openxmlformats.org/markup-compatibility/2006">
+    <mc:Choice xmlns:c14="http://schemas.microsoft.com/office/drawing/2007/8/2/chart" Requires="c14">
+      <c14:style val="102"/>
+    </mc:Choice>
+    <mc:Fallback>
+      <c:style val="2"/>
+    </mc:Fallback>
+  </mc:AlternateContent>
+  <c:chart>
+    <c:autoTitleDeleted val="1"/>
+    <c:plotArea>
+      <c:layout>
+        <c:manualLayout>
+          <c:layoutTarget val="inner"/>
+          <c:xMode val="edge"/>
+          <c:yMode val="edge"/>
+          <c:x val="0.12717966337380984"/>
+          <c:y val="3.7414965986394558E-2"/>
+          <c:w val="0.84227998736904064"/>
+          <c:h val="0.84209732711982421"/>
+        </c:manualLayout>
+      </c:layout>
+      <c:scatterChart>
+        <c:scatterStyle val="lineMarker"/>
+        <c:varyColors val="0"/>
+        <c:ser>
+          <c:idx val="0"/>
+          <c:order val="0"/>
+          <c:spPr>
+            <a:ln w="25400" cap="rnd">
+              <a:noFill/>
+              <a:round/>
+            </a:ln>
+            <a:effectLst/>
+          </c:spPr>
+          <c:marker>
+            <c:symbol val="circle"/>
+            <c:size val="5"/>
+            <c:spPr>
+              <a:solidFill>
+                <a:schemeClr val="accent1"/>
+              </a:solidFill>
+              <a:ln w="9525">
+                <a:solidFill>
+                  <a:schemeClr val="accent1"/>
+                </a:solidFill>
+              </a:ln>
+              <a:effectLst/>
+            </c:spPr>
+          </c:marker>
+          <c:xVal>
+            <c:numRef>
+              <c:f>Sheet2!$H$160:$H$190</c:f>
+              <c:numCache>
+                <c:formatCode>0</c:formatCode>
+                <c:ptCount val="31"/>
+                <c:pt idx="0">
+                  <c:v>676.31</c:v>
+                </c:pt>
+                <c:pt idx="1">
+                  <c:v>673.86</c:v>
+                </c:pt>
+                <c:pt idx="2">
+                  <c:v>826.91</c:v>
+                </c:pt>
+                <c:pt idx="3">
+                  <c:v>553.46</c:v>
+                </c:pt>
+                <c:pt idx="4">
+                  <c:v>877.69</c:v>
+                </c:pt>
+                <c:pt idx="5">
+                  <c:v>843.66</c:v>
+                </c:pt>
+                <c:pt idx="6">
+                  <c:v>608.26</c:v>
+                </c:pt>
+                <c:pt idx="7">
+                  <c:v>698.18</c:v>
+                </c:pt>
+                <c:pt idx="8">
+                  <c:v>310.43</c:v>
+                </c:pt>
+                <c:pt idx="9">
+                  <c:v>461.43</c:v>
+                </c:pt>
+                <c:pt idx="10">
+                  <c:v>591.23</c:v>
+                </c:pt>
+                <c:pt idx="11">
+                  <c:v>458.14</c:v>
+                </c:pt>
+                <c:pt idx="12">
+                  <c:v>156.33000000000001</c:v>
+                </c:pt>
+                <c:pt idx="13">
+                  <c:v>458.24</c:v>
+                </c:pt>
+                <c:pt idx="14">
+                  <c:v>139.68</c:v>
+                </c:pt>
+                <c:pt idx="15">
+                  <c:v>276.61</c:v>
+                </c:pt>
+                <c:pt idx="16">
+                  <c:v>95.67</c:v>
+                </c:pt>
+                <c:pt idx="17">
+                  <c:v>81.55</c:v>
+                </c:pt>
+                <c:pt idx="18">
+                  <c:v>92.99</c:v>
+                </c:pt>
+                <c:pt idx="19">
+                  <c:v>54.03</c:v>
+                </c:pt>
+                <c:pt idx="20">
+                  <c:v>141.63</c:v>
+                </c:pt>
+                <c:pt idx="21">
+                  <c:v>268.10000000000002</c:v>
+                </c:pt>
+                <c:pt idx="22">
+                  <c:v>121.09</c:v>
+                </c:pt>
+                <c:pt idx="23">
+                  <c:v>58.47</c:v>
+                </c:pt>
+                <c:pt idx="24">
+                  <c:v>36.42</c:v>
+                </c:pt>
+                <c:pt idx="25">
+                  <c:v>430.99</c:v>
+                </c:pt>
+                <c:pt idx="26">
+                  <c:v>33.33</c:v>
+                </c:pt>
+                <c:pt idx="27">
+                  <c:v>38.53</c:v>
+                </c:pt>
+                <c:pt idx="28">
+                  <c:v>42.71</c:v>
+                </c:pt>
+                <c:pt idx="29">
+                  <c:v>53.45</c:v>
+                </c:pt>
+                <c:pt idx="30">
+                  <c:v>35.869999999999997</c:v>
+                </c:pt>
+              </c:numCache>
+            </c:numRef>
+          </c:xVal>
+          <c:yVal>
+            <c:numRef>
+              <c:f>Sheet2!$C$160:$C$190</c:f>
+              <c:numCache>
+                <c:formatCode>_(* #,##0_);_(* \(#,##0\);_(* "-"_);_(@_)</c:formatCode>
+                <c:ptCount val="31"/>
+                <c:pt idx="0">
+                  <c:v>19327.554148223146</c:v>
+                </c:pt>
+                <c:pt idx="1">
+                  <c:v>31355.336931794514</c:v>
+                </c:pt>
+                <c:pt idx="2">
+                  <c:v>21840.895466752601</c:v>
+                </c:pt>
+                <c:pt idx="3">
+                  <c:v>26854.336309870869</c:v>
+                </c:pt>
+                <c:pt idx="4">
+                  <c:v>18350.067029442034</c:v>
+                </c:pt>
+                <c:pt idx="5">
+                  <c:v>9793.6831244079513</c:v>
+                </c:pt>
+                <c:pt idx="6">
+                  <c:v>27735.132525380792</c:v>
+                </c:pt>
+                <c:pt idx="7">
+                  <c:v>44751.392991897432</c:v>
+                </c:pt>
+                <c:pt idx="8">
+                  <c:v>11762.539121880636</c:v>
+                </c:pt>
+                <c:pt idx="9">
+                  <c:v>27055.708066988154</c:v>
+                </c:pt>
+                <c:pt idx="10">
+                  <c:v>24151.977285743757</c:v>
+                </c:pt>
+                <c:pt idx="11">
+                  <c:v>12899.100715625664</c:v>
+                </c:pt>
+                <c:pt idx="12">
+                  <c:v>8871.1323354231117</c:v>
+                </c:pt>
+                <c:pt idx="13">
+                  <c:v>31245.400532437368</c:v>
+                </c:pt>
+                <c:pt idx="14">
+                  <c:v>8668.5007439447181</c:v>
+                </c:pt>
+                <c:pt idx="15">
+                  <c:v>16960.33486496273</c:v>
+                </c:pt>
+                <c:pt idx="16">
+                  <c:v>2082.0128753843478</c:v>
+                </c:pt>
+                <c:pt idx="17">
+                  <c:v>2950.3734714636626</c:v>
+                </c:pt>
+                <c:pt idx="18">
+                  <c:v>3446.780221259145</c:v>
+                </c:pt>
+                <c:pt idx="19">
+                  <c:v>2005.9091581458854</c:v>
+                </c:pt>
+                <c:pt idx="20">
+                  <c:v>5711.5137585405673</c:v>
+                </c:pt>
+                <c:pt idx="21">
+                  <c:v>14593.03026418845</c:v>
+                </c:pt>
+                <c:pt idx="22">
+                  <c:v>7935.4560050335003</c:v>
+                </c:pt>
+                <c:pt idx="23">
+                  <c:v>2276.9368646054131</c:v>
+                </c:pt>
+                <c:pt idx="24">
+                  <c:v>1737.5953858203882</c:v>
+                </c:pt>
+                <c:pt idx="25">
+                  <c:v>10988.834203464858</c:v>
+                </c:pt>
+                <c:pt idx="26">
+                  <c:v>1694.4436725592789</c:v>
+                </c:pt>
+                <c:pt idx="27">
+                  <c:v>2219.2646619820498</c:v>
+                </c:pt>
+                <c:pt idx="28">
+                  <c:v>2853.9785406570368</c:v>
+                </c:pt>
+                <c:pt idx="29">
+                  <c:v>3823.426548084667</c:v>
+                </c:pt>
+                <c:pt idx="30">
+                  <c:v>1188.7077430954027</c:v>
+                </c:pt>
+              </c:numCache>
+            </c:numRef>
+          </c:yVal>
+          <c:smooth val="0"/>
+          <c:extLst>
+            <c:ext xmlns:c16="http://schemas.microsoft.com/office/drawing/2014/chart" uri="{C3380CC4-5D6E-409C-BE32-E72D297353CC}">
+              <c16:uniqueId val="{00000000-ED3E-435D-AAD7-53F96A99A9E2}"/>
+            </c:ext>
+          </c:extLst>
+        </c:ser>
+        <c:dLbls>
+          <c:showLegendKey val="0"/>
+          <c:showVal val="0"/>
+          <c:showCatName val="0"/>
+          <c:showSerName val="0"/>
+          <c:showPercent val="0"/>
+          <c:showBubbleSize val="0"/>
+        </c:dLbls>
+        <c:axId val="1168426607"/>
+        <c:axId val="1168427087"/>
+      </c:scatterChart>
+      <c:valAx>
+        <c:axId val="1168426607"/>
+        <c:scaling>
+          <c:logBase val="10"/>
+          <c:orientation val="minMax"/>
+          <c:min val="30"/>
+        </c:scaling>
+        <c:delete val="0"/>
+        <c:axPos val="b"/>
+        <c:majorGridlines>
+          <c:spPr>
+            <a:ln w="9525" cap="flat" cmpd="sng" algn="ctr">
+              <a:solidFill>
+                <a:schemeClr val="tx1">
+                  <a:lumMod val="15000"/>
+                  <a:lumOff val="85000"/>
+                </a:schemeClr>
+              </a:solidFill>
+              <a:round/>
+            </a:ln>
+            <a:effectLst/>
+          </c:spPr>
+        </c:majorGridlines>
+        <c:minorGridlines>
+          <c:spPr>
+            <a:ln w="9525" cap="flat" cmpd="sng" algn="ctr">
+              <a:solidFill>
+                <a:schemeClr val="tx1">
+                  <a:lumMod val="5000"/>
+                  <a:lumOff val="95000"/>
+                </a:schemeClr>
+              </a:solidFill>
+              <a:round/>
+            </a:ln>
+            <a:effectLst/>
+          </c:spPr>
+        </c:minorGridlines>
+        <c:title>
+          <c:tx>
+            <c:rich>
+              <a:bodyPr rot="0" spcFirstLastPara="1" vertOverflow="ellipsis" vert="horz" wrap="square" anchor="ctr" anchorCtr="1"/>
+              <a:lstStyle/>
+              <a:p>
+                <a:pPr>
+                  <a:defRPr sz="1400" b="0" i="0" u="none" strike="noStrike" kern="1200" baseline="0">
+                    <a:solidFill>
+                      <a:schemeClr val="tx1">
+                        <a:lumMod val="65000"/>
+                        <a:lumOff val="35000"/>
+                      </a:schemeClr>
+                    </a:solidFill>
+                    <a:latin typeface="바탕체" panose="02030609000101010101" pitchFamily="17" charset="-127"/>
+                    <a:ea typeface="바탕체" panose="02030609000101010101" pitchFamily="17" charset="-127"/>
+                    <a:cs typeface="+mn-cs"/>
+                  </a:defRPr>
+                </a:pPr>
+                <a:r>
+                  <a:rPr lang="en-US" altLang="ko-KR" sz="1400">
+                    <a:latin typeface="바탕체" panose="02030609000101010101" pitchFamily="17" charset="-127"/>
+                    <a:ea typeface="바탕체" panose="02030609000101010101" pitchFamily="17" charset="-127"/>
+                  </a:rPr>
+                  <a:t>Administrative area (km</a:t>
+                </a:r>
+                <a:r>
+                  <a:rPr lang="en-US" altLang="ko-KR" sz="1400" baseline="30000">
+                    <a:latin typeface="바탕체" panose="02030609000101010101" pitchFamily="17" charset="-127"/>
+                    <a:ea typeface="바탕체" panose="02030609000101010101" pitchFamily="17" charset="-127"/>
+                  </a:rPr>
+                  <a:t>2</a:t>
+                </a:r>
+                <a:r>
+                  <a:rPr lang="en-US" altLang="ko-KR" sz="1400">
+                    <a:latin typeface="바탕체" panose="02030609000101010101" pitchFamily="17" charset="-127"/>
+                    <a:ea typeface="바탕체" panose="02030609000101010101" pitchFamily="17" charset="-127"/>
+                  </a:rPr>
+                  <a:t>)</a:t>
+                </a:r>
+                <a:endParaRPr lang="ko-KR" altLang="en-US" sz="1400">
+                  <a:latin typeface="바탕체" panose="02030609000101010101" pitchFamily="17" charset="-127"/>
+                  <a:ea typeface="바탕체" panose="02030609000101010101" pitchFamily="17" charset="-127"/>
+                </a:endParaRPr>
+              </a:p>
+            </c:rich>
+          </c:tx>
+          <c:overlay val="0"/>
+          <c:spPr>
+            <a:noFill/>
+            <a:ln>
+              <a:noFill/>
+            </a:ln>
+            <a:effectLst/>
+          </c:spPr>
+          <c:txPr>
+            <a:bodyPr rot="0" spcFirstLastPara="1" vertOverflow="ellipsis" vert="horz" wrap="square" anchor="ctr" anchorCtr="1"/>
+            <a:lstStyle/>
+            <a:p>
+              <a:pPr>
+                <a:defRPr sz="1400" b="0" i="0" u="none" strike="noStrike" kern="1200" baseline="0">
+                  <a:solidFill>
+                    <a:schemeClr val="tx1">
+                      <a:lumMod val="65000"/>
+                      <a:lumOff val="35000"/>
+                    </a:schemeClr>
+                  </a:solidFill>
+                  <a:latin typeface="바탕체" panose="02030609000101010101" pitchFamily="17" charset="-127"/>
+                  <a:ea typeface="바탕체" panose="02030609000101010101" pitchFamily="17" charset="-127"/>
+                  <a:cs typeface="+mn-cs"/>
+                </a:defRPr>
+              </a:pPr>
+              <a:endParaRPr lang="ko-KR" altLang="en-US"/>
+            </a:p>
+          </c:txPr>
+        </c:title>
+        <c:numFmt formatCode="0" sourceLinked="1"/>
+        <c:majorTickMark val="none"/>
+        <c:minorTickMark val="none"/>
+        <c:tickLblPos val="nextTo"/>
+        <c:spPr>
+          <a:noFill/>
+          <a:ln w="9525" cap="flat" cmpd="sng" algn="ctr">
+            <a:solidFill>
+              <a:schemeClr val="tx1">
+                <a:lumMod val="25000"/>
+                <a:lumOff val="75000"/>
+              </a:schemeClr>
+            </a:solidFill>
+            <a:round/>
+          </a:ln>
+          <a:effectLst/>
+        </c:spPr>
+        <c:txPr>
+          <a:bodyPr rot="-60000000" spcFirstLastPara="1" vertOverflow="ellipsis" vert="horz" wrap="square" anchor="ctr" anchorCtr="1"/>
+          <a:lstStyle/>
+          <a:p>
+            <a:pPr>
+              <a:defRPr sz="1100" b="1" i="0" u="none" strike="noStrike" kern="1200" baseline="0">
+                <a:solidFill>
+                  <a:schemeClr val="tx1">
+                    <a:lumMod val="65000"/>
+                    <a:lumOff val="35000"/>
+                  </a:schemeClr>
+                </a:solidFill>
+                <a:latin typeface="바탕체" panose="02030609000101010101" pitchFamily="17" charset="-127"/>
+                <a:ea typeface="바탕체" panose="02030609000101010101" pitchFamily="17" charset="-127"/>
+                <a:cs typeface="+mn-cs"/>
+              </a:defRPr>
+            </a:pPr>
+            <a:endParaRPr lang="ko-KR"/>
+          </a:p>
+        </c:txPr>
+        <c:crossAx val="1168427087"/>
+        <c:crosses val="autoZero"/>
+        <c:crossBetween val="midCat"/>
+      </c:valAx>
+      <c:valAx>
+        <c:axId val="1168427087"/>
+        <c:scaling>
+          <c:logBase val="10"/>
+          <c:orientation val="minMax"/>
+          <c:max val="50000"/>
+          <c:min val="1000"/>
+        </c:scaling>
+        <c:delete val="0"/>
+        <c:axPos val="l"/>
+        <c:majorGridlines>
+          <c:spPr>
+            <a:ln w="9525" cap="flat" cmpd="sng" algn="ctr">
+              <a:solidFill>
+                <a:schemeClr val="tx1">
+                  <a:lumMod val="15000"/>
+                  <a:lumOff val="85000"/>
+                </a:schemeClr>
+              </a:solidFill>
+              <a:round/>
+            </a:ln>
+            <a:effectLst/>
+          </c:spPr>
+        </c:majorGridlines>
+        <c:minorGridlines>
+          <c:spPr>
+            <a:ln w="9525" cap="flat" cmpd="sng" algn="ctr">
+              <a:solidFill>
+                <a:schemeClr val="tx1">
+                  <a:lumMod val="5000"/>
+                  <a:lumOff val="95000"/>
+                </a:schemeClr>
+              </a:solidFill>
+              <a:round/>
+            </a:ln>
+            <a:effectLst/>
+          </c:spPr>
+        </c:minorGridlines>
+        <c:title>
+          <c:tx>
+            <c:rich>
+              <a:bodyPr rot="-5400000" spcFirstLastPara="1" vertOverflow="ellipsis" vert="horz" wrap="square" anchor="ctr" anchorCtr="1"/>
+              <a:lstStyle/>
+              <a:p>
+                <a:pPr>
+                  <a:defRPr sz="1400" b="0" i="0" u="none" strike="noStrike" kern="1200" baseline="0">
+                    <a:solidFill>
+                      <a:schemeClr val="tx1">
+                        <a:lumMod val="65000"/>
+                        <a:lumOff val="35000"/>
+                      </a:schemeClr>
+                    </a:solidFill>
+                    <a:latin typeface="바탕체" panose="02030609000101010101" pitchFamily="17" charset="-127"/>
+                    <a:ea typeface="바탕체" panose="02030609000101010101" pitchFamily="17" charset="-127"/>
+                    <a:cs typeface="+mn-cs"/>
+                  </a:defRPr>
+                </a:pPr>
+                <a:r>
+                  <a:rPr lang="en-US" altLang="ko-KR" sz="1400">
+                    <a:latin typeface="바탕체" panose="02030609000101010101" pitchFamily="17" charset="-127"/>
+                    <a:ea typeface="바탕체" panose="02030609000101010101" pitchFamily="17" charset="-127"/>
+                  </a:rPr>
+                  <a:t>Technical potential (GWh)</a:t>
+                </a:r>
+                <a:endParaRPr lang="ko-KR" altLang="en-US" sz="1400">
+                  <a:latin typeface="바탕체" panose="02030609000101010101" pitchFamily="17" charset="-127"/>
+                  <a:ea typeface="바탕체" panose="02030609000101010101" pitchFamily="17" charset="-127"/>
+                </a:endParaRPr>
+              </a:p>
+            </c:rich>
+          </c:tx>
+          <c:overlay val="0"/>
+          <c:spPr>
+            <a:noFill/>
+            <a:ln>
+              <a:noFill/>
+            </a:ln>
+            <a:effectLst/>
+          </c:spPr>
+          <c:txPr>
+            <a:bodyPr rot="-5400000" spcFirstLastPara="1" vertOverflow="ellipsis" vert="horz" wrap="square" anchor="ctr" anchorCtr="1"/>
+            <a:lstStyle/>
+            <a:p>
+              <a:pPr>
+                <a:defRPr sz="1400" b="0" i="0" u="none" strike="noStrike" kern="1200" baseline="0">
+                  <a:solidFill>
+                    <a:schemeClr val="tx1">
+                      <a:lumMod val="65000"/>
+                      <a:lumOff val="35000"/>
+                    </a:schemeClr>
+                  </a:solidFill>
+                  <a:latin typeface="바탕체" panose="02030609000101010101" pitchFamily="17" charset="-127"/>
+                  <a:ea typeface="바탕체" panose="02030609000101010101" pitchFamily="17" charset="-127"/>
+                  <a:cs typeface="+mn-cs"/>
+                </a:defRPr>
+              </a:pPr>
+              <a:endParaRPr lang="ko-KR" altLang="en-US"/>
+            </a:p>
+          </c:txPr>
+        </c:title>
+        <c:numFmt formatCode="_(* #,##0_);_(* \(#,##0\);_(* &quot;-&quot;_);_(@_)" sourceLinked="1"/>
+        <c:majorTickMark val="none"/>
+        <c:minorTickMark val="none"/>
+        <c:tickLblPos val="nextTo"/>
+        <c:spPr>
+          <a:noFill/>
+          <a:ln w="9525" cap="flat" cmpd="sng" algn="ctr">
+            <a:solidFill>
+              <a:schemeClr val="tx1">
+                <a:lumMod val="25000"/>
+                <a:lumOff val="75000"/>
+              </a:schemeClr>
+            </a:solidFill>
+            <a:round/>
+          </a:ln>
+          <a:effectLst/>
+        </c:spPr>
+        <c:txPr>
+          <a:bodyPr rot="-60000000" spcFirstLastPara="1" vertOverflow="ellipsis" vert="horz" wrap="square" anchor="ctr" anchorCtr="1"/>
+          <a:lstStyle/>
+          <a:p>
+            <a:pPr>
+              <a:defRPr sz="1100" b="1" i="0" u="none" strike="noStrike" kern="1200" baseline="0">
+                <a:solidFill>
+                  <a:schemeClr val="tx1">
+                    <a:lumMod val="65000"/>
+                    <a:lumOff val="35000"/>
+                  </a:schemeClr>
+                </a:solidFill>
+                <a:latin typeface="바탕체" panose="02030609000101010101" pitchFamily="17" charset="-127"/>
+                <a:ea typeface="바탕체" panose="02030609000101010101" pitchFamily="17" charset="-127"/>
+                <a:cs typeface="+mn-cs"/>
+              </a:defRPr>
+            </a:pPr>
+            <a:endParaRPr lang="ko-KR"/>
+          </a:p>
+        </c:txPr>
+        <c:crossAx val="1168426607"/>
+        <c:crosses val="autoZero"/>
+        <c:crossBetween val="midCat"/>
+      </c:valAx>
+      <c:spPr>
+        <a:noFill/>
+        <a:ln>
+          <a:noFill/>
+        </a:ln>
+        <a:effectLst/>
+      </c:spPr>
+    </c:plotArea>
+    <c:plotVisOnly val="1"/>
+    <c:dispBlanksAs val="gap"/>
+    <c:extLst>
+      <c:ext xmlns:c16r3="http://schemas.microsoft.com/office/drawing/2017/03/chart" uri="{56B9EC1D-385E-4148-901F-78D8002777C0}">
+        <c16r3:dataDisplayOptions16>
+          <c16r3:dispNaAsBlank val="1"/>
+        </c16r3:dataDisplayOptions16>
+      </c:ext>
+    </c:extLst>
+    <c:showDLblsOverMax val="0"/>
+  </c:chart>
+  <c:spPr>
+    <a:solidFill>
+      <a:schemeClr val="bg1"/>
+    </a:solidFill>
+    <a:ln w="9525" cap="flat" cmpd="sng" algn="ctr">
+      <a:solidFill>
+        <a:sysClr val="windowText" lastClr="000000"/>
+      </a:solidFill>
+      <a:round/>
+    </a:ln>
+    <a:effectLst/>
+  </c:spPr>
+  <c:txPr>
+    <a:bodyPr/>
+    <a:lstStyle/>
+    <a:p>
+      <a:pPr>
+        <a:defRPr/>
+      </a:pPr>
+      <a:endParaRPr lang="ko-KR"/>
+    </a:p>
+  </c:txPr>
+  <c:externalData r:id="rId3">
+    <c:autoUpdate val="0"/>
+  </c:externalData>
+</c:chartSpace>
+</file>
+
+<file path=ppt/charts/chart3.xml><?xml version="1.0" encoding="utf-8"?>
 <c:chartSpace xmlns:c="http://schemas.openxmlformats.org/drawingml/2006/chart" xmlns:a="http://schemas.openxmlformats.org/drawingml/2006/main" xmlns:r="http://schemas.openxmlformats.org/officeDocument/2006/relationships" xmlns:c16r2="http://schemas.microsoft.com/office/drawing/2015/06/chart">
   <c:date1904 val="0"/>
   <c:lang val="ko-KR"/>
@@ -1780,6 +2548,46 @@
 </cs:colorStyle>
 </file>
 
+<file path=ppt/charts/colors3.xml><?xml version="1.0" encoding="utf-8"?>
+<cs:colorStyle xmlns:cs="http://schemas.microsoft.com/office/drawing/2012/chartStyle" xmlns:a="http://schemas.openxmlformats.org/drawingml/2006/main" meth="cycle" id="10">
+  <a:schemeClr val="accent1"/>
+  <a:schemeClr val="accent2"/>
+  <a:schemeClr val="accent3"/>
+  <a:schemeClr val="accent4"/>
+  <a:schemeClr val="accent5"/>
+  <a:schemeClr val="accent6"/>
+  <cs:variation/>
+  <cs:variation>
+    <a:lumMod val="60000"/>
+  </cs:variation>
+  <cs:variation>
+    <a:lumMod val="80000"/>
+    <a:lumOff val="20000"/>
+  </cs:variation>
+  <cs:variation>
+    <a:lumMod val="80000"/>
+  </cs:variation>
+  <cs:variation>
+    <a:lumMod val="60000"/>
+    <a:lumOff val="40000"/>
+  </cs:variation>
+  <cs:variation>
+    <a:lumMod val="50000"/>
+  </cs:variation>
+  <cs:variation>
+    <a:lumMod val="70000"/>
+    <a:lumOff val="30000"/>
+  </cs:variation>
+  <cs:variation>
+    <a:lumMod val="70000"/>
+  </cs:variation>
+  <cs:variation>
+    <a:lumMod val="50000"/>
+    <a:lumOff val="50000"/>
+  </cs:variation>
+</cs:colorStyle>
+</file>
+
 <file path=ppt/charts/style1.xml><?xml version="1.0" encoding="utf-8"?>
 <cs:chartStyle xmlns:cs="http://schemas.microsoft.com/office/drawing/2012/chartStyle" xmlns:a="http://schemas.openxmlformats.org/drawingml/2006/main" id="201">
   <cs:axisTitle>
@@ -2284,6 +3092,522 @@
 </file>
 
 <file path=ppt/charts/style2.xml><?xml version="1.0" encoding="utf-8"?>
+<cs:chartStyle xmlns:cs="http://schemas.microsoft.com/office/drawing/2012/chartStyle" xmlns:a="http://schemas.openxmlformats.org/drawingml/2006/main" id="240">
+  <cs:axisTitle>
+    <cs:lnRef idx="0"/>
+    <cs:fillRef idx="0"/>
+    <cs:effectRef idx="0"/>
+    <cs:fontRef idx="minor">
+      <a:schemeClr val="tx1">
+        <a:lumMod val="65000"/>
+        <a:lumOff val="35000"/>
+      </a:schemeClr>
+    </cs:fontRef>
+    <cs:defRPr sz="1000" kern="1200"/>
+  </cs:axisTitle>
+  <cs:categoryAxis>
+    <cs:lnRef idx="0"/>
+    <cs:fillRef idx="0"/>
+    <cs:effectRef idx="0"/>
+    <cs:fontRef idx="minor">
+      <a:schemeClr val="tx1">
+        <a:lumMod val="65000"/>
+        <a:lumOff val="35000"/>
+      </a:schemeClr>
+    </cs:fontRef>
+    <cs:spPr>
+      <a:ln w="9525" cap="flat" cmpd="sng" algn="ctr">
+        <a:solidFill>
+          <a:schemeClr val="tx1">
+            <a:lumMod val="25000"/>
+            <a:lumOff val="75000"/>
+          </a:schemeClr>
+        </a:solidFill>
+        <a:round/>
+      </a:ln>
+    </cs:spPr>
+    <cs:defRPr sz="900" kern="1200"/>
+  </cs:categoryAxis>
+  <cs:chartArea mods="allowNoFillOverride allowNoLineOverride">
+    <cs:lnRef idx="0"/>
+    <cs:fillRef idx="0"/>
+    <cs:effectRef idx="0"/>
+    <cs:fontRef idx="minor">
+      <a:schemeClr val="tx1"/>
+    </cs:fontRef>
+    <cs:spPr>
+      <a:solidFill>
+        <a:schemeClr val="bg1"/>
+      </a:solidFill>
+      <a:ln w="9525" cap="flat" cmpd="sng" algn="ctr">
+        <a:solidFill>
+          <a:schemeClr val="tx1">
+            <a:lumMod val="15000"/>
+            <a:lumOff val="85000"/>
+          </a:schemeClr>
+        </a:solidFill>
+        <a:round/>
+      </a:ln>
+    </cs:spPr>
+    <cs:defRPr sz="1000" kern="1200"/>
+  </cs:chartArea>
+  <cs:dataLabel>
+    <cs:lnRef idx="0"/>
+    <cs:fillRef idx="0"/>
+    <cs:effectRef idx="0"/>
+    <cs:fontRef idx="minor">
+      <a:schemeClr val="tx1">
+        <a:lumMod val="75000"/>
+        <a:lumOff val="25000"/>
+      </a:schemeClr>
+    </cs:fontRef>
+    <cs:defRPr sz="900" kern="1200"/>
+  </cs:dataLabel>
+  <cs:dataLabelCallout>
+    <cs:lnRef idx="0"/>
+    <cs:fillRef idx="0"/>
+    <cs:effectRef idx="0"/>
+    <cs:fontRef idx="minor">
+      <a:schemeClr val="dk1">
+        <a:lumMod val="65000"/>
+        <a:lumOff val="35000"/>
+      </a:schemeClr>
+    </cs:fontRef>
+    <cs:spPr>
+      <a:solidFill>
+        <a:schemeClr val="lt1"/>
+      </a:solidFill>
+      <a:ln>
+        <a:solidFill>
+          <a:schemeClr val="dk1">
+            <a:lumMod val="25000"/>
+            <a:lumOff val="75000"/>
+          </a:schemeClr>
+        </a:solidFill>
+      </a:ln>
+    </cs:spPr>
+    <cs:defRPr sz="900" kern="1200"/>
+    <cs:bodyPr rot="0" spcFirstLastPara="1" vertOverflow="clip" horzOverflow="clip" vert="horz" wrap="square" lIns="36576" tIns="18288" rIns="36576" bIns="18288" anchor="ctr" anchorCtr="1">
+      <a:spAutoFit/>
+    </cs:bodyPr>
+  </cs:dataLabelCallout>
+  <cs:dataPoint>
+    <cs:lnRef idx="0"/>
+    <cs:fillRef idx="1">
+      <cs:styleClr val="auto"/>
+    </cs:fillRef>
+    <cs:effectRef idx="0"/>
+    <cs:fontRef idx="minor">
+      <a:schemeClr val="tx1"/>
+    </cs:fontRef>
+  </cs:dataPoint>
+  <cs:dataPoint3D>
+    <cs:lnRef idx="0"/>
+    <cs:fillRef idx="1">
+      <cs:styleClr val="auto"/>
+    </cs:fillRef>
+    <cs:effectRef idx="0"/>
+    <cs:fontRef idx="minor">
+      <a:schemeClr val="tx1"/>
+    </cs:fontRef>
+  </cs:dataPoint3D>
+  <cs:dataPointLine>
+    <cs:lnRef idx="0">
+      <cs:styleClr val="auto"/>
+    </cs:lnRef>
+    <cs:fillRef idx="1"/>
+    <cs:effectRef idx="0"/>
+    <cs:fontRef idx="minor">
+      <a:schemeClr val="tx1"/>
+    </cs:fontRef>
+    <cs:spPr>
+      <a:ln w="19050" cap="rnd">
+        <a:solidFill>
+          <a:schemeClr val="phClr"/>
+        </a:solidFill>
+        <a:round/>
+      </a:ln>
+    </cs:spPr>
+  </cs:dataPointLine>
+  <cs:dataPointMarker>
+    <cs:lnRef idx="0">
+      <cs:styleClr val="auto"/>
+    </cs:lnRef>
+    <cs:fillRef idx="1">
+      <cs:styleClr val="auto"/>
+    </cs:fillRef>
+    <cs:effectRef idx="0"/>
+    <cs:fontRef idx="minor">
+      <a:schemeClr val="tx1"/>
+    </cs:fontRef>
+    <cs:spPr>
+      <a:ln w="9525">
+        <a:solidFill>
+          <a:schemeClr val="phClr"/>
+        </a:solidFill>
+      </a:ln>
+    </cs:spPr>
+  </cs:dataPointMarker>
+  <cs:dataPointMarkerLayout symbol="circle" size="5"/>
+  <cs:dataPointWireframe>
+    <cs:lnRef idx="0">
+      <cs:styleClr val="auto"/>
+    </cs:lnRef>
+    <cs:fillRef idx="0"/>
+    <cs:effectRef idx="0"/>
+    <cs:fontRef idx="minor">
+      <a:schemeClr val="dk1"/>
+    </cs:fontRef>
+    <cs:spPr>
+      <a:ln w="9525" cap="rnd">
+        <a:solidFill>
+          <a:schemeClr val="phClr"/>
+        </a:solidFill>
+        <a:round/>
+      </a:ln>
+    </cs:spPr>
+  </cs:dataPointWireframe>
+  <cs:dataTable>
+    <cs:lnRef idx="0"/>
+    <cs:fillRef idx="0"/>
+    <cs:effectRef idx="0"/>
+    <cs:fontRef idx="minor">
+      <a:schemeClr val="tx1">
+        <a:lumMod val="65000"/>
+        <a:lumOff val="35000"/>
+      </a:schemeClr>
+    </cs:fontRef>
+    <cs:spPr>
+      <a:noFill/>
+      <a:ln w="9525" cap="flat" cmpd="sng" algn="ctr">
+        <a:solidFill>
+          <a:schemeClr val="tx1">
+            <a:lumMod val="15000"/>
+            <a:lumOff val="85000"/>
+          </a:schemeClr>
+        </a:solidFill>
+        <a:round/>
+      </a:ln>
+    </cs:spPr>
+    <cs:defRPr sz="900" kern="1200"/>
+  </cs:dataTable>
+  <cs:downBar>
+    <cs:lnRef idx="0"/>
+    <cs:fillRef idx="0"/>
+    <cs:effectRef idx="0"/>
+    <cs:fontRef idx="minor">
+      <a:schemeClr val="tx1"/>
+    </cs:fontRef>
+    <cs:spPr>
+      <a:solidFill>
+        <a:schemeClr val="dk1">
+          <a:lumMod val="75000"/>
+          <a:lumOff val="25000"/>
+        </a:schemeClr>
+      </a:solidFill>
+      <a:ln w="9525" cap="flat" cmpd="sng" algn="ctr">
+        <a:solidFill>
+          <a:schemeClr val="tx1">
+            <a:lumMod val="65000"/>
+            <a:lumOff val="35000"/>
+          </a:schemeClr>
+        </a:solidFill>
+        <a:round/>
+      </a:ln>
+    </cs:spPr>
+  </cs:downBar>
+  <cs:dropLine>
+    <cs:lnRef idx="0"/>
+    <cs:fillRef idx="0"/>
+    <cs:effectRef idx="0"/>
+    <cs:fontRef idx="minor">
+      <a:schemeClr val="tx1"/>
+    </cs:fontRef>
+    <cs:spPr>
+      <a:ln w="9525" cap="flat" cmpd="sng" algn="ctr">
+        <a:solidFill>
+          <a:schemeClr val="tx1">
+            <a:lumMod val="35000"/>
+            <a:lumOff val="65000"/>
+          </a:schemeClr>
+        </a:solidFill>
+        <a:round/>
+      </a:ln>
+    </cs:spPr>
+  </cs:dropLine>
+  <cs:errorBar>
+    <cs:lnRef idx="0"/>
+    <cs:fillRef idx="0"/>
+    <cs:effectRef idx="0"/>
+    <cs:fontRef idx="minor">
+      <a:schemeClr val="tx1"/>
+    </cs:fontRef>
+    <cs:spPr>
+      <a:ln w="9525" cap="flat" cmpd="sng" algn="ctr">
+        <a:solidFill>
+          <a:schemeClr val="tx1">
+            <a:lumMod val="65000"/>
+            <a:lumOff val="35000"/>
+          </a:schemeClr>
+        </a:solidFill>
+        <a:round/>
+      </a:ln>
+    </cs:spPr>
+  </cs:errorBar>
+  <cs:floor>
+    <cs:lnRef idx="0"/>
+    <cs:fillRef idx="0"/>
+    <cs:effectRef idx="0"/>
+    <cs:fontRef idx="minor">
+      <a:schemeClr val="tx1"/>
+    </cs:fontRef>
+    <cs:spPr>
+      <a:noFill/>
+      <a:ln>
+        <a:noFill/>
+      </a:ln>
+    </cs:spPr>
+  </cs:floor>
+  <cs:gridlineMajor>
+    <cs:lnRef idx="0"/>
+    <cs:fillRef idx="0"/>
+    <cs:effectRef idx="0"/>
+    <cs:fontRef idx="minor">
+      <a:schemeClr val="tx1"/>
+    </cs:fontRef>
+    <cs:spPr>
+      <a:ln w="9525" cap="flat" cmpd="sng" algn="ctr">
+        <a:solidFill>
+          <a:schemeClr val="tx1">
+            <a:lumMod val="15000"/>
+            <a:lumOff val="85000"/>
+          </a:schemeClr>
+        </a:solidFill>
+        <a:round/>
+      </a:ln>
+    </cs:spPr>
+  </cs:gridlineMajor>
+  <cs:gridlineMinor>
+    <cs:lnRef idx="0"/>
+    <cs:fillRef idx="0"/>
+    <cs:effectRef idx="0"/>
+    <cs:fontRef idx="minor">
+      <a:schemeClr val="tx1"/>
+    </cs:fontRef>
+    <cs:spPr>
+      <a:ln w="9525" cap="flat" cmpd="sng" algn="ctr">
+        <a:solidFill>
+          <a:schemeClr val="tx1">
+            <a:lumMod val="5000"/>
+            <a:lumOff val="95000"/>
+          </a:schemeClr>
+        </a:solidFill>
+        <a:round/>
+      </a:ln>
+    </cs:spPr>
+  </cs:gridlineMinor>
+  <cs:hiLoLine>
+    <cs:lnRef idx="0"/>
+    <cs:fillRef idx="0"/>
+    <cs:effectRef idx="0"/>
+    <cs:fontRef idx="minor">
+      <a:schemeClr val="tx1"/>
+    </cs:fontRef>
+    <cs:spPr>
+      <a:ln w="9525" cap="flat" cmpd="sng" algn="ctr">
+        <a:solidFill>
+          <a:schemeClr val="tx1">
+            <a:lumMod val="50000"/>
+            <a:lumOff val="50000"/>
+          </a:schemeClr>
+        </a:solidFill>
+        <a:round/>
+      </a:ln>
+    </cs:spPr>
+  </cs:hiLoLine>
+  <cs:leaderLine>
+    <cs:lnRef idx="0"/>
+    <cs:fillRef idx="0"/>
+    <cs:effectRef idx="0"/>
+    <cs:fontRef idx="minor">
+      <a:schemeClr val="tx1"/>
+    </cs:fontRef>
+    <cs:spPr>
+      <a:ln w="9525" cap="flat" cmpd="sng" algn="ctr">
+        <a:solidFill>
+          <a:schemeClr val="tx1">
+            <a:lumMod val="35000"/>
+            <a:lumOff val="65000"/>
+          </a:schemeClr>
+        </a:solidFill>
+        <a:round/>
+      </a:ln>
+    </cs:spPr>
+  </cs:leaderLine>
+  <cs:legend>
+    <cs:lnRef idx="0"/>
+    <cs:fillRef idx="0"/>
+    <cs:effectRef idx="0"/>
+    <cs:fontRef idx="minor">
+      <a:schemeClr val="tx1">
+        <a:lumMod val="65000"/>
+        <a:lumOff val="35000"/>
+      </a:schemeClr>
+    </cs:fontRef>
+    <cs:defRPr sz="900" kern="1200"/>
+  </cs:legend>
+  <cs:plotArea mods="allowNoFillOverride allowNoLineOverride">
+    <cs:lnRef idx="0"/>
+    <cs:fillRef idx="0"/>
+    <cs:effectRef idx="0"/>
+    <cs:fontRef idx="minor">
+      <a:schemeClr val="tx1"/>
+    </cs:fontRef>
+  </cs:plotArea>
+  <cs:plotArea3D mods="allowNoFillOverride allowNoLineOverride">
+    <cs:lnRef idx="0"/>
+    <cs:fillRef idx="0"/>
+    <cs:effectRef idx="0"/>
+    <cs:fontRef idx="minor">
+      <a:schemeClr val="tx1"/>
+    </cs:fontRef>
+  </cs:plotArea3D>
+  <cs:seriesAxis>
+    <cs:lnRef idx="0"/>
+    <cs:fillRef idx="0"/>
+    <cs:effectRef idx="0"/>
+    <cs:fontRef idx="minor">
+      <a:schemeClr val="tx1">
+        <a:lumMod val="65000"/>
+        <a:lumOff val="35000"/>
+      </a:schemeClr>
+    </cs:fontRef>
+    <cs:defRPr sz="900" kern="1200"/>
+  </cs:seriesAxis>
+  <cs:seriesLine>
+    <cs:lnRef idx="0"/>
+    <cs:fillRef idx="0"/>
+    <cs:effectRef idx="0"/>
+    <cs:fontRef idx="minor">
+      <a:schemeClr val="tx1"/>
+    </cs:fontRef>
+    <cs:spPr>
+      <a:ln w="9525" cap="flat" cmpd="sng" algn="ctr">
+        <a:solidFill>
+          <a:schemeClr val="tx1">
+            <a:lumMod val="35000"/>
+            <a:lumOff val="65000"/>
+          </a:schemeClr>
+        </a:solidFill>
+        <a:round/>
+      </a:ln>
+    </cs:spPr>
+  </cs:seriesLine>
+  <cs:title>
+    <cs:lnRef idx="0"/>
+    <cs:fillRef idx="0"/>
+    <cs:effectRef idx="0"/>
+    <cs:fontRef idx="minor">
+      <a:schemeClr val="tx1">
+        <a:lumMod val="65000"/>
+        <a:lumOff val="35000"/>
+      </a:schemeClr>
+    </cs:fontRef>
+    <cs:defRPr sz="1400" b="0" kern="1200" spc="0" baseline="0"/>
+  </cs:title>
+  <cs:trendline>
+    <cs:lnRef idx="0">
+      <cs:styleClr val="auto"/>
+    </cs:lnRef>
+    <cs:fillRef idx="0"/>
+    <cs:effectRef idx="0"/>
+    <cs:fontRef idx="minor">
+      <a:schemeClr val="tx1"/>
+    </cs:fontRef>
+    <cs:spPr>
+      <a:ln w="19050" cap="rnd">
+        <a:solidFill>
+          <a:schemeClr val="phClr"/>
+        </a:solidFill>
+        <a:prstDash val="sysDot"/>
+      </a:ln>
+    </cs:spPr>
+  </cs:trendline>
+  <cs:trendlineLabel>
+    <cs:lnRef idx="0"/>
+    <cs:fillRef idx="0"/>
+    <cs:effectRef idx="0"/>
+    <cs:fontRef idx="minor">
+      <a:schemeClr val="tx1">
+        <a:lumMod val="65000"/>
+        <a:lumOff val="35000"/>
+      </a:schemeClr>
+    </cs:fontRef>
+    <cs:defRPr sz="900" kern="1200"/>
+  </cs:trendlineLabel>
+  <cs:upBar>
+    <cs:lnRef idx="0"/>
+    <cs:fillRef idx="0"/>
+    <cs:effectRef idx="0"/>
+    <cs:fontRef idx="minor">
+      <a:schemeClr val="tx1"/>
+    </cs:fontRef>
+    <cs:spPr>
+      <a:solidFill>
+        <a:schemeClr val="lt1"/>
+      </a:solidFill>
+      <a:ln w="9525" cap="flat" cmpd="sng" algn="ctr">
+        <a:solidFill>
+          <a:schemeClr val="tx1">
+            <a:lumMod val="65000"/>
+            <a:lumOff val="35000"/>
+          </a:schemeClr>
+        </a:solidFill>
+        <a:round/>
+      </a:ln>
+    </cs:spPr>
+  </cs:upBar>
+  <cs:valueAxis>
+    <cs:lnRef idx="0"/>
+    <cs:fillRef idx="0"/>
+    <cs:effectRef idx="0"/>
+    <cs:fontRef idx="minor">
+      <a:schemeClr val="tx1">
+        <a:lumMod val="65000"/>
+        <a:lumOff val="35000"/>
+      </a:schemeClr>
+    </cs:fontRef>
+    <cs:spPr>
+      <a:ln w="9525" cap="flat" cmpd="sng" algn="ctr">
+        <a:solidFill>
+          <a:schemeClr val="tx1">
+            <a:lumMod val="25000"/>
+            <a:lumOff val="75000"/>
+          </a:schemeClr>
+        </a:solidFill>
+        <a:round/>
+      </a:ln>
+    </cs:spPr>
+    <cs:defRPr sz="900" kern="1200"/>
+  </cs:valueAxis>
+  <cs:wall>
+    <cs:lnRef idx="0"/>
+    <cs:fillRef idx="0"/>
+    <cs:effectRef idx="0"/>
+    <cs:fontRef idx="minor">
+      <a:schemeClr val="tx1"/>
+    </cs:fontRef>
+    <cs:spPr>
+      <a:noFill/>
+      <a:ln>
+        <a:noFill/>
+      </a:ln>
+    </cs:spPr>
+  </cs:wall>
+</cs:chartStyle>
+</file>
+
+<file path=ppt/charts/style3.xml><?xml version="1.0" encoding="utf-8"?>
 <cs:chartStyle xmlns:cs="http://schemas.microsoft.com/office/drawing/2012/chartStyle" xmlns:a="http://schemas.openxmlformats.org/drawingml/2006/main" id="201">
   <cs:axisTitle>
     <cs:lnRef idx="0"/>
@@ -2933,7 +4257,7 @@
           <a:p>
             <a:fld id="{08D45E2C-F65D-4824-8008-5941D4E99895}" type="datetimeFigureOut">
               <a:rPr lang="ko-KR" altLang="en-US" smtClean="0"/>
-              <a:t>2025-05-27</a:t>
+              <a:t>2025-05-28</a:t>
             </a:fld>
             <a:endParaRPr lang="ko-KR" altLang="en-US"/>
           </a:p>
@@ -3131,7 +4455,7 @@
           <a:p>
             <a:fld id="{08D45E2C-F65D-4824-8008-5941D4E99895}" type="datetimeFigureOut">
               <a:rPr lang="ko-KR" altLang="en-US" smtClean="0"/>
-              <a:t>2025-05-27</a:t>
+              <a:t>2025-05-28</a:t>
             </a:fld>
             <a:endParaRPr lang="ko-KR" altLang="en-US"/>
           </a:p>
@@ -3339,7 +4663,7 @@
           <a:p>
             <a:fld id="{08D45E2C-F65D-4824-8008-5941D4E99895}" type="datetimeFigureOut">
               <a:rPr lang="ko-KR" altLang="en-US" smtClean="0"/>
-              <a:t>2025-05-27</a:t>
+              <a:t>2025-05-28</a:t>
             </a:fld>
             <a:endParaRPr lang="ko-KR" altLang="en-US"/>
           </a:p>
@@ -3537,7 +4861,7 @@
           <a:p>
             <a:fld id="{08D45E2C-F65D-4824-8008-5941D4E99895}" type="datetimeFigureOut">
               <a:rPr lang="ko-KR" altLang="en-US" smtClean="0"/>
-              <a:t>2025-05-27</a:t>
+              <a:t>2025-05-28</a:t>
             </a:fld>
             <a:endParaRPr lang="ko-KR" altLang="en-US"/>
           </a:p>
@@ -3812,7 +5136,7 @@
           <a:p>
             <a:fld id="{08D45E2C-F65D-4824-8008-5941D4E99895}" type="datetimeFigureOut">
               <a:rPr lang="ko-KR" altLang="en-US" smtClean="0"/>
-              <a:t>2025-05-27</a:t>
+              <a:t>2025-05-28</a:t>
             </a:fld>
             <a:endParaRPr lang="ko-KR" altLang="en-US"/>
           </a:p>
@@ -4077,7 +5401,7 @@
           <a:p>
             <a:fld id="{08D45E2C-F65D-4824-8008-5941D4E99895}" type="datetimeFigureOut">
               <a:rPr lang="ko-KR" altLang="en-US" smtClean="0"/>
-              <a:t>2025-05-27</a:t>
+              <a:t>2025-05-28</a:t>
             </a:fld>
             <a:endParaRPr lang="ko-KR" altLang="en-US"/>
           </a:p>
@@ -4489,7 +5813,7 @@
           <a:p>
             <a:fld id="{08D45E2C-F65D-4824-8008-5941D4E99895}" type="datetimeFigureOut">
               <a:rPr lang="ko-KR" altLang="en-US" smtClean="0"/>
-              <a:t>2025-05-27</a:t>
+              <a:t>2025-05-28</a:t>
             </a:fld>
             <a:endParaRPr lang="ko-KR" altLang="en-US"/>
           </a:p>
@@ -4630,7 +5954,7 @@
           <a:p>
             <a:fld id="{08D45E2C-F65D-4824-8008-5941D4E99895}" type="datetimeFigureOut">
               <a:rPr lang="ko-KR" altLang="en-US" smtClean="0"/>
-              <a:t>2025-05-27</a:t>
+              <a:t>2025-05-28</a:t>
             </a:fld>
             <a:endParaRPr lang="ko-KR" altLang="en-US"/>
           </a:p>
@@ -4743,7 +6067,7 @@
           <a:p>
             <a:fld id="{08D45E2C-F65D-4824-8008-5941D4E99895}" type="datetimeFigureOut">
               <a:rPr lang="ko-KR" altLang="en-US" smtClean="0"/>
-              <a:t>2025-05-27</a:t>
+              <a:t>2025-05-28</a:t>
             </a:fld>
             <a:endParaRPr lang="ko-KR" altLang="en-US"/>
           </a:p>
@@ -5054,7 +6378,7 @@
           <a:p>
             <a:fld id="{08D45E2C-F65D-4824-8008-5941D4E99895}" type="datetimeFigureOut">
               <a:rPr lang="ko-KR" altLang="en-US" smtClean="0"/>
-              <a:t>2025-05-27</a:t>
+              <a:t>2025-05-28</a:t>
             </a:fld>
             <a:endParaRPr lang="ko-KR" altLang="en-US"/>
           </a:p>
@@ -5342,7 +6666,7 @@
           <a:p>
             <a:fld id="{08D45E2C-F65D-4824-8008-5941D4E99895}" type="datetimeFigureOut">
               <a:rPr lang="ko-KR" altLang="en-US" smtClean="0"/>
-              <a:t>2025-05-27</a:t>
+              <a:t>2025-05-28</a:t>
             </a:fld>
             <a:endParaRPr lang="ko-KR" altLang="en-US"/>
           </a:p>
@@ -5583,7 +6907,7 @@
           <a:p>
             <a:fld id="{08D45E2C-F65D-4824-8008-5941D4E99895}" type="datetimeFigureOut">
               <a:rPr lang="ko-KR" altLang="en-US" smtClean="0"/>
-              <a:t>2025-05-27</a:t>
+              <a:t>2025-05-28</a:t>
             </a:fld>
             <a:endParaRPr lang="ko-KR" altLang="en-US"/>
           </a:p>
@@ -6000,12 +7324,198 @@
           <a:chExt cx="0" cy="0"/>
         </a:xfrm>
       </p:grpSpPr>
+      <p:sp>
+        <p:nvSpPr>
+          <p:cNvPr id="11" name="직사각형 10">
+            <a:extLst>
+              <a:ext uri="{FF2B5EF4-FFF2-40B4-BE49-F238E27FC236}">
+                <a16:creationId xmlns:a16="http://schemas.microsoft.com/office/drawing/2014/main" id="{C86BD3A3-CE0F-5A8E-B022-5E50AA47B97B}"/>
+              </a:ext>
+            </a:extLst>
+          </p:cNvPr>
+          <p:cNvSpPr/>
+          <p:nvPr/>
+        </p:nvSpPr>
+        <p:spPr>
+          <a:xfrm>
+            <a:off x="2609850" y="-276225"/>
+            <a:ext cx="7305675" cy="8858250"/>
+          </a:xfrm>
+          <a:prstGeom prst="rect">
+            <a:avLst/>
+          </a:prstGeom>
+          <a:solidFill>
+            <a:schemeClr val="bg1"/>
+          </a:solidFill>
+          <a:ln>
+            <a:solidFill>
+              <a:schemeClr val="tx1"/>
+            </a:solidFill>
+          </a:ln>
+        </p:spPr>
+        <p:style>
+          <a:lnRef idx="2">
+            <a:schemeClr val="accent1">
+              <a:shade val="15000"/>
+            </a:schemeClr>
+          </a:lnRef>
+          <a:fillRef idx="1">
+            <a:schemeClr val="accent1"/>
+          </a:fillRef>
+          <a:effectRef idx="0">
+            <a:schemeClr val="accent1"/>
+          </a:effectRef>
+          <a:fontRef idx="minor">
+            <a:schemeClr val="lt1"/>
+          </a:fontRef>
+        </p:style>
+        <p:txBody>
+          <a:bodyPr rtlCol="0" anchor="ctr"/>
+          <a:lstStyle/>
+          <a:p>
+            <a:pPr algn="ctr"/>
+            <a:endParaRPr lang="ko-KR" altLang="en-US"/>
+          </a:p>
+        </p:txBody>
+      </p:sp>
+      <p:sp>
+        <p:nvSpPr>
+          <p:cNvPr id="9" name="직사각형 8">
+            <a:extLst>
+              <a:ext uri="{FF2B5EF4-FFF2-40B4-BE49-F238E27FC236}">
+                <a16:creationId xmlns:a16="http://schemas.microsoft.com/office/drawing/2014/main" id="{A1ADB0A8-577A-1101-CF42-01E76C2D39C9}"/>
+              </a:ext>
+            </a:extLst>
+          </p:cNvPr>
+          <p:cNvSpPr/>
+          <p:nvPr/>
+        </p:nvSpPr>
+        <p:spPr>
+          <a:xfrm>
+            <a:off x="2769253" y="-263179"/>
+            <a:ext cx="452346" cy="341120"/>
+          </a:xfrm>
+          <a:prstGeom prst="rect">
+            <a:avLst/>
+          </a:prstGeom>
+          <a:noFill/>
+          <a:ln>
+            <a:noFill/>
+          </a:ln>
+        </p:spPr>
+        <p:style>
+          <a:lnRef idx="2">
+            <a:schemeClr val="accent1">
+              <a:shade val="15000"/>
+            </a:schemeClr>
+          </a:lnRef>
+          <a:fillRef idx="1">
+            <a:schemeClr val="accent1"/>
+          </a:fillRef>
+          <a:effectRef idx="0">
+            <a:schemeClr val="accent1"/>
+          </a:effectRef>
+          <a:fontRef idx="minor">
+            <a:schemeClr val="lt1"/>
+          </a:fontRef>
+        </p:style>
+        <p:txBody>
+          <a:bodyPr rtlCol="0" anchor="ctr"/>
+          <a:lstStyle/>
+          <a:p>
+            <a:pPr algn="ctr"/>
+            <a:r>
+              <a:rPr lang="en-US" altLang="ko-KR" sz="2000" b="1" dirty="0">
+                <a:solidFill>
+                  <a:schemeClr val="tx1"/>
+                </a:solidFill>
+                <a:latin typeface="바탕체" panose="02030609000101010101" pitchFamily="17" charset="-127"/>
+                <a:ea typeface="바탕체" panose="02030609000101010101" pitchFamily="17" charset="-127"/>
+              </a:rPr>
+              <a:t>(a)</a:t>
+            </a:r>
+            <a:endParaRPr lang="ko-KR" altLang="en-US" sz="2000" b="1" dirty="0">
+              <a:solidFill>
+                <a:schemeClr val="tx1"/>
+              </a:solidFill>
+              <a:latin typeface="바탕체" panose="02030609000101010101" pitchFamily="17" charset="-127"/>
+              <a:ea typeface="바탕체" panose="02030609000101010101" pitchFamily="17" charset="-127"/>
+            </a:endParaRPr>
+          </a:p>
+        </p:txBody>
+      </p:sp>
+      <p:sp>
+        <p:nvSpPr>
+          <p:cNvPr id="16" name="직사각형 15">
+            <a:extLst>
+              <a:ext uri="{FF2B5EF4-FFF2-40B4-BE49-F238E27FC236}">
+                <a16:creationId xmlns:a16="http://schemas.microsoft.com/office/drawing/2014/main" id="{B0D1B846-A660-CA23-07E2-C20526590B4B}"/>
+              </a:ext>
+            </a:extLst>
+          </p:cNvPr>
+          <p:cNvSpPr/>
+          <p:nvPr/>
+        </p:nvSpPr>
+        <p:spPr>
+          <a:xfrm>
+            <a:off x="2769253" y="4024260"/>
+            <a:ext cx="452346" cy="341120"/>
+          </a:xfrm>
+          <a:prstGeom prst="rect">
+            <a:avLst/>
+          </a:prstGeom>
+          <a:noFill/>
+          <a:ln>
+            <a:noFill/>
+          </a:ln>
+        </p:spPr>
+        <p:style>
+          <a:lnRef idx="2">
+            <a:schemeClr val="accent1">
+              <a:shade val="15000"/>
+            </a:schemeClr>
+          </a:lnRef>
+          <a:fillRef idx="1">
+            <a:schemeClr val="accent1"/>
+          </a:fillRef>
+          <a:effectRef idx="0">
+            <a:schemeClr val="accent1"/>
+          </a:effectRef>
+          <a:fontRef idx="minor">
+            <a:schemeClr val="lt1"/>
+          </a:fontRef>
+        </p:style>
+        <p:txBody>
+          <a:bodyPr rtlCol="0" anchor="ctr"/>
+          <a:lstStyle/>
+          <a:p>
+            <a:pPr algn="ctr"/>
+            <a:r>
+              <a:rPr lang="en-US" altLang="ko-KR" sz="2000" b="1" dirty="0">
+                <a:solidFill>
+                  <a:schemeClr val="tx1"/>
+                </a:solidFill>
+                <a:latin typeface="바탕체" panose="02030609000101010101" pitchFamily="17" charset="-127"/>
+                <a:ea typeface="바탕체" panose="02030609000101010101" pitchFamily="17" charset="-127"/>
+              </a:rPr>
+              <a:t>(b)</a:t>
+            </a:r>
+            <a:endParaRPr lang="ko-KR" altLang="en-US" sz="2000" b="1" dirty="0">
+              <a:solidFill>
+                <a:schemeClr val="tx1"/>
+              </a:solidFill>
+              <a:latin typeface="바탕체" panose="02030609000101010101" pitchFamily="17" charset="-127"/>
+              <a:ea typeface="바탕체" panose="02030609000101010101" pitchFamily="17" charset="-127"/>
+            </a:endParaRPr>
+          </a:p>
+        </p:txBody>
+      </p:sp>
       <p:graphicFrame>
         <p:nvGraphicFramePr>
-          <p:cNvPr id="7" name="차트 6">
+          <p:cNvPr id="17" name="차트 16">
             <a:extLst>
               <a:ext uri="{FF2B5EF4-FFF2-40B4-BE49-F238E27FC236}">
-                <a16:creationId xmlns:a16="http://schemas.microsoft.com/office/drawing/2014/main" id="{DCE649AC-9A6D-83C5-5ED4-E1F73E00249B}"/>
+                <a16:creationId xmlns:a16="http://schemas.microsoft.com/office/drawing/2014/main" id="{AB960883-19C8-FEAA-ADE9-E1E4934A5C03}"/>
               </a:ext>
             </a:extLst>
           </p:cNvPr>
@@ -6015,18 +7525,48 @@
           <p:nvPr>
             <p:extLst>
               <p:ext uri="{D42A27DB-BD31-4B8C-83A1-F6EECF244321}">
-                <p14:modId xmlns:p14="http://schemas.microsoft.com/office/powerpoint/2010/main" val="3313733773"/>
+                <p14:modId xmlns:p14="http://schemas.microsoft.com/office/powerpoint/2010/main" val="3884638899"/>
               </p:ext>
             </p:extLst>
           </p:nvPr>
         </p:nvGraphicFramePr>
         <p:xfrm>
-          <a:off x="2791118" y="1569392"/>
-          <a:ext cx="6609764" cy="3719216"/>
+          <a:off x="2776176" y="66982"/>
+          <a:ext cx="6639647" cy="3706516"/>
         </p:xfrm>
         <a:graphic>
           <a:graphicData uri="http://schemas.openxmlformats.org/drawingml/2006/chart">
             <c:chart xmlns:c="http://schemas.openxmlformats.org/drawingml/2006/chart" xmlns:r="http://schemas.openxmlformats.org/officeDocument/2006/relationships" r:id="rId2"/>
+          </a:graphicData>
+        </a:graphic>
+      </p:graphicFrame>
+      <p:graphicFrame>
+        <p:nvGraphicFramePr>
+          <p:cNvPr id="18" name="차트 17">
+            <a:extLst>
+              <a:ext uri="{FF2B5EF4-FFF2-40B4-BE49-F238E27FC236}">
+                <a16:creationId xmlns:a16="http://schemas.microsoft.com/office/drawing/2014/main" id="{8E5DCF83-B426-12FF-22AE-35325008CD56}"/>
+              </a:ext>
+            </a:extLst>
+          </p:cNvPr>
+          <p:cNvGraphicFramePr>
+            <a:graphicFrameLocks/>
+          </p:cNvGraphicFramePr>
+          <p:nvPr>
+            <p:extLst>
+              <p:ext uri="{D42A27DB-BD31-4B8C-83A1-F6EECF244321}">
+                <p14:modId xmlns:p14="http://schemas.microsoft.com/office/powerpoint/2010/main" val="958196182"/>
+              </p:ext>
+            </p:extLst>
+          </p:nvPr>
+        </p:nvGraphicFramePr>
+        <p:xfrm>
+          <a:off x="2769253" y="4372610"/>
+          <a:ext cx="6653493" cy="3721100"/>
+        </p:xfrm>
+        <a:graphic>
+          <a:graphicData uri="http://schemas.openxmlformats.org/drawingml/2006/chart">
+            <c:chart xmlns:c="http://schemas.openxmlformats.org/drawingml/2006/chart" xmlns:r="http://schemas.openxmlformats.org/officeDocument/2006/relationships" r:id="rId3"/>
           </a:graphicData>
         </a:graphic>
       </p:graphicFrame>

--- a/JAMS/PPT/Figs.pptx
+++ b/JAMS/PPT/Figs.pptx
@@ -6,8 +6,9 @@
   </p:sldMasterIdLst>
   <p:sldIdLst>
     <p:sldId id="258" r:id="rId2"/>
-    <p:sldId id="257" r:id="rId3"/>
-    <p:sldId id="256" r:id="rId4"/>
+    <p:sldId id="259" r:id="rId3"/>
+    <p:sldId id="257" r:id="rId4"/>
+    <p:sldId id="256" r:id="rId5"/>
   </p:sldIdLst>
   <p:sldSz cx="12192000" cy="6858000"/>
   <p:notesSz cx="6858000" cy="9144000"/>
@@ -1675,6 +1676,1599 @@
 </file>
 
 <file path=ppt/charts/chart3.xml><?xml version="1.0" encoding="utf-8"?>
+<c:chartSpace xmlns:c="http://schemas.openxmlformats.org/drawingml/2006/chart" xmlns:a="http://schemas.openxmlformats.org/drawingml/2006/main" xmlns:r="http://schemas.openxmlformats.org/officeDocument/2006/relationships" xmlns:c16r2="http://schemas.microsoft.com/office/drawing/2015/06/chart">
+  <c:date1904 val="0"/>
+  <c:lang val="ko-KR"/>
+  <c:roundedCorners val="0"/>
+  <mc:AlternateContent xmlns:mc="http://schemas.openxmlformats.org/markup-compatibility/2006">
+    <mc:Choice xmlns:c14="http://schemas.microsoft.com/office/drawing/2007/8/2/chart" Requires="c14">
+      <c14:style val="102"/>
+    </mc:Choice>
+    <mc:Fallback>
+      <c:style val="2"/>
+    </mc:Fallback>
+  </mc:AlternateContent>
+  <c:chart>
+    <c:autoTitleDeleted val="1"/>
+    <c:plotArea>
+      <c:layout>
+        <c:manualLayout>
+          <c:layoutTarget val="inner"/>
+          <c:xMode val="edge"/>
+          <c:yMode val="edge"/>
+          <c:x val="0.11290220039308677"/>
+          <c:y val="3.7415011690091642E-2"/>
+          <c:w val="0.83269780249261549"/>
+          <c:h val="0.84209732711982421"/>
+        </c:manualLayout>
+      </c:layout>
+      <c:scatterChart>
+        <c:scatterStyle val="lineMarker"/>
+        <c:varyColors val="0"/>
+        <c:ser>
+          <c:idx val="0"/>
+          <c:order val="0"/>
+          <c:spPr>
+            <a:ln w="25400" cap="rnd">
+              <a:noFill/>
+              <a:round/>
+            </a:ln>
+            <a:effectLst/>
+          </c:spPr>
+          <c:marker>
+            <c:symbol val="circle"/>
+            <c:size val="5"/>
+            <c:spPr>
+              <a:solidFill>
+                <a:schemeClr val="accent1"/>
+              </a:solidFill>
+              <a:ln w="9525">
+                <a:solidFill>
+                  <a:schemeClr val="accent1"/>
+                </a:solidFill>
+              </a:ln>
+              <a:effectLst/>
+            </c:spPr>
+          </c:marker>
+          <c:xVal>
+            <c:numRef>
+              <c:f>Sheet2!$G$162:$G$192</c:f>
+              <c:numCache>
+                <c:formatCode>_(* #,##0_);_(* \(#,##0\);_(* "-"_);_(@_)</c:formatCode>
+                <c:ptCount val="31"/>
+                <c:pt idx="0">
+                  <c:v>62.413686031553581</c:v>
+                </c:pt>
+                <c:pt idx="1">
+                  <c:v>781.72617457632145</c:v>
+                </c:pt>
+                <c:pt idx="2">
+                  <c:v>190.80673833911794</c:v>
+                </c:pt>
+                <c:pt idx="3">
+                  <c:v>377.36241101434609</c:v>
+                </c:pt>
+                <c:pt idx="4">
+                  <c:v>146.35805352687166</c:v>
+                </c:pt>
+                <c:pt idx="5">
+                  <c:v>75.638290306521583</c:v>
+                </c:pt>
+                <c:pt idx="6">
+                  <c:v>196.16940124288956</c:v>
+                </c:pt>
+                <c:pt idx="7">
+                  <c:v>1460.769429087055</c:v>
+                </c:pt>
+                <c:pt idx="8">
+                  <c:v>962.81931514351061</c:v>
+                </c:pt>
+                <c:pt idx="9">
+                  <c:v>504.68110005851372</c:v>
+                </c:pt>
+                <c:pt idx="10">
+                  <c:v>1871.9838303198417</c:v>
+                </c:pt>
+                <c:pt idx="11">
+                  <c:v>1619.013838564631</c:v>
+                </c:pt>
+                <c:pt idx="12">
+                  <c:v>4316.6314846798432</c:v>
+                </c:pt>
+                <c:pt idx="13">
+                  <c:v>1377.1058833798882</c:v>
+                </c:pt>
+                <c:pt idx="14">
+                  <c:v>3999.3198739977088</c:v>
+                </c:pt>
+                <c:pt idx="15">
+                  <c:v>1852.6481327500812</c:v>
+                </c:pt>
+                <c:pt idx="16">
+                  <c:v>952.18981917006374</c:v>
+                </c:pt>
+                <c:pt idx="17">
+                  <c:v>5742.1827099938691</c:v>
+                </c:pt>
+                <c:pt idx="18">
+                  <c:v>3568.8138509517153</c:v>
+                </c:pt>
+                <c:pt idx="19">
+                  <c:v>2879.6224319822322</c:v>
+                </c:pt>
+                <c:pt idx="20">
+                  <c:v>6566.9632140083322</c:v>
+                </c:pt>
+                <c:pt idx="21">
+                  <c:v>4043.3420365535244</c:v>
+                </c:pt>
+                <c:pt idx="22">
+                  <c:v>10173.408208770335</c:v>
+                </c:pt>
+                <c:pt idx="23">
+                  <c:v>9635.4198734393703</c:v>
+                </c:pt>
+                <c:pt idx="24">
+                  <c:v>7190.993959362987</c:v>
+                </c:pt>
+                <c:pt idx="25">
+                  <c:v>957.14053690340836</c:v>
+                </c:pt>
+                <c:pt idx="26">
+                  <c:v>5652.6552655265532</c:v>
+                </c:pt>
+                <c:pt idx="27">
+                  <c:v>7295.146638982611</c:v>
+                </c:pt>
+                <c:pt idx="28">
+                  <c:v>5916.0618122219621</c:v>
+                </c:pt>
+                <c:pt idx="29">
+                  <c:v>14952.703461178671</c:v>
+                </c:pt>
+                <c:pt idx="30">
+                  <c:v>2391.2182882631728</c:v>
+                </c:pt>
+              </c:numCache>
+            </c:numRef>
+          </c:xVal>
+          <c:yVal>
+            <c:numRef>
+              <c:f>Sheet2!$D$162:$D$192</c:f>
+              <c:numCache>
+                <c:formatCode>_(* #,##0_);_(* \(#,##0\);_(* "-"_);_(@_)</c:formatCode>
+                <c:ptCount val="31"/>
+                <c:pt idx="0">
+                  <c:v>4692.9772768149724</c:v>
+                </c:pt>
+                <c:pt idx="1">
+                  <c:v>2227.7235540137372</c:v>
+                </c:pt>
+                <c:pt idx="2">
+                  <c:v>2008.9870782756591</c:v>
+                </c:pt>
+                <c:pt idx="3">
+                  <c:v>1976.804590885605</c:v>
+                </c:pt>
+                <c:pt idx="4">
+                  <c:v>1356.7085089440357</c:v>
+                </c:pt>
+                <c:pt idx="5">
+                  <c:v>1150.248435949318</c:v>
+                </c:pt>
+                <c:pt idx="6">
+                  <c:v>1004.9221167440427</c:v>
+                </c:pt>
+                <c:pt idx="7">
+                  <c:v>855.22171643638376</c:v>
+                </c:pt>
+                <c:pt idx="8">
+                  <c:v>447.15844883203658</c:v>
+                </c:pt>
+                <c:pt idx="9">
+                  <c:v>402.0577628197683</c:v>
+                </c:pt>
+                <c:pt idx="10">
+                  <c:v>386.43167819357132</c:v>
+                </c:pt>
+                <c:pt idx="11">
+                  <c:v>341.16965803718733</c:v>
+                </c:pt>
+                <c:pt idx="12">
+                  <c:v>220.16842282295258</c:v>
+                </c:pt>
+                <c:pt idx="13">
+                  <c:v>197.75919323301312</c:v>
+                </c:pt>
+                <c:pt idx="14">
+                  <c:v>148.26039961481143</c:v>
+                </c:pt>
+                <c:pt idx="15">
+                  <c:v>129.60568758583017</c:v>
+                </c:pt>
+                <c:pt idx="16">
+                  <c:v>105.73545297765708</c:v>
+                </c:pt>
+                <c:pt idx="17">
+                  <c:v>95.841170288562466</c:v>
+                </c:pt>
+                <c:pt idx="18">
+                  <c:v>82.999177209377407</c:v>
+                </c:pt>
+                <c:pt idx="19">
+                  <c:v>75.274060715675475</c:v>
+                </c:pt>
+                <c:pt idx="20">
+                  <c:v>73.266551779270216</c:v>
+                </c:pt>
+                <c:pt idx="21">
+                  <c:v>34.339339865684501</c:v>
+                </c:pt>
+                <c:pt idx="22">
+                  <c:v>23.515375140666947</c:v>
+                </c:pt>
+                <c:pt idx="23">
+                  <c:v>17.150895530223842</c:v>
+                </c:pt>
+                <c:pt idx="24">
+                  <c:v>16.545192607879624</c:v>
+                </c:pt>
+                <c:pt idx="25">
+                  <c:v>13.607353075027472</c:v>
+                </c:pt>
+                <c:pt idx="26">
+                  <c:v>12.209053881168373</c:v>
+                </c:pt>
+                <c:pt idx="27">
+                  <c:v>11.243136580944061</c:v>
+                </c:pt>
+                <c:pt idx="28">
+                  <c:v>6.763776578426361</c:v>
+                </c:pt>
+                <c:pt idx="29">
+                  <c:v>6.5368619575500473</c:v>
+                </c:pt>
+                <c:pt idx="30">
+                  <c:v>2.3620001182556152</c:v>
+                </c:pt>
+              </c:numCache>
+            </c:numRef>
+          </c:yVal>
+          <c:smooth val="0"/>
+          <c:extLst>
+            <c:ext xmlns:c16="http://schemas.microsoft.com/office/drawing/2014/chart" uri="{C3380CC4-5D6E-409C-BE32-E72D297353CC}">
+              <c16:uniqueId val="{00000000-5DBD-4B94-A02C-564A372351F9}"/>
+            </c:ext>
+          </c:extLst>
+        </c:ser>
+        <c:dLbls>
+          <c:showLegendKey val="0"/>
+          <c:showVal val="0"/>
+          <c:showCatName val="0"/>
+          <c:showSerName val="0"/>
+          <c:showPercent val="0"/>
+          <c:showBubbleSize val="0"/>
+        </c:dLbls>
+        <c:axId val="1168426607"/>
+        <c:axId val="1168427087"/>
+      </c:scatterChart>
+      <c:valAx>
+        <c:axId val="1168426607"/>
+        <c:scaling>
+          <c:logBase val="10"/>
+          <c:orientation val="minMax"/>
+          <c:max val="15000"/>
+          <c:min val="50"/>
+        </c:scaling>
+        <c:delete val="0"/>
+        <c:axPos val="b"/>
+        <c:majorGridlines>
+          <c:spPr>
+            <a:ln w="9525" cap="flat" cmpd="sng" algn="ctr">
+              <a:solidFill>
+                <a:schemeClr val="tx1">
+                  <a:lumMod val="15000"/>
+                  <a:lumOff val="85000"/>
+                </a:schemeClr>
+              </a:solidFill>
+              <a:round/>
+            </a:ln>
+            <a:effectLst/>
+          </c:spPr>
+        </c:majorGridlines>
+        <c:minorGridlines>
+          <c:spPr>
+            <a:ln w="9525" cap="flat" cmpd="sng" algn="ctr">
+              <a:solidFill>
+                <a:schemeClr val="tx1">
+                  <a:lumMod val="5000"/>
+                  <a:lumOff val="95000"/>
+                </a:schemeClr>
+              </a:solidFill>
+              <a:round/>
+            </a:ln>
+            <a:effectLst/>
+          </c:spPr>
+        </c:minorGridlines>
+        <c:title>
+          <c:tx>
+            <c:rich>
+              <a:bodyPr rot="0" spcFirstLastPara="1" vertOverflow="ellipsis" vert="horz" wrap="square" anchor="ctr" anchorCtr="1"/>
+              <a:lstStyle/>
+              <a:p>
+                <a:pPr>
+                  <a:defRPr sz="1400" b="0" i="0" u="none" strike="noStrike" kern="1200" baseline="0">
+                    <a:solidFill>
+                      <a:schemeClr val="tx1">
+                        <a:lumMod val="65000"/>
+                        <a:lumOff val="35000"/>
+                      </a:schemeClr>
+                    </a:solidFill>
+                    <a:latin typeface="바탕체" panose="02030609000101010101" pitchFamily="17" charset="-127"/>
+                    <a:ea typeface="바탕체" panose="02030609000101010101" pitchFamily="17" charset="-127"/>
+                    <a:cs typeface="+mn-cs"/>
+                  </a:defRPr>
+                </a:pPr>
+                <a:r>
+                  <a:rPr lang="en-US" altLang="ko-KR" sz="1400">
+                    <a:latin typeface="바탕체" panose="02030609000101010101" pitchFamily="17" charset="-127"/>
+                    <a:ea typeface="바탕체" panose="02030609000101010101" pitchFamily="17" charset="-127"/>
+                  </a:rPr>
+                  <a:t>Population density (people/km</a:t>
+                </a:r>
+                <a:r>
+                  <a:rPr lang="en-US" altLang="ko-KR" sz="1400" baseline="30000">
+                    <a:latin typeface="바탕체" panose="02030609000101010101" pitchFamily="17" charset="-127"/>
+                    <a:ea typeface="바탕체" panose="02030609000101010101" pitchFamily="17" charset="-127"/>
+                  </a:rPr>
+                  <a:t>2</a:t>
+                </a:r>
+                <a:r>
+                  <a:rPr lang="en-US" altLang="ko-KR" sz="1400">
+                    <a:latin typeface="바탕체" panose="02030609000101010101" pitchFamily="17" charset="-127"/>
+                    <a:ea typeface="바탕체" panose="02030609000101010101" pitchFamily="17" charset="-127"/>
+                  </a:rPr>
+                  <a:t>)</a:t>
+                </a:r>
+                <a:endParaRPr lang="ko-KR" altLang="en-US" sz="1400">
+                  <a:latin typeface="바탕체" panose="02030609000101010101" pitchFamily="17" charset="-127"/>
+                  <a:ea typeface="바탕체" panose="02030609000101010101" pitchFamily="17" charset="-127"/>
+                </a:endParaRPr>
+              </a:p>
+            </c:rich>
+          </c:tx>
+          <c:overlay val="0"/>
+          <c:spPr>
+            <a:noFill/>
+            <a:ln>
+              <a:noFill/>
+            </a:ln>
+            <a:effectLst/>
+          </c:spPr>
+          <c:txPr>
+            <a:bodyPr rot="0" spcFirstLastPara="1" vertOverflow="ellipsis" vert="horz" wrap="square" anchor="ctr" anchorCtr="1"/>
+            <a:lstStyle/>
+            <a:p>
+              <a:pPr>
+                <a:defRPr sz="1400" b="0" i="0" u="none" strike="noStrike" kern="1200" baseline="0">
+                  <a:solidFill>
+                    <a:schemeClr val="tx1">
+                      <a:lumMod val="65000"/>
+                      <a:lumOff val="35000"/>
+                    </a:schemeClr>
+                  </a:solidFill>
+                  <a:latin typeface="바탕체" panose="02030609000101010101" pitchFamily="17" charset="-127"/>
+                  <a:ea typeface="바탕체" panose="02030609000101010101" pitchFamily="17" charset="-127"/>
+                  <a:cs typeface="+mn-cs"/>
+                </a:defRPr>
+              </a:pPr>
+              <a:endParaRPr lang="ko-KR" altLang="en-US"/>
+            </a:p>
+          </c:txPr>
+        </c:title>
+        <c:numFmt formatCode="_(* #,##0_);_(* \(#,##0\);_(* &quot;-&quot;_);_(@_)" sourceLinked="1"/>
+        <c:majorTickMark val="none"/>
+        <c:minorTickMark val="none"/>
+        <c:tickLblPos val="nextTo"/>
+        <c:spPr>
+          <a:noFill/>
+          <a:ln w="9525" cap="flat" cmpd="sng" algn="ctr">
+            <a:solidFill>
+              <a:schemeClr val="tx1">
+                <a:lumMod val="25000"/>
+                <a:lumOff val="75000"/>
+              </a:schemeClr>
+            </a:solidFill>
+            <a:round/>
+          </a:ln>
+          <a:effectLst/>
+        </c:spPr>
+        <c:txPr>
+          <a:bodyPr rot="-60000000" spcFirstLastPara="1" vertOverflow="ellipsis" vert="horz" wrap="square" anchor="ctr" anchorCtr="1"/>
+          <a:lstStyle/>
+          <a:p>
+            <a:pPr>
+              <a:defRPr sz="1000" b="0" i="0" u="none" strike="noStrike" kern="1200" baseline="0">
+                <a:solidFill>
+                  <a:schemeClr val="tx1">
+                    <a:lumMod val="65000"/>
+                    <a:lumOff val="35000"/>
+                  </a:schemeClr>
+                </a:solidFill>
+                <a:latin typeface="바탕체" panose="02030609000101010101" pitchFamily="17" charset="-127"/>
+                <a:ea typeface="바탕체" panose="02030609000101010101" pitchFamily="17" charset="-127"/>
+                <a:cs typeface="+mn-cs"/>
+              </a:defRPr>
+            </a:pPr>
+            <a:endParaRPr lang="ko-KR"/>
+          </a:p>
+        </c:txPr>
+        <c:crossAx val="1168427087"/>
+        <c:crosses val="autoZero"/>
+        <c:crossBetween val="midCat"/>
+      </c:valAx>
+      <c:valAx>
+        <c:axId val="1168427087"/>
+        <c:scaling>
+          <c:logBase val="10"/>
+          <c:orientation val="minMax"/>
+          <c:max val="5000"/>
+          <c:min val="1"/>
+        </c:scaling>
+        <c:delete val="0"/>
+        <c:axPos val="l"/>
+        <c:majorGridlines>
+          <c:spPr>
+            <a:ln w="9525" cap="flat" cmpd="sng" algn="ctr">
+              <a:solidFill>
+                <a:schemeClr val="tx1">
+                  <a:lumMod val="15000"/>
+                  <a:lumOff val="85000"/>
+                </a:schemeClr>
+              </a:solidFill>
+              <a:round/>
+            </a:ln>
+            <a:effectLst/>
+          </c:spPr>
+        </c:majorGridlines>
+        <c:minorGridlines>
+          <c:spPr>
+            <a:ln w="9525" cap="flat" cmpd="sng" algn="ctr">
+              <a:solidFill>
+                <a:schemeClr val="tx1">
+                  <a:lumMod val="5000"/>
+                  <a:lumOff val="95000"/>
+                </a:schemeClr>
+              </a:solidFill>
+              <a:round/>
+            </a:ln>
+            <a:effectLst/>
+          </c:spPr>
+        </c:minorGridlines>
+        <c:title>
+          <c:tx>
+            <c:rich>
+              <a:bodyPr rot="-5400000" spcFirstLastPara="1" vertOverflow="ellipsis" vert="horz" wrap="square" anchor="ctr" anchorCtr="1"/>
+              <a:lstStyle/>
+              <a:p>
+                <a:pPr>
+                  <a:defRPr sz="1400" b="0" i="0" u="none" strike="noStrike" kern="1200" baseline="0">
+                    <a:solidFill>
+                      <a:schemeClr val="tx1">
+                        <a:lumMod val="65000"/>
+                        <a:lumOff val="35000"/>
+                      </a:schemeClr>
+                    </a:solidFill>
+                    <a:latin typeface="바탕체" panose="02030609000101010101" pitchFamily="17" charset="-127"/>
+                    <a:ea typeface="바탕체" panose="02030609000101010101" pitchFamily="17" charset="-127"/>
+                    <a:cs typeface="+mn-cs"/>
+                  </a:defRPr>
+                </a:pPr>
+                <a:r>
+                  <a:rPr lang="en-US" altLang="ko-KR" sz="1400">
+                    <a:latin typeface="바탕체" panose="02030609000101010101" pitchFamily="17" charset="-127"/>
+                    <a:ea typeface="바탕체" panose="02030609000101010101" pitchFamily="17" charset="-127"/>
+                  </a:rPr>
+                  <a:t>Market potential (GWh)</a:t>
+                </a:r>
+                <a:endParaRPr lang="ko-KR" altLang="en-US" sz="1400">
+                  <a:latin typeface="바탕체" panose="02030609000101010101" pitchFamily="17" charset="-127"/>
+                  <a:ea typeface="바탕체" panose="02030609000101010101" pitchFamily="17" charset="-127"/>
+                </a:endParaRPr>
+              </a:p>
+            </c:rich>
+          </c:tx>
+          <c:overlay val="0"/>
+          <c:spPr>
+            <a:noFill/>
+            <a:ln>
+              <a:noFill/>
+            </a:ln>
+            <a:effectLst/>
+          </c:spPr>
+          <c:txPr>
+            <a:bodyPr rot="-5400000" spcFirstLastPara="1" vertOverflow="ellipsis" vert="horz" wrap="square" anchor="ctr" anchorCtr="1"/>
+            <a:lstStyle/>
+            <a:p>
+              <a:pPr>
+                <a:defRPr sz="1400" b="0" i="0" u="none" strike="noStrike" kern="1200" baseline="0">
+                  <a:solidFill>
+                    <a:schemeClr val="tx1">
+                      <a:lumMod val="65000"/>
+                      <a:lumOff val="35000"/>
+                    </a:schemeClr>
+                  </a:solidFill>
+                  <a:latin typeface="바탕체" panose="02030609000101010101" pitchFamily="17" charset="-127"/>
+                  <a:ea typeface="바탕체" panose="02030609000101010101" pitchFamily="17" charset="-127"/>
+                  <a:cs typeface="+mn-cs"/>
+                </a:defRPr>
+              </a:pPr>
+              <a:endParaRPr lang="ko-KR" altLang="en-US"/>
+            </a:p>
+          </c:txPr>
+        </c:title>
+        <c:numFmt formatCode="_(* #,##0_);_(* \(#,##0\);_(* &quot;-&quot;_);_(@_)" sourceLinked="1"/>
+        <c:majorTickMark val="none"/>
+        <c:minorTickMark val="none"/>
+        <c:tickLblPos val="nextTo"/>
+        <c:spPr>
+          <a:noFill/>
+          <a:ln w="9525" cap="flat" cmpd="sng" algn="ctr">
+            <a:solidFill>
+              <a:schemeClr val="tx1">
+                <a:lumMod val="25000"/>
+                <a:lumOff val="75000"/>
+              </a:schemeClr>
+            </a:solidFill>
+            <a:round/>
+          </a:ln>
+          <a:effectLst/>
+        </c:spPr>
+        <c:txPr>
+          <a:bodyPr rot="-60000000" spcFirstLastPara="1" vertOverflow="ellipsis" vert="horz" wrap="square" anchor="ctr" anchorCtr="1"/>
+          <a:lstStyle/>
+          <a:p>
+            <a:pPr>
+              <a:defRPr sz="1000" b="0" i="0" u="none" strike="noStrike" kern="1200" baseline="0">
+                <a:solidFill>
+                  <a:schemeClr val="tx1">
+                    <a:lumMod val="65000"/>
+                    <a:lumOff val="35000"/>
+                  </a:schemeClr>
+                </a:solidFill>
+                <a:latin typeface="바탕체" panose="02030609000101010101" pitchFamily="17" charset="-127"/>
+                <a:ea typeface="바탕체" panose="02030609000101010101" pitchFamily="17" charset="-127"/>
+                <a:cs typeface="+mn-cs"/>
+              </a:defRPr>
+            </a:pPr>
+            <a:endParaRPr lang="ko-KR"/>
+          </a:p>
+        </c:txPr>
+        <c:crossAx val="1168426607"/>
+        <c:crosses val="autoZero"/>
+        <c:crossBetween val="midCat"/>
+      </c:valAx>
+      <c:spPr>
+        <a:noFill/>
+        <a:ln>
+          <a:noFill/>
+        </a:ln>
+        <a:effectLst/>
+      </c:spPr>
+    </c:plotArea>
+    <c:plotVisOnly val="1"/>
+    <c:dispBlanksAs val="gap"/>
+    <c:extLst>
+      <c:ext xmlns:c16r3="http://schemas.microsoft.com/office/drawing/2017/03/chart" uri="{56B9EC1D-385E-4148-901F-78D8002777C0}">
+        <c16r3:dataDisplayOptions16>
+          <c16r3:dispNaAsBlank val="1"/>
+        </c16r3:dataDisplayOptions16>
+      </c:ext>
+    </c:extLst>
+    <c:showDLblsOverMax val="0"/>
+  </c:chart>
+  <c:spPr>
+    <a:solidFill>
+      <a:schemeClr val="bg1"/>
+    </a:solidFill>
+    <a:ln w="9525" cap="flat" cmpd="sng" algn="ctr">
+      <a:solidFill>
+        <a:sysClr val="windowText" lastClr="000000"/>
+      </a:solidFill>
+      <a:round/>
+    </a:ln>
+    <a:effectLst/>
+  </c:spPr>
+  <c:txPr>
+    <a:bodyPr/>
+    <a:lstStyle/>
+    <a:p>
+      <a:pPr>
+        <a:defRPr/>
+      </a:pPr>
+      <a:endParaRPr lang="ko-KR"/>
+    </a:p>
+  </c:txPr>
+  <c:externalData r:id="rId3">
+    <c:autoUpdate val="0"/>
+  </c:externalData>
+</c:chartSpace>
+</file>
+
+<file path=ppt/charts/chart4.xml><?xml version="1.0" encoding="utf-8"?>
+<c:chartSpace xmlns:c="http://schemas.openxmlformats.org/drawingml/2006/chart" xmlns:a="http://schemas.openxmlformats.org/drawingml/2006/main" xmlns:r="http://schemas.openxmlformats.org/officeDocument/2006/relationships" xmlns:c16r2="http://schemas.microsoft.com/office/drawing/2015/06/chart">
+  <c:date1904 val="0"/>
+  <c:lang val="ko-KR"/>
+  <c:roundedCorners val="0"/>
+  <mc:AlternateContent xmlns:mc="http://schemas.openxmlformats.org/markup-compatibility/2006">
+    <mc:Choice xmlns:c14="http://schemas.microsoft.com/office/drawing/2007/8/2/chart" Requires="c14">
+      <c14:style val="102"/>
+    </mc:Choice>
+    <mc:Fallback>
+      <c:style val="2"/>
+    </mc:Fallback>
+  </mc:AlternateContent>
+  <c:chart>
+    <c:autoTitleDeleted val="1"/>
+    <c:plotArea>
+      <c:layout>
+        <c:manualLayout>
+          <c:layoutTarget val="inner"/>
+          <c:xMode val="edge"/>
+          <c:yMode val="edge"/>
+          <c:x val="8.8965618849377981E-2"/>
+          <c:y val="2.394774864116574E-2"/>
+          <c:w val="0.82895330343887064"/>
+          <c:h val="0.68082912176051602"/>
+        </c:manualLayout>
+      </c:layout>
+      <c:barChart>
+        <c:barDir val="col"/>
+        <c:grouping val="clustered"/>
+        <c:varyColors val="0"/>
+        <c:ser>
+          <c:idx val="0"/>
+          <c:order val="0"/>
+          <c:tx>
+            <c:strRef>
+              <c:f>Sheet2!$C$78</c:f>
+              <c:strCache>
+                <c:ptCount val="1"/>
+                <c:pt idx="0">
+                  <c:v>Market potential</c:v>
+                </c:pt>
+              </c:strCache>
+            </c:strRef>
+          </c:tx>
+          <c:spPr>
+            <a:solidFill>
+              <a:schemeClr val="accent1"/>
+            </a:solidFill>
+            <a:ln>
+              <a:noFill/>
+            </a:ln>
+            <a:effectLst/>
+          </c:spPr>
+          <c:invertIfNegative val="0"/>
+          <c:cat>
+            <c:strRef>
+              <c:f>Sheet2!$A$80:$A$110</c:f>
+              <c:strCache>
+                <c:ptCount val="31"/>
+                <c:pt idx="0">
+                  <c:v>Yeoncheon-gun</c:v>
+                </c:pt>
+                <c:pt idx="1">
+                  <c:v>Paju-si</c:v>
+                </c:pt>
+                <c:pt idx="2">
+                  <c:v>Pocheon-si</c:v>
+                </c:pt>
+                <c:pt idx="3">
+                  <c:v>Anseong-si</c:v>
+                </c:pt>
+                <c:pt idx="4">
+                  <c:v>Yangpyeong-gun</c:v>
+                </c:pt>
+                <c:pt idx="5">
+                  <c:v>Gapyeong-gun</c:v>
+                </c:pt>
+                <c:pt idx="6">
+                  <c:v>Yeoju-si</c:v>
+                </c:pt>
+                <c:pt idx="7">
+                  <c:v>Hwaseong-si</c:v>
+                </c:pt>
+                <c:pt idx="8">
+                  <c:v>Yangju-si</c:v>
+                </c:pt>
+                <c:pt idx="9">
+                  <c:v>Icheon-si</c:v>
+                </c:pt>
+                <c:pt idx="10">
+                  <c:v>Yongin-si</c:v>
+                </c:pt>
+                <c:pt idx="11">
+                  <c:v>Namyangju-si</c:v>
+                </c:pt>
+                <c:pt idx="12">
+                  <c:v>Ansan-si</c:v>
+                </c:pt>
+                <c:pt idx="13">
+                  <c:v>Pyeongtaek-si</c:v>
+                </c:pt>
+                <c:pt idx="14">
+                  <c:v>Siheung-si</c:v>
+                </c:pt>
+                <c:pt idx="15">
+                  <c:v>Gimpo-si</c:v>
+                </c:pt>
+                <c:pt idx="16">
+                  <c:v>Dongducheon-si</c:v>
+                </c:pt>
+                <c:pt idx="17">
+                  <c:v>Uijeongbu-si</c:v>
+                </c:pt>
+                <c:pt idx="18">
+                  <c:v>Hanam-si</c:v>
+                </c:pt>
+                <c:pt idx="19">
+                  <c:v>Uiwang-si</c:v>
+                </c:pt>
+                <c:pt idx="20">
+                  <c:v>Seongnam-si</c:v>
+                </c:pt>
+                <c:pt idx="21">
+                  <c:v>Goyang-si</c:v>
+                </c:pt>
+                <c:pt idx="22">
+                  <c:v>Suwon-si</c:v>
+                </c:pt>
+                <c:pt idx="23">
+                  <c:v>Anyang-si</c:v>
+                </c:pt>
+                <c:pt idx="24">
+                  <c:v>Gunpo-si</c:v>
+                </c:pt>
+                <c:pt idx="25">
+                  <c:v>Gwangju-si</c:v>
+                </c:pt>
+                <c:pt idx="26">
+                  <c:v>Guri-si</c:v>
+                </c:pt>
+                <c:pt idx="27">
+                  <c:v>Gwangmyeong-si</c:v>
+                </c:pt>
+                <c:pt idx="28">
+                  <c:v>Osan-si</c:v>
+                </c:pt>
+                <c:pt idx="29">
+                  <c:v>Bucheon-si</c:v>
+                </c:pt>
+                <c:pt idx="30">
+                  <c:v>Gwacheon-si</c:v>
+                </c:pt>
+              </c:strCache>
+            </c:strRef>
+          </c:cat>
+          <c:val>
+            <c:numRef>
+              <c:f>Sheet2!$C$80:$C$110</c:f>
+              <c:numCache>
+                <c:formatCode>0</c:formatCode>
+                <c:ptCount val="31"/>
+                <c:pt idx="0">
+                  <c:v>4692.9772768149724</c:v>
+                </c:pt>
+                <c:pt idx="1">
+                  <c:v>2227.7235540137372</c:v>
+                </c:pt>
+                <c:pt idx="2">
+                  <c:v>2008.9870782756591</c:v>
+                </c:pt>
+                <c:pt idx="3">
+                  <c:v>1976.804590885605</c:v>
+                </c:pt>
+                <c:pt idx="4">
+                  <c:v>1356.7085089440357</c:v>
+                </c:pt>
+                <c:pt idx="5">
+                  <c:v>1150.248435949318</c:v>
+                </c:pt>
+                <c:pt idx="6">
+                  <c:v>1004.9221167440427</c:v>
+                </c:pt>
+                <c:pt idx="7">
+                  <c:v>855.22171643638376</c:v>
+                </c:pt>
+                <c:pt idx="8">
+                  <c:v>447.15844883203658</c:v>
+                </c:pt>
+                <c:pt idx="9">
+                  <c:v>402.0577628197683</c:v>
+                </c:pt>
+                <c:pt idx="10">
+                  <c:v>386.43167819357132</c:v>
+                </c:pt>
+                <c:pt idx="11">
+                  <c:v>341.16965803718733</c:v>
+                </c:pt>
+                <c:pt idx="12">
+                  <c:v>220.16842282295258</c:v>
+                </c:pt>
+                <c:pt idx="13">
+                  <c:v>197.75919323301312</c:v>
+                </c:pt>
+                <c:pt idx="14">
+                  <c:v>148.26039961481143</c:v>
+                </c:pt>
+                <c:pt idx="15">
+                  <c:v>129.60568758583017</c:v>
+                </c:pt>
+                <c:pt idx="16">
+                  <c:v>105.73545297765708</c:v>
+                </c:pt>
+                <c:pt idx="17">
+                  <c:v>95.841170288562466</c:v>
+                </c:pt>
+                <c:pt idx="18">
+                  <c:v>82.999177209377407</c:v>
+                </c:pt>
+                <c:pt idx="19">
+                  <c:v>75.274060715675475</c:v>
+                </c:pt>
+                <c:pt idx="20">
+                  <c:v>73.266551779270216</c:v>
+                </c:pt>
+                <c:pt idx="21">
+                  <c:v>34.339339865684501</c:v>
+                </c:pt>
+                <c:pt idx="22">
+                  <c:v>23.515375140666947</c:v>
+                </c:pt>
+                <c:pt idx="23">
+                  <c:v>17.150895530223842</c:v>
+                </c:pt>
+                <c:pt idx="24">
+                  <c:v>16.545192607879624</c:v>
+                </c:pt>
+                <c:pt idx="25">
+                  <c:v>13.607353075027472</c:v>
+                </c:pt>
+                <c:pt idx="26">
+                  <c:v>12.209053881168373</c:v>
+                </c:pt>
+                <c:pt idx="27">
+                  <c:v>11.243136580944061</c:v>
+                </c:pt>
+                <c:pt idx="28">
+                  <c:v>6.763776578426361</c:v>
+                </c:pt>
+                <c:pt idx="29">
+                  <c:v>6.5368619575500473</c:v>
+                </c:pt>
+                <c:pt idx="30">
+                  <c:v>2.3620001182556152</c:v>
+                </c:pt>
+              </c:numCache>
+            </c:numRef>
+          </c:val>
+          <c:extLst>
+            <c:ext xmlns:c16="http://schemas.microsoft.com/office/drawing/2014/chart" uri="{C3380CC4-5D6E-409C-BE32-E72D297353CC}">
+              <c16:uniqueId val="{00000000-C98A-4FEC-AC1A-A72841ACC3D9}"/>
+            </c:ext>
+          </c:extLst>
+        </c:ser>
+        <c:dLbls>
+          <c:showLegendKey val="0"/>
+          <c:showVal val="0"/>
+          <c:showCatName val="0"/>
+          <c:showSerName val="0"/>
+          <c:showPercent val="0"/>
+          <c:showBubbleSize val="0"/>
+        </c:dLbls>
+        <c:gapWidth val="219"/>
+        <c:overlap val="-27"/>
+        <c:axId val="352924847"/>
+        <c:axId val="352917647"/>
+      </c:barChart>
+      <c:scatterChart>
+        <c:scatterStyle val="lineMarker"/>
+        <c:varyColors val="0"/>
+        <c:ser>
+          <c:idx val="1"/>
+          <c:order val="1"/>
+          <c:tx>
+            <c:strRef>
+              <c:f>Sheet2!$D$78</c:f>
+              <c:strCache>
+                <c:ptCount val="1"/>
+                <c:pt idx="0">
+                  <c:v>Population density</c:v>
+                </c:pt>
+              </c:strCache>
+            </c:strRef>
+          </c:tx>
+          <c:spPr>
+            <a:ln w="25400" cap="rnd">
+              <a:noFill/>
+              <a:round/>
+            </a:ln>
+            <a:effectLst/>
+          </c:spPr>
+          <c:marker>
+            <c:symbol val="circle"/>
+            <c:size val="5"/>
+            <c:spPr>
+              <a:solidFill>
+                <a:schemeClr val="accent2"/>
+              </a:solidFill>
+              <a:ln w="9525">
+                <a:solidFill>
+                  <a:schemeClr val="accent2"/>
+                </a:solidFill>
+              </a:ln>
+              <a:effectLst/>
+            </c:spPr>
+          </c:marker>
+          <c:xVal>
+            <c:strRef>
+              <c:f>Sheet2!$A$80:$A$110</c:f>
+              <c:strCache>
+                <c:ptCount val="31"/>
+                <c:pt idx="0">
+                  <c:v>Yeoncheon-gun</c:v>
+                </c:pt>
+                <c:pt idx="1">
+                  <c:v>Paju-si</c:v>
+                </c:pt>
+                <c:pt idx="2">
+                  <c:v>Pocheon-si</c:v>
+                </c:pt>
+                <c:pt idx="3">
+                  <c:v>Anseong-si</c:v>
+                </c:pt>
+                <c:pt idx="4">
+                  <c:v>Yangpyeong-gun</c:v>
+                </c:pt>
+                <c:pt idx="5">
+                  <c:v>Gapyeong-gun</c:v>
+                </c:pt>
+                <c:pt idx="6">
+                  <c:v>Yeoju-si</c:v>
+                </c:pt>
+                <c:pt idx="7">
+                  <c:v>Hwaseong-si</c:v>
+                </c:pt>
+                <c:pt idx="8">
+                  <c:v>Yangju-si</c:v>
+                </c:pt>
+                <c:pt idx="9">
+                  <c:v>Icheon-si</c:v>
+                </c:pt>
+                <c:pt idx="10">
+                  <c:v>Yongin-si</c:v>
+                </c:pt>
+                <c:pt idx="11">
+                  <c:v>Namyangju-si</c:v>
+                </c:pt>
+                <c:pt idx="12">
+                  <c:v>Ansan-si</c:v>
+                </c:pt>
+                <c:pt idx="13">
+                  <c:v>Pyeongtaek-si</c:v>
+                </c:pt>
+                <c:pt idx="14">
+                  <c:v>Siheung-si</c:v>
+                </c:pt>
+                <c:pt idx="15">
+                  <c:v>Gimpo-si</c:v>
+                </c:pt>
+                <c:pt idx="16">
+                  <c:v>Dongducheon-si</c:v>
+                </c:pt>
+                <c:pt idx="17">
+                  <c:v>Uijeongbu-si</c:v>
+                </c:pt>
+                <c:pt idx="18">
+                  <c:v>Hanam-si</c:v>
+                </c:pt>
+                <c:pt idx="19">
+                  <c:v>Uiwang-si</c:v>
+                </c:pt>
+                <c:pt idx="20">
+                  <c:v>Seongnam-si</c:v>
+                </c:pt>
+                <c:pt idx="21">
+                  <c:v>Goyang-si</c:v>
+                </c:pt>
+                <c:pt idx="22">
+                  <c:v>Suwon-si</c:v>
+                </c:pt>
+                <c:pt idx="23">
+                  <c:v>Anyang-si</c:v>
+                </c:pt>
+                <c:pt idx="24">
+                  <c:v>Gunpo-si</c:v>
+                </c:pt>
+                <c:pt idx="25">
+                  <c:v>Gwangju-si</c:v>
+                </c:pt>
+                <c:pt idx="26">
+                  <c:v>Guri-si</c:v>
+                </c:pt>
+                <c:pt idx="27">
+                  <c:v>Gwangmyeong-si</c:v>
+                </c:pt>
+                <c:pt idx="28">
+                  <c:v>Osan-si</c:v>
+                </c:pt>
+                <c:pt idx="29">
+                  <c:v>Bucheon-si</c:v>
+                </c:pt>
+                <c:pt idx="30">
+                  <c:v>Gwacheon-si</c:v>
+                </c:pt>
+              </c:strCache>
+            </c:strRef>
+          </c:xVal>
+          <c:yVal>
+            <c:numRef>
+              <c:f>Sheet2!$D$80:$D$110</c:f>
+              <c:numCache>
+                <c:formatCode>0</c:formatCode>
+                <c:ptCount val="31"/>
+                <c:pt idx="0">
+                  <c:v>62.413686031553581</c:v>
+                </c:pt>
+                <c:pt idx="1">
+                  <c:v>781.72617457632145</c:v>
+                </c:pt>
+                <c:pt idx="2">
+                  <c:v>190.80673833911794</c:v>
+                </c:pt>
+                <c:pt idx="3">
+                  <c:v>377.36241101434609</c:v>
+                </c:pt>
+                <c:pt idx="4">
+                  <c:v>146.35805352687166</c:v>
+                </c:pt>
+                <c:pt idx="5">
+                  <c:v>75.638290306521583</c:v>
+                </c:pt>
+                <c:pt idx="6">
+                  <c:v>196.16940124288956</c:v>
+                </c:pt>
+                <c:pt idx="7">
+                  <c:v>1460.769429087055</c:v>
+                </c:pt>
+                <c:pt idx="8">
+                  <c:v>962.81931514351061</c:v>
+                </c:pt>
+                <c:pt idx="9">
+                  <c:v>504.68110005851372</c:v>
+                </c:pt>
+                <c:pt idx="10">
+                  <c:v>1871.9838303198417</c:v>
+                </c:pt>
+                <c:pt idx="11">
+                  <c:v>1619.013838564631</c:v>
+                </c:pt>
+                <c:pt idx="12">
+                  <c:v>4316.6314846798432</c:v>
+                </c:pt>
+                <c:pt idx="13">
+                  <c:v>1377.1058833798882</c:v>
+                </c:pt>
+                <c:pt idx="14">
+                  <c:v>3999.3198739977088</c:v>
+                </c:pt>
+                <c:pt idx="15">
+                  <c:v>1852.6481327500812</c:v>
+                </c:pt>
+                <c:pt idx="16">
+                  <c:v>952.18981917006374</c:v>
+                </c:pt>
+                <c:pt idx="17">
+                  <c:v>5742.1827099938691</c:v>
+                </c:pt>
+                <c:pt idx="18">
+                  <c:v>3568.8138509517153</c:v>
+                </c:pt>
+                <c:pt idx="19">
+                  <c:v>2879.6224319822322</c:v>
+                </c:pt>
+                <c:pt idx="20">
+                  <c:v>6566.9632140083322</c:v>
+                </c:pt>
+                <c:pt idx="21">
+                  <c:v>4043.3420365535244</c:v>
+                </c:pt>
+                <c:pt idx="22">
+                  <c:v>10173.408208770335</c:v>
+                </c:pt>
+                <c:pt idx="23">
+                  <c:v>9635.4198734393703</c:v>
+                </c:pt>
+                <c:pt idx="24">
+                  <c:v>7190.993959362987</c:v>
+                </c:pt>
+                <c:pt idx="25">
+                  <c:v>957.14053690340836</c:v>
+                </c:pt>
+                <c:pt idx="26">
+                  <c:v>5652.6552655265532</c:v>
+                </c:pt>
+                <c:pt idx="27">
+                  <c:v>7295.146638982611</c:v>
+                </c:pt>
+                <c:pt idx="28">
+                  <c:v>5916.0618122219621</c:v>
+                </c:pt>
+                <c:pt idx="29">
+                  <c:v>14952.703461178671</c:v>
+                </c:pt>
+                <c:pt idx="30">
+                  <c:v>2391.2182882631728</c:v>
+                </c:pt>
+              </c:numCache>
+            </c:numRef>
+          </c:yVal>
+          <c:smooth val="0"/>
+          <c:extLst>
+            <c:ext xmlns:c16="http://schemas.microsoft.com/office/drawing/2014/chart" uri="{C3380CC4-5D6E-409C-BE32-E72D297353CC}">
+              <c16:uniqueId val="{00000001-C98A-4FEC-AC1A-A72841ACC3D9}"/>
+            </c:ext>
+          </c:extLst>
+        </c:ser>
+        <c:dLbls>
+          <c:showLegendKey val="0"/>
+          <c:showVal val="0"/>
+          <c:showCatName val="0"/>
+          <c:showSerName val="0"/>
+          <c:showPercent val="0"/>
+          <c:showBubbleSize val="0"/>
+        </c:dLbls>
+        <c:axId val="352909487"/>
+        <c:axId val="352908047"/>
+      </c:scatterChart>
+      <c:catAx>
+        <c:axId val="352924847"/>
+        <c:scaling>
+          <c:orientation val="minMax"/>
+        </c:scaling>
+        <c:delete val="0"/>
+        <c:axPos val="b"/>
+        <c:numFmt formatCode="General" sourceLinked="1"/>
+        <c:majorTickMark val="none"/>
+        <c:minorTickMark val="none"/>
+        <c:tickLblPos val="nextTo"/>
+        <c:spPr>
+          <a:noFill/>
+          <a:ln w="9525" cap="flat" cmpd="sng" algn="ctr">
+            <a:solidFill>
+              <a:schemeClr val="tx1">
+                <a:lumMod val="15000"/>
+                <a:lumOff val="85000"/>
+              </a:schemeClr>
+            </a:solidFill>
+            <a:round/>
+          </a:ln>
+          <a:effectLst/>
+        </c:spPr>
+        <c:txPr>
+          <a:bodyPr rot="-60000000" spcFirstLastPara="1" vertOverflow="ellipsis" vert="horz" wrap="square" anchor="ctr" anchorCtr="1"/>
+          <a:lstStyle/>
+          <a:p>
+            <a:pPr>
+              <a:defRPr sz="1100" b="1" i="0" u="none" strike="noStrike" kern="1200" baseline="0">
+                <a:solidFill>
+                  <a:schemeClr val="tx1">
+                    <a:lumMod val="65000"/>
+                    <a:lumOff val="35000"/>
+                  </a:schemeClr>
+                </a:solidFill>
+                <a:latin typeface="바탕체" panose="02030609000101010101" pitchFamily="17" charset="-127"/>
+                <a:ea typeface="바탕체" panose="02030609000101010101" pitchFamily="17" charset="-127"/>
+                <a:cs typeface="+mn-cs"/>
+              </a:defRPr>
+            </a:pPr>
+            <a:endParaRPr lang="ko-KR"/>
+          </a:p>
+        </c:txPr>
+        <c:crossAx val="352917647"/>
+        <c:crosses val="autoZero"/>
+        <c:auto val="1"/>
+        <c:lblAlgn val="ctr"/>
+        <c:lblOffset val="100"/>
+        <c:noMultiLvlLbl val="0"/>
+      </c:catAx>
+      <c:valAx>
+        <c:axId val="352917647"/>
+        <c:scaling>
+          <c:orientation val="minMax"/>
+        </c:scaling>
+        <c:delete val="0"/>
+        <c:axPos val="l"/>
+        <c:majorGridlines>
+          <c:spPr>
+            <a:ln w="9525" cap="flat" cmpd="sng" algn="ctr">
+              <a:solidFill>
+                <a:schemeClr val="tx1">
+                  <a:lumMod val="15000"/>
+                  <a:lumOff val="85000"/>
+                </a:schemeClr>
+              </a:solidFill>
+              <a:round/>
+            </a:ln>
+            <a:effectLst/>
+          </c:spPr>
+        </c:majorGridlines>
+        <c:title>
+          <c:tx>
+            <c:rich>
+              <a:bodyPr rot="-5400000" spcFirstLastPara="1" vertOverflow="ellipsis" vert="horz" wrap="square" anchor="ctr" anchorCtr="1"/>
+              <a:lstStyle/>
+              <a:p>
+                <a:pPr>
+                  <a:defRPr sz="1400" b="0" i="0" u="none" strike="noStrike" kern="1200" baseline="0">
+                    <a:solidFill>
+                      <a:schemeClr val="tx1">
+                        <a:lumMod val="65000"/>
+                        <a:lumOff val="35000"/>
+                      </a:schemeClr>
+                    </a:solidFill>
+                    <a:latin typeface="+mn-lt"/>
+                    <a:ea typeface="+mn-ea"/>
+                    <a:cs typeface="+mn-cs"/>
+                  </a:defRPr>
+                </a:pPr>
+                <a:r>
+                  <a:rPr lang="en-US" altLang="ko-KR" sz="1400" b="0" i="0" u="none" strike="noStrike" kern="1200" baseline="0">
+                    <a:solidFill>
+                      <a:sysClr val="windowText" lastClr="000000">
+                        <a:lumMod val="65000"/>
+                        <a:lumOff val="35000"/>
+                      </a:sysClr>
+                    </a:solidFill>
+                    <a:latin typeface="바탕체" panose="02030609000101010101" pitchFamily="17" charset="-127"/>
+                    <a:ea typeface="바탕체" panose="02030609000101010101" pitchFamily="17" charset="-127"/>
+                  </a:rPr>
+                  <a:t>Market potential (TWh)</a:t>
+                </a:r>
+                <a:endParaRPr lang="ko-KR" altLang="en-US" sz="1400" b="0" i="0" u="none" strike="noStrike" kern="1200" baseline="0">
+                  <a:solidFill>
+                    <a:sysClr val="windowText" lastClr="000000">
+                      <a:lumMod val="65000"/>
+                      <a:lumOff val="35000"/>
+                    </a:sysClr>
+                  </a:solidFill>
+                  <a:latin typeface="바탕체" panose="02030609000101010101" pitchFamily="17" charset="-127"/>
+                  <a:ea typeface="바탕체" panose="02030609000101010101" pitchFamily="17" charset="-127"/>
+                </a:endParaRPr>
+              </a:p>
+            </c:rich>
+          </c:tx>
+          <c:overlay val="0"/>
+          <c:spPr>
+            <a:noFill/>
+            <a:ln>
+              <a:noFill/>
+            </a:ln>
+            <a:effectLst/>
+          </c:spPr>
+          <c:txPr>
+            <a:bodyPr rot="-5400000" spcFirstLastPara="1" vertOverflow="ellipsis" vert="horz" wrap="square" anchor="ctr" anchorCtr="1"/>
+            <a:lstStyle/>
+            <a:p>
+              <a:pPr>
+                <a:defRPr sz="1400" b="0" i="0" u="none" strike="noStrike" kern="1200" baseline="0">
+                  <a:solidFill>
+                    <a:schemeClr val="tx1">
+                      <a:lumMod val="65000"/>
+                      <a:lumOff val="35000"/>
+                    </a:schemeClr>
+                  </a:solidFill>
+                  <a:latin typeface="+mn-lt"/>
+                  <a:ea typeface="+mn-ea"/>
+                  <a:cs typeface="+mn-cs"/>
+                </a:defRPr>
+              </a:pPr>
+              <a:endParaRPr lang="ko-KR" altLang="en-US"/>
+            </a:p>
+          </c:txPr>
+        </c:title>
+        <c:numFmt formatCode="0.0" sourceLinked="0"/>
+        <c:majorTickMark val="none"/>
+        <c:minorTickMark val="none"/>
+        <c:tickLblPos val="nextTo"/>
+        <c:spPr>
+          <a:noFill/>
+          <a:ln>
+            <a:noFill/>
+          </a:ln>
+          <a:effectLst/>
+        </c:spPr>
+        <c:txPr>
+          <a:bodyPr rot="-60000000" spcFirstLastPara="1" vertOverflow="ellipsis" vert="horz" wrap="square" anchor="ctr" anchorCtr="1"/>
+          <a:lstStyle/>
+          <a:p>
+            <a:pPr>
+              <a:defRPr sz="1100" b="1" i="0" u="none" strike="noStrike" kern="1200" baseline="0">
+                <a:solidFill>
+                  <a:schemeClr val="tx1">
+                    <a:lumMod val="65000"/>
+                    <a:lumOff val="35000"/>
+                  </a:schemeClr>
+                </a:solidFill>
+                <a:latin typeface="바탕체" panose="02030609000101010101" pitchFamily="17" charset="-127"/>
+                <a:ea typeface="바탕체" panose="02030609000101010101" pitchFamily="17" charset="-127"/>
+                <a:cs typeface="+mn-cs"/>
+              </a:defRPr>
+            </a:pPr>
+            <a:endParaRPr lang="ko-KR"/>
+          </a:p>
+        </c:txPr>
+        <c:crossAx val="352924847"/>
+        <c:crosses val="autoZero"/>
+        <c:crossBetween val="between"/>
+        <c:dispUnits>
+          <c:builtInUnit val="thousands"/>
+        </c:dispUnits>
+      </c:valAx>
+      <c:valAx>
+        <c:axId val="352908047"/>
+        <c:scaling>
+          <c:orientation val="minMax"/>
+        </c:scaling>
+        <c:delete val="0"/>
+        <c:axPos val="r"/>
+        <c:title>
+          <c:tx>
+            <c:rich>
+              <a:bodyPr rot="-5400000" spcFirstLastPara="1" vertOverflow="ellipsis" vert="horz" wrap="square" anchor="ctr" anchorCtr="1"/>
+              <a:lstStyle/>
+              <a:p>
+                <a:pPr>
+                  <a:defRPr sz="1400" b="0" i="0" u="none" strike="noStrike" kern="1200" baseline="0">
+                    <a:solidFill>
+                      <a:schemeClr val="tx1">
+                        <a:lumMod val="65000"/>
+                        <a:lumOff val="35000"/>
+                      </a:schemeClr>
+                    </a:solidFill>
+                    <a:latin typeface="+mn-lt"/>
+                    <a:ea typeface="+mn-ea"/>
+                    <a:cs typeface="+mn-cs"/>
+                  </a:defRPr>
+                </a:pPr>
+                <a:r>
+                  <a:rPr lang="en-US" altLang="ko-KR" sz="1400" b="0" i="0" u="none" strike="noStrike" kern="1200" baseline="0">
+                    <a:solidFill>
+                      <a:sysClr val="windowText" lastClr="000000">
+                        <a:lumMod val="65000"/>
+                        <a:lumOff val="35000"/>
+                      </a:sysClr>
+                    </a:solidFill>
+                    <a:latin typeface="바탕체" panose="02030609000101010101" pitchFamily="17" charset="-127"/>
+                    <a:ea typeface="바탕체" panose="02030609000101010101" pitchFamily="17" charset="-127"/>
+                  </a:rPr>
+                  <a:t>Population density (people/km</a:t>
+                </a:r>
+                <a:r>
+                  <a:rPr lang="en-US" altLang="ko-KR" sz="1400" b="0" i="0" u="none" strike="noStrike" kern="1200" baseline="30000">
+                    <a:solidFill>
+                      <a:sysClr val="windowText" lastClr="000000">
+                        <a:lumMod val="65000"/>
+                        <a:lumOff val="35000"/>
+                      </a:sysClr>
+                    </a:solidFill>
+                    <a:latin typeface="바탕체" panose="02030609000101010101" pitchFamily="17" charset="-127"/>
+                    <a:ea typeface="바탕체" panose="02030609000101010101" pitchFamily="17" charset="-127"/>
+                  </a:rPr>
+                  <a:t>2</a:t>
+                </a:r>
+                <a:r>
+                  <a:rPr lang="en-US" altLang="ko-KR" sz="1400" b="0" i="0" u="none" strike="noStrike" kern="1200" baseline="0">
+                    <a:solidFill>
+                      <a:sysClr val="windowText" lastClr="000000">
+                        <a:lumMod val="65000"/>
+                        <a:lumOff val="35000"/>
+                      </a:sysClr>
+                    </a:solidFill>
+                    <a:latin typeface="바탕체" panose="02030609000101010101" pitchFamily="17" charset="-127"/>
+                    <a:ea typeface="바탕체" panose="02030609000101010101" pitchFamily="17" charset="-127"/>
+                  </a:rPr>
+                  <a:t>)</a:t>
+                </a:r>
+                <a:endParaRPr lang="ko-KR" altLang="en-US" sz="1400" b="0" i="0" u="none" strike="noStrike" kern="1200" baseline="0">
+                  <a:solidFill>
+                    <a:sysClr val="windowText" lastClr="000000">
+                      <a:lumMod val="65000"/>
+                      <a:lumOff val="35000"/>
+                    </a:sysClr>
+                  </a:solidFill>
+                  <a:latin typeface="바탕체" panose="02030609000101010101" pitchFamily="17" charset="-127"/>
+                  <a:ea typeface="바탕체" panose="02030609000101010101" pitchFamily="17" charset="-127"/>
+                </a:endParaRPr>
+              </a:p>
+            </c:rich>
+          </c:tx>
+          <c:overlay val="0"/>
+          <c:spPr>
+            <a:noFill/>
+            <a:ln>
+              <a:noFill/>
+            </a:ln>
+            <a:effectLst/>
+          </c:spPr>
+          <c:txPr>
+            <a:bodyPr rot="-5400000" spcFirstLastPara="1" vertOverflow="ellipsis" vert="horz" wrap="square" anchor="ctr" anchorCtr="1"/>
+            <a:lstStyle/>
+            <a:p>
+              <a:pPr>
+                <a:defRPr sz="1400" b="0" i="0" u="none" strike="noStrike" kern="1200" baseline="0">
+                  <a:solidFill>
+                    <a:schemeClr val="tx1">
+                      <a:lumMod val="65000"/>
+                      <a:lumOff val="35000"/>
+                    </a:schemeClr>
+                  </a:solidFill>
+                  <a:latin typeface="+mn-lt"/>
+                  <a:ea typeface="+mn-ea"/>
+                  <a:cs typeface="+mn-cs"/>
+                </a:defRPr>
+              </a:pPr>
+              <a:endParaRPr lang="ko-KR" altLang="en-US"/>
+            </a:p>
+          </c:txPr>
+        </c:title>
+        <c:numFmt formatCode="0" sourceLinked="1"/>
+        <c:majorTickMark val="out"/>
+        <c:minorTickMark val="none"/>
+        <c:tickLblPos val="nextTo"/>
+        <c:spPr>
+          <a:noFill/>
+          <a:ln>
+            <a:noFill/>
+          </a:ln>
+          <a:effectLst/>
+        </c:spPr>
+        <c:txPr>
+          <a:bodyPr rot="-60000000" spcFirstLastPara="1" vertOverflow="ellipsis" vert="horz" wrap="square" anchor="ctr" anchorCtr="1"/>
+          <a:lstStyle/>
+          <a:p>
+            <a:pPr>
+              <a:defRPr sz="1100" b="1" i="0" u="none" strike="noStrike" kern="1200" baseline="0">
+                <a:solidFill>
+                  <a:schemeClr val="tx1">
+                    <a:lumMod val="65000"/>
+                    <a:lumOff val="35000"/>
+                  </a:schemeClr>
+                </a:solidFill>
+                <a:latin typeface="바탕체" panose="02030609000101010101" pitchFamily="17" charset="-127"/>
+                <a:ea typeface="바탕체" panose="02030609000101010101" pitchFamily="17" charset="-127"/>
+                <a:cs typeface="+mn-cs"/>
+              </a:defRPr>
+            </a:pPr>
+            <a:endParaRPr lang="ko-KR"/>
+          </a:p>
+        </c:txPr>
+        <c:crossAx val="352909487"/>
+        <c:crosses val="max"/>
+        <c:crossBetween val="midCat"/>
+        <c:dispUnits>
+          <c:builtInUnit val="thousands"/>
+        </c:dispUnits>
+      </c:valAx>
+      <c:valAx>
+        <c:axId val="352909487"/>
+        <c:scaling>
+          <c:orientation val="minMax"/>
+        </c:scaling>
+        <c:delete val="1"/>
+        <c:axPos val="b"/>
+        <c:numFmt formatCode="General" sourceLinked="1"/>
+        <c:majorTickMark val="out"/>
+        <c:minorTickMark val="none"/>
+        <c:tickLblPos val="nextTo"/>
+        <c:crossAx val="352908047"/>
+        <c:crosses val="autoZero"/>
+        <c:crossBetween val="midCat"/>
+      </c:valAx>
+      <c:spPr>
+        <a:noFill/>
+        <a:ln>
+          <a:noFill/>
+        </a:ln>
+        <a:effectLst/>
+      </c:spPr>
+    </c:plotArea>
+    <c:legend>
+      <c:legendPos val="r"/>
+      <c:layout>
+        <c:manualLayout>
+          <c:xMode val="edge"/>
+          <c:yMode val="edge"/>
+          <c:x val="0.1302537909346744"/>
+          <c:y val="6.9255765509655273E-2"/>
+          <c:w val="0.32070810404328548"/>
+          <c:h val="0.14353263160657886"/>
+        </c:manualLayout>
+      </c:layout>
+      <c:overlay val="0"/>
+      <c:spPr>
+        <a:solidFill>
+          <a:schemeClr val="bg1"/>
+        </a:solidFill>
+        <a:ln>
+          <a:solidFill>
+            <a:schemeClr val="tx1"/>
+          </a:solidFill>
+        </a:ln>
+        <a:effectLst/>
+      </c:spPr>
+      <c:txPr>
+        <a:bodyPr rot="0" spcFirstLastPara="1" vertOverflow="ellipsis" vert="horz" wrap="square" anchor="ctr" anchorCtr="1"/>
+        <a:lstStyle/>
+        <a:p>
+          <a:pPr>
+            <a:defRPr sz="1400" b="0" i="0" u="none" strike="noStrike" kern="1200" baseline="0">
+              <a:solidFill>
+                <a:schemeClr val="tx1">
+                  <a:lumMod val="65000"/>
+                  <a:lumOff val="35000"/>
+                </a:schemeClr>
+              </a:solidFill>
+              <a:latin typeface="바탕체" panose="02030609000101010101" pitchFamily="17" charset="-127"/>
+              <a:ea typeface="바탕체" panose="02030609000101010101" pitchFamily="17" charset="-127"/>
+              <a:cs typeface="+mn-cs"/>
+            </a:defRPr>
+          </a:pPr>
+          <a:endParaRPr lang="ko-KR"/>
+        </a:p>
+      </c:txPr>
+    </c:legend>
+    <c:plotVisOnly val="1"/>
+    <c:dispBlanksAs val="gap"/>
+    <c:extLst>
+      <c:ext xmlns:c16r3="http://schemas.microsoft.com/office/drawing/2017/03/chart" uri="{56B9EC1D-385E-4148-901F-78D8002777C0}">
+        <c16r3:dataDisplayOptions16>
+          <c16r3:dispNaAsBlank val="1"/>
+        </c16r3:dataDisplayOptions16>
+      </c:ext>
+    </c:extLst>
+    <c:showDLblsOverMax val="0"/>
+  </c:chart>
+  <c:spPr>
+    <a:solidFill>
+      <a:schemeClr val="bg1"/>
+    </a:solidFill>
+    <a:ln w="9525" cap="flat" cmpd="sng" algn="ctr">
+      <a:solidFill>
+        <a:sysClr val="windowText" lastClr="000000"/>
+      </a:solidFill>
+      <a:round/>
+    </a:ln>
+    <a:effectLst/>
+  </c:spPr>
+  <c:txPr>
+    <a:bodyPr/>
+    <a:lstStyle/>
+    <a:p>
+      <a:pPr>
+        <a:defRPr/>
+      </a:pPr>
+      <a:endParaRPr lang="ko-KR"/>
+    </a:p>
+  </c:txPr>
+  <c:externalData r:id="rId3">
+    <c:autoUpdate val="0"/>
+  </c:externalData>
+</c:chartSpace>
+</file>
+
+<file path=ppt/charts/chart5.xml><?xml version="1.0" encoding="utf-8"?>
 <c:chartSpace xmlns:c="http://schemas.openxmlformats.org/drawingml/2006/chart" xmlns:a="http://schemas.openxmlformats.org/drawingml/2006/main" xmlns:r="http://schemas.openxmlformats.org/officeDocument/2006/relationships" xmlns:c16r2="http://schemas.microsoft.com/office/drawing/2015/06/chart">
   <c:date1904 val="0"/>
   <c:lang val="ko-KR"/>
@@ -2588,6 +4182,86 @@
 </cs:colorStyle>
 </file>
 
+<file path=ppt/charts/colors4.xml><?xml version="1.0" encoding="utf-8"?>
+<cs:colorStyle xmlns:cs="http://schemas.microsoft.com/office/drawing/2012/chartStyle" xmlns:a="http://schemas.openxmlformats.org/drawingml/2006/main" meth="cycle" id="10">
+  <a:schemeClr val="accent1"/>
+  <a:schemeClr val="accent2"/>
+  <a:schemeClr val="accent3"/>
+  <a:schemeClr val="accent4"/>
+  <a:schemeClr val="accent5"/>
+  <a:schemeClr val="accent6"/>
+  <cs:variation/>
+  <cs:variation>
+    <a:lumMod val="60000"/>
+  </cs:variation>
+  <cs:variation>
+    <a:lumMod val="80000"/>
+    <a:lumOff val="20000"/>
+  </cs:variation>
+  <cs:variation>
+    <a:lumMod val="80000"/>
+  </cs:variation>
+  <cs:variation>
+    <a:lumMod val="60000"/>
+    <a:lumOff val="40000"/>
+  </cs:variation>
+  <cs:variation>
+    <a:lumMod val="50000"/>
+  </cs:variation>
+  <cs:variation>
+    <a:lumMod val="70000"/>
+    <a:lumOff val="30000"/>
+  </cs:variation>
+  <cs:variation>
+    <a:lumMod val="70000"/>
+  </cs:variation>
+  <cs:variation>
+    <a:lumMod val="50000"/>
+    <a:lumOff val="50000"/>
+  </cs:variation>
+</cs:colorStyle>
+</file>
+
+<file path=ppt/charts/colors5.xml><?xml version="1.0" encoding="utf-8"?>
+<cs:colorStyle xmlns:cs="http://schemas.microsoft.com/office/drawing/2012/chartStyle" xmlns:a="http://schemas.openxmlformats.org/drawingml/2006/main" meth="cycle" id="10">
+  <a:schemeClr val="accent1"/>
+  <a:schemeClr val="accent2"/>
+  <a:schemeClr val="accent3"/>
+  <a:schemeClr val="accent4"/>
+  <a:schemeClr val="accent5"/>
+  <a:schemeClr val="accent6"/>
+  <cs:variation/>
+  <cs:variation>
+    <a:lumMod val="60000"/>
+  </cs:variation>
+  <cs:variation>
+    <a:lumMod val="80000"/>
+    <a:lumOff val="20000"/>
+  </cs:variation>
+  <cs:variation>
+    <a:lumMod val="80000"/>
+  </cs:variation>
+  <cs:variation>
+    <a:lumMod val="60000"/>
+    <a:lumOff val="40000"/>
+  </cs:variation>
+  <cs:variation>
+    <a:lumMod val="50000"/>
+  </cs:variation>
+  <cs:variation>
+    <a:lumMod val="70000"/>
+    <a:lumOff val="30000"/>
+  </cs:variation>
+  <cs:variation>
+    <a:lumMod val="70000"/>
+  </cs:variation>
+  <cs:variation>
+    <a:lumMod val="50000"/>
+    <a:lumOff val="50000"/>
+  </cs:variation>
+</cs:colorStyle>
+</file>
+
 <file path=ppt/charts/style1.xml><?xml version="1.0" encoding="utf-8"?>
 <cs:chartStyle xmlns:cs="http://schemas.microsoft.com/office/drawing/2012/chartStyle" xmlns:a="http://schemas.openxmlformats.org/drawingml/2006/main" id="201">
   <cs:axisTitle>
@@ -3608,6 +5282,1025 @@
 </file>
 
 <file path=ppt/charts/style3.xml><?xml version="1.0" encoding="utf-8"?>
+<cs:chartStyle xmlns:cs="http://schemas.microsoft.com/office/drawing/2012/chartStyle" xmlns:a="http://schemas.openxmlformats.org/drawingml/2006/main" id="240">
+  <cs:axisTitle>
+    <cs:lnRef idx="0"/>
+    <cs:fillRef idx="0"/>
+    <cs:effectRef idx="0"/>
+    <cs:fontRef idx="minor">
+      <a:schemeClr val="tx1">
+        <a:lumMod val="65000"/>
+        <a:lumOff val="35000"/>
+      </a:schemeClr>
+    </cs:fontRef>
+    <cs:defRPr sz="1000" kern="1200"/>
+  </cs:axisTitle>
+  <cs:categoryAxis>
+    <cs:lnRef idx="0"/>
+    <cs:fillRef idx="0"/>
+    <cs:effectRef idx="0"/>
+    <cs:fontRef idx="minor">
+      <a:schemeClr val="tx1">
+        <a:lumMod val="65000"/>
+        <a:lumOff val="35000"/>
+      </a:schemeClr>
+    </cs:fontRef>
+    <cs:spPr>
+      <a:ln w="9525" cap="flat" cmpd="sng" algn="ctr">
+        <a:solidFill>
+          <a:schemeClr val="tx1">
+            <a:lumMod val="25000"/>
+            <a:lumOff val="75000"/>
+          </a:schemeClr>
+        </a:solidFill>
+        <a:round/>
+      </a:ln>
+    </cs:spPr>
+    <cs:defRPr sz="900" kern="1200"/>
+  </cs:categoryAxis>
+  <cs:chartArea mods="allowNoFillOverride allowNoLineOverride">
+    <cs:lnRef idx="0"/>
+    <cs:fillRef idx="0"/>
+    <cs:effectRef idx="0"/>
+    <cs:fontRef idx="minor">
+      <a:schemeClr val="tx1"/>
+    </cs:fontRef>
+    <cs:spPr>
+      <a:solidFill>
+        <a:schemeClr val="bg1"/>
+      </a:solidFill>
+      <a:ln w="9525" cap="flat" cmpd="sng" algn="ctr">
+        <a:solidFill>
+          <a:schemeClr val="tx1">
+            <a:lumMod val="15000"/>
+            <a:lumOff val="85000"/>
+          </a:schemeClr>
+        </a:solidFill>
+        <a:round/>
+      </a:ln>
+    </cs:spPr>
+    <cs:defRPr sz="1000" kern="1200"/>
+  </cs:chartArea>
+  <cs:dataLabel>
+    <cs:lnRef idx="0"/>
+    <cs:fillRef idx="0"/>
+    <cs:effectRef idx="0"/>
+    <cs:fontRef idx="minor">
+      <a:schemeClr val="tx1">
+        <a:lumMod val="75000"/>
+        <a:lumOff val="25000"/>
+      </a:schemeClr>
+    </cs:fontRef>
+    <cs:defRPr sz="900" kern="1200"/>
+  </cs:dataLabel>
+  <cs:dataLabelCallout>
+    <cs:lnRef idx="0"/>
+    <cs:fillRef idx="0"/>
+    <cs:effectRef idx="0"/>
+    <cs:fontRef idx="minor">
+      <a:schemeClr val="dk1">
+        <a:lumMod val="65000"/>
+        <a:lumOff val="35000"/>
+      </a:schemeClr>
+    </cs:fontRef>
+    <cs:spPr>
+      <a:solidFill>
+        <a:schemeClr val="lt1"/>
+      </a:solidFill>
+      <a:ln>
+        <a:solidFill>
+          <a:schemeClr val="dk1">
+            <a:lumMod val="25000"/>
+            <a:lumOff val="75000"/>
+          </a:schemeClr>
+        </a:solidFill>
+      </a:ln>
+    </cs:spPr>
+    <cs:defRPr sz="900" kern="1200"/>
+    <cs:bodyPr rot="0" spcFirstLastPara="1" vertOverflow="clip" horzOverflow="clip" vert="horz" wrap="square" lIns="36576" tIns="18288" rIns="36576" bIns="18288" anchor="ctr" anchorCtr="1">
+      <a:spAutoFit/>
+    </cs:bodyPr>
+  </cs:dataLabelCallout>
+  <cs:dataPoint>
+    <cs:lnRef idx="0"/>
+    <cs:fillRef idx="1">
+      <cs:styleClr val="auto"/>
+    </cs:fillRef>
+    <cs:effectRef idx="0"/>
+    <cs:fontRef idx="minor">
+      <a:schemeClr val="tx1"/>
+    </cs:fontRef>
+  </cs:dataPoint>
+  <cs:dataPoint3D>
+    <cs:lnRef idx="0"/>
+    <cs:fillRef idx="1">
+      <cs:styleClr val="auto"/>
+    </cs:fillRef>
+    <cs:effectRef idx="0"/>
+    <cs:fontRef idx="minor">
+      <a:schemeClr val="tx1"/>
+    </cs:fontRef>
+  </cs:dataPoint3D>
+  <cs:dataPointLine>
+    <cs:lnRef idx="0">
+      <cs:styleClr val="auto"/>
+    </cs:lnRef>
+    <cs:fillRef idx="1"/>
+    <cs:effectRef idx="0"/>
+    <cs:fontRef idx="minor">
+      <a:schemeClr val="tx1"/>
+    </cs:fontRef>
+    <cs:spPr>
+      <a:ln w="19050" cap="rnd">
+        <a:solidFill>
+          <a:schemeClr val="phClr"/>
+        </a:solidFill>
+        <a:round/>
+      </a:ln>
+    </cs:spPr>
+  </cs:dataPointLine>
+  <cs:dataPointMarker>
+    <cs:lnRef idx="0">
+      <cs:styleClr val="auto"/>
+    </cs:lnRef>
+    <cs:fillRef idx="1">
+      <cs:styleClr val="auto"/>
+    </cs:fillRef>
+    <cs:effectRef idx="0"/>
+    <cs:fontRef idx="minor">
+      <a:schemeClr val="tx1"/>
+    </cs:fontRef>
+    <cs:spPr>
+      <a:ln w="9525">
+        <a:solidFill>
+          <a:schemeClr val="phClr"/>
+        </a:solidFill>
+      </a:ln>
+    </cs:spPr>
+  </cs:dataPointMarker>
+  <cs:dataPointMarkerLayout symbol="circle" size="5"/>
+  <cs:dataPointWireframe>
+    <cs:lnRef idx="0">
+      <cs:styleClr val="auto"/>
+    </cs:lnRef>
+    <cs:fillRef idx="0"/>
+    <cs:effectRef idx="0"/>
+    <cs:fontRef idx="minor">
+      <a:schemeClr val="dk1"/>
+    </cs:fontRef>
+    <cs:spPr>
+      <a:ln w="9525" cap="rnd">
+        <a:solidFill>
+          <a:schemeClr val="phClr"/>
+        </a:solidFill>
+        <a:round/>
+      </a:ln>
+    </cs:spPr>
+  </cs:dataPointWireframe>
+  <cs:dataTable>
+    <cs:lnRef idx="0"/>
+    <cs:fillRef idx="0"/>
+    <cs:effectRef idx="0"/>
+    <cs:fontRef idx="minor">
+      <a:schemeClr val="tx1">
+        <a:lumMod val="65000"/>
+        <a:lumOff val="35000"/>
+      </a:schemeClr>
+    </cs:fontRef>
+    <cs:spPr>
+      <a:noFill/>
+      <a:ln w="9525" cap="flat" cmpd="sng" algn="ctr">
+        <a:solidFill>
+          <a:schemeClr val="tx1">
+            <a:lumMod val="15000"/>
+            <a:lumOff val="85000"/>
+          </a:schemeClr>
+        </a:solidFill>
+        <a:round/>
+      </a:ln>
+    </cs:spPr>
+    <cs:defRPr sz="900" kern="1200"/>
+  </cs:dataTable>
+  <cs:downBar>
+    <cs:lnRef idx="0"/>
+    <cs:fillRef idx="0"/>
+    <cs:effectRef idx="0"/>
+    <cs:fontRef idx="minor">
+      <a:schemeClr val="tx1"/>
+    </cs:fontRef>
+    <cs:spPr>
+      <a:solidFill>
+        <a:schemeClr val="dk1">
+          <a:lumMod val="75000"/>
+          <a:lumOff val="25000"/>
+        </a:schemeClr>
+      </a:solidFill>
+      <a:ln w="9525" cap="flat" cmpd="sng" algn="ctr">
+        <a:solidFill>
+          <a:schemeClr val="tx1">
+            <a:lumMod val="65000"/>
+            <a:lumOff val="35000"/>
+          </a:schemeClr>
+        </a:solidFill>
+        <a:round/>
+      </a:ln>
+    </cs:spPr>
+  </cs:downBar>
+  <cs:dropLine>
+    <cs:lnRef idx="0"/>
+    <cs:fillRef idx="0"/>
+    <cs:effectRef idx="0"/>
+    <cs:fontRef idx="minor">
+      <a:schemeClr val="tx1"/>
+    </cs:fontRef>
+    <cs:spPr>
+      <a:ln w="9525" cap="flat" cmpd="sng" algn="ctr">
+        <a:solidFill>
+          <a:schemeClr val="tx1">
+            <a:lumMod val="35000"/>
+            <a:lumOff val="65000"/>
+          </a:schemeClr>
+        </a:solidFill>
+        <a:round/>
+      </a:ln>
+    </cs:spPr>
+  </cs:dropLine>
+  <cs:errorBar>
+    <cs:lnRef idx="0"/>
+    <cs:fillRef idx="0"/>
+    <cs:effectRef idx="0"/>
+    <cs:fontRef idx="minor">
+      <a:schemeClr val="tx1"/>
+    </cs:fontRef>
+    <cs:spPr>
+      <a:ln w="9525" cap="flat" cmpd="sng" algn="ctr">
+        <a:solidFill>
+          <a:schemeClr val="tx1">
+            <a:lumMod val="65000"/>
+            <a:lumOff val="35000"/>
+          </a:schemeClr>
+        </a:solidFill>
+        <a:round/>
+      </a:ln>
+    </cs:spPr>
+  </cs:errorBar>
+  <cs:floor>
+    <cs:lnRef idx="0"/>
+    <cs:fillRef idx="0"/>
+    <cs:effectRef idx="0"/>
+    <cs:fontRef idx="minor">
+      <a:schemeClr val="tx1"/>
+    </cs:fontRef>
+    <cs:spPr>
+      <a:noFill/>
+      <a:ln>
+        <a:noFill/>
+      </a:ln>
+    </cs:spPr>
+  </cs:floor>
+  <cs:gridlineMajor>
+    <cs:lnRef idx="0"/>
+    <cs:fillRef idx="0"/>
+    <cs:effectRef idx="0"/>
+    <cs:fontRef idx="minor">
+      <a:schemeClr val="tx1"/>
+    </cs:fontRef>
+    <cs:spPr>
+      <a:ln w="9525" cap="flat" cmpd="sng" algn="ctr">
+        <a:solidFill>
+          <a:schemeClr val="tx1">
+            <a:lumMod val="15000"/>
+            <a:lumOff val="85000"/>
+          </a:schemeClr>
+        </a:solidFill>
+        <a:round/>
+      </a:ln>
+    </cs:spPr>
+  </cs:gridlineMajor>
+  <cs:gridlineMinor>
+    <cs:lnRef idx="0"/>
+    <cs:fillRef idx="0"/>
+    <cs:effectRef idx="0"/>
+    <cs:fontRef idx="minor">
+      <a:schemeClr val="tx1"/>
+    </cs:fontRef>
+    <cs:spPr>
+      <a:ln w="9525" cap="flat" cmpd="sng" algn="ctr">
+        <a:solidFill>
+          <a:schemeClr val="tx1">
+            <a:lumMod val="5000"/>
+            <a:lumOff val="95000"/>
+          </a:schemeClr>
+        </a:solidFill>
+        <a:round/>
+      </a:ln>
+    </cs:spPr>
+  </cs:gridlineMinor>
+  <cs:hiLoLine>
+    <cs:lnRef idx="0"/>
+    <cs:fillRef idx="0"/>
+    <cs:effectRef idx="0"/>
+    <cs:fontRef idx="minor">
+      <a:schemeClr val="tx1"/>
+    </cs:fontRef>
+    <cs:spPr>
+      <a:ln w="9525" cap="flat" cmpd="sng" algn="ctr">
+        <a:solidFill>
+          <a:schemeClr val="tx1">
+            <a:lumMod val="50000"/>
+            <a:lumOff val="50000"/>
+          </a:schemeClr>
+        </a:solidFill>
+        <a:round/>
+      </a:ln>
+    </cs:spPr>
+  </cs:hiLoLine>
+  <cs:leaderLine>
+    <cs:lnRef idx="0"/>
+    <cs:fillRef idx="0"/>
+    <cs:effectRef idx="0"/>
+    <cs:fontRef idx="minor">
+      <a:schemeClr val="tx1"/>
+    </cs:fontRef>
+    <cs:spPr>
+      <a:ln w="9525" cap="flat" cmpd="sng" algn="ctr">
+        <a:solidFill>
+          <a:schemeClr val="tx1">
+            <a:lumMod val="35000"/>
+            <a:lumOff val="65000"/>
+          </a:schemeClr>
+        </a:solidFill>
+        <a:round/>
+      </a:ln>
+    </cs:spPr>
+  </cs:leaderLine>
+  <cs:legend>
+    <cs:lnRef idx="0"/>
+    <cs:fillRef idx="0"/>
+    <cs:effectRef idx="0"/>
+    <cs:fontRef idx="minor">
+      <a:schemeClr val="tx1">
+        <a:lumMod val="65000"/>
+        <a:lumOff val="35000"/>
+      </a:schemeClr>
+    </cs:fontRef>
+    <cs:defRPr sz="900" kern="1200"/>
+  </cs:legend>
+  <cs:plotArea mods="allowNoFillOverride allowNoLineOverride">
+    <cs:lnRef idx="0"/>
+    <cs:fillRef idx="0"/>
+    <cs:effectRef idx="0"/>
+    <cs:fontRef idx="minor">
+      <a:schemeClr val="tx1"/>
+    </cs:fontRef>
+  </cs:plotArea>
+  <cs:plotArea3D mods="allowNoFillOverride allowNoLineOverride">
+    <cs:lnRef idx="0"/>
+    <cs:fillRef idx="0"/>
+    <cs:effectRef idx="0"/>
+    <cs:fontRef idx="minor">
+      <a:schemeClr val="tx1"/>
+    </cs:fontRef>
+  </cs:plotArea3D>
+  <cs:seriesAxis>
+    <cs:lnRef idx="0"/>
+    <cs:fillRef idx="0"/>
+    <cs:effectRef idx="0"/>
+    <cs:fontRef idx="minor">
+      <a:schemeClr val="tx1">
+        <a:lumMod val="65000"/>
+        <a:lumOff val="35000"/>
+      </a:schemeClr>
+    </cs:fontRef>
+    <cs:defRPr sz="900" kern="1200"/>
+  </cs:seriesAxis>
+  <cs:seriesLine>
+    <cs:lnRef idx="0"/>
+    <cs:fillRef idx="0"/>
+    <cs:effectRef idx="0"/>
+    <cs:fontRef idx="minor">
+      <a:schemeClr val="tx1"/>
+    </cs:fontRef>
+    <cs:spPr>
+      <a:ln w="9525" cap="flat" cmpd="sng" algn="ctr">
+        <a:solidFill>
+          <a:schemeClr val="tx1">
+            <a:lumMod val="35000"/>
+            <a:lumOff val="65000"/>
+          </a:schemeClr>
+        </a:solidFill>
+        <a:round/>
+      </a:ln>
+    </cs:spPr>
+  </cs:seriesLine>
+  <cs:title>
+    <cs:lnRef idx="0"/>
+    <cs:fillRef idx="0"/>
+    <cs:effectRef idx="0"/>
+    <cs:fontRef idx="minor">
+      <a:schemeClr val="tx1">
+        <a:lumMod val="65000"/>
+        <a:lumOff val="35000"/>
+      </a:schemeClr>
+    </cs:fontRef>
+    <cs:defRPr sz="1400" b="0" kern="1200" spc="0" baseline="0"/>
+  </cs:title>
+  <cs:trendline>
+    <cs:lnRef idx="0">
+      <cs:styleClr val="auto"/>
+    </cs:lnRef>
+    <cs:fillRef idx="0"/>
+    <cs:effectRef idx="0"/>
+    <cs:fontRef idx="minor">
+      <a:schemeClr val="tx1"/>
+    </cs:fontRef>
+    <cs:spPr>
+      <a:ln w="19050" cap="rnd">
+        <a:solidFill>
+          <a:schemeClr val="phClr"/>
+        </a:solidFill>
+        <a:prstDash val="sysDot"/>
+      </a:ln>
+    </cs:spPr>
+  </cs:trendline>
+  <cs:trendlineLabel>
+    <cs:lnRef idx="0"/>
+    <cs:fillRef idx="0"/>
+    <cs:effectRef idx="0"/>
+    <cs:fontRef idx="minor">
+      <a:schemeClr val="tx1">
+        <a:lumMod val="65000"/>
+        <a:lumOff val="35000"/>
+      </a:schemeClr>
+    </cs:fontRef>
+    <cs:defRPr sz="900" kern="1200"/>
+  </cs:trendlineLabel>
+  <cs:upBar>
+    <cs:lnRef idx="0"/>
+    <cs:fillRef idx="0"/>
+    <cs:effectRef idx="0"/>
+    <cs:fontRef idx="minor">
+      <a:schemeClr val="tx1"/>
+    </cs:fontRef>
+    <cs:spPr>
+      <a:solidFill>
+        <a:schemeClr val="lt1"/>
+      </a:solidFill>
+      <a:ln w="9525" cap="flat" cmpd="sng" algn="ctr">
+        <a:solidFill>
+          <a:schemeClr val="tx1">
+            <a:lumMod val="65000"/>
+            <a:lumOff val="35000"/>
+          </a:schemeClr>
+        </a:solidFill>
+        <a:round/>
+      </a:ln>
+    </cs:spPr>
+  </cs:upBar>
+  <cs:valueAxis>
+    <cs:lnRef idx="0"/>
+    <cs:fillRef idx="0"/>
+    <cs:effectRef idx="0"/>
+    <cs:fontRef idx="minor">
+      <a:schemeClr val="tx1">
+        <a:lumMod val="65000"/>
+        <a:lumOff val="35000"/>
+      </a:schemeClr>
+    </cs:fontRef>
+    <cs:spPr>
+      <a:ln w="9525" cap="flat" cmpd="sng" algn="ctr">
+        <a:solidFill>
+          <a:schemeClr val="tx1">
+            <a:lumMod val="25000"/>
+            <a:lumOff val="75000"/>
+          </a:schemeClr>
+        </a:solidFill>
+        <a:round/>
+      </a:ln>
+    </cs:spPr>
+    <cs:defRPr sz="900" kern="1200"/>
+  </cs:valueAxis>
+  <cs:wall>
+    <cs:lnRef idx="0"/>
+    <cs:fillRef idx="0"/>
+    <cs:effectRef idx="0"/>
+    <cs:fontRef idx="minor">
+      <a:schemeClr val="tx1"/>
+    </cs:fontRef>
+    <cs:spPr>
+      <a:noFill/>
+      <a:ln>
+        <a:noFill/>
+      </a:ln>
+    </cs:spPr>
+  </cs:wall>
+</cs:chartStyle>
+</file>
+
+<file path=ppt/charts/style4.xml><?xml version="1.0" encoding="utf-8"?>
+<cs:chartStyle xmlns:cs="http://schemas.microsoft.com/office/drawing/2012/chartStyle" xmlns:a="http://schemas.openxmlformats.org/drawingml/2006/main" id="201">
+  <cs:axisTitle>
+    <cs:lnRef idx="0"/>
+    <cs:fillRef idx="0"/>
+    <cs:effectRef idx="0"/>
+    <cs:fontRef idx="minor">
+      <a:schemeClr val="tx1">
+        <a:lumMod val="65000"/>
+        <a:lumOff val="35000"/>
+      </a:schemeClr>
+    </cs:fontRef>
+    <cs:defRPr sz="1000" kern="1200"/>
+  </cs:axisTitle>
+  <cs:categoryAxis>
+    <cs:lnRef idx="0"/>
+    <cs:fillRef idx="0"/>
+    <cs:effectRef idx="0"/>
+    <cs:fontRef idx="minor">
+      <a:schemeClr val="tx1">
+        <a:lumMod val="65000"/>
+        <a:lumOff val="35000"/>
+      </a:schemeClr>
+    </cs:fontRef>
+    <cs:spPr>
+      <a:ln w="9525" cap="flat" cmpd="sng" algn="ctr">
+        <a:solidFill>
+          <a:schemeClr val="tx1">
+            <a:lumMod val="15000"/>
+            <a:lumOff val="85000"/>
+          </a:schemeClr>
+        </a:solidFill>
+        <a:round/>
+      </a:ln>
+    </cs:spPr>
+    <cs:defRPr sz="900" kern="1200"/>
+  </cs:categoryAxis>
+  <cs:chartArea mods="allowNoFillOverride allowNoLineOverride">
+    <cs:lnRef idx="0"/>
+    <cs:fillRef idx="0"/>
+    <cs:effectRef idx="0"/>
+    <cs:fontRef idx="minor">
+      <a:schemeClr val="tx1"/>
+    </cs:fontRef>
+    <cs:spPr>
+      <a:solidFill>
+        <a:schemeClr val="bg1"/>
+      </a:solidFill>
+      <a:ln w="9525" cap="flat" cmpd="sng" algn="ctr">
+        <a:solidFill>
+          <a:schemeClr val="tx1">
+            <a:lumMod val="15000"/>
+            <a:lumOff val="85000"/>
+          </a:schemeClr>
+        </a:solidFill>
+        <a:round/>
+      </a:ln>
+    </cs:spPr>
+    <cs:defRPr sz="1000" kern="1200"/>
+  </cs:chartArea>
+  <cs:dataLabel>
+    <cs:lnRef idx="0"/>
+    <cs:fillRef idx="0"/>
+    <cs:effectRef idx="0"/>
+    <cs:fontRef idx="minor">
+      <a:schemeClr val="tx1">
+        <a:lumMod val="75000"/>
+        <a:lumOff val="25000"/>
+      </a:schemeClr>
+    </cs:fontRef>
+    <cs:defRPr sz="900" kern="1200"/>
+  </cs:dataLabel>
+  <cs:dataLabelCallout>
+    <cs:lnRef idx="0"/>
+    <cs:fillRef idx="0"/>
+    <cs:effectRef idx="0"/>
+    <cs:fontRef idx="minor">
+      <a:schemeClr val="dk1">
+        <a:lumMod val="65000"/>
+        <a:lumOff val="35000"/>
+      </a:schemeClr>
+    </cs:fontRef>
+    <cs:spPr>
+      <a:solidFill>
+        <a:schemeClr val="lt1"/>
+      </a:solidFill>
+      <a:ln>
+        <a:solidFill>
+          <a:schemeClr val="dk1">
+            <a:lumMod val="25000"/>
+            <a:lumOff val="75000"/>
+          </a:schemeClr>
+        </a:solidFill>
+      </a:ln>
+    </cs:spPr>
+    <cs:defRPr sz="900" kern="1200"/>
+    <cs:bodyPr rot="0" spcFirstLastPara="1" vertOverflow="clip" horzOverflow="clip" vert="horz" wrap="square" lIns="36576" tIns="18288" rIns="36576" bIns="18288" anchor="ctr" anchorCtr="1">
+      <a:spAutoFit/>
+    </cs:bodyPr>
+  </cs:dataLabelCallout>
+  <cs:dataPoint>
+    <cs:lnRef idx="0"/>
+    <cs:fillRef idx="1">
+      <cs:styleClr val="auto"/>
+    </cs:fillRef>
+    <cs:effectRef idx="0"/>
+    <cs:fontRef idx="minor">
+      <a:schemeClr val="tx1"/>
+    </cs:fontRef>
+  </cs:dataPoint>
+  <cs:dataPoint3D>
+    <cs:lnRef idx="0"/>
+    <cs:fillRef idx="1">
+      <cs:styleClr val="auto"/>
+    </cs:fillRef>
+    <cs:effectRef idx="0"/>
+    <cs:fontRef idx="minor">
+      <a:schemeClr val="tx1"/>
+    </cs:fontRef>
+  </cs:dataPoint3D>
+  <cs:dataPointLine>
+    <cs:lnRef idx="0">
+      <cs:styleClr val="auto"/>
+    </cs:lnRef>
+    <cs:fillRef idx="1"/>
+    <cs:effectRef idx="0"/>
+    <cs:fontRef idx="minor">
+      <a:schemeClr val="tx1"/>
+    </cs:fontRef>
+    <cs:spPr>
+      <a:ln w="28575" cap="rnd">
+        <a:solidFill>
+          <a:schemeClr val="phClr"/>
+        </a:solidFill>
+        <a:round/>
+      </a:ln>
+    </cs:spPr>
+  </cs:dataPointLine>
+  <cs:dataPointMarker>
+    <cs:lnRef idx="0">
+      <cs:styleClr val="auto"/>
+    </cs:lnRef>
+    <cs:fillRef idx="1">
+      <cs:styleClr val="auto"/>
+    </cs:fillRef>
+    <cs:effectRef idx="0"/>
+    <cs:fontRef idx="minor">
+      <a:schemeClr val="tx1"/>
+    </cs:fontRef>
+    <cs:spPr>
+      <a:ln w="9525">
+        <a:solidFill>
+          <a:schemeClr val="phClr"/>
+        </a:solidFill>
+      </a:ln>
+    </cs:spPr>
+  </cs:dataPointMarker>
+  <cs:dataPointMarkerLayout symbol="circle" size="5"/>
+  <cs:dataPointWireframe>
+    <cs:lnRef idx="0">
+      <cs:styleClr val="auto"/>
+    </cs:lnRef>
+    <cs:fillRef idx="1"/>
+    <cs:effectRef idx="0"/>
+    <cs:fontRef idx="minor">
+      <a:schemeClr val="tx1"/>
+    </cs:fontRef>
+    <cs:spPr>
+      <a:ln w="9525" cap="rnd">
+        <a:solidFill>
+          <a:schemeClr val="phClr"/>
+        </a:solidFill>
+        <a:round/>
+      </a:ln>
+    </cs:spPr>
+  </cs:dataPointWireframe>
+  <cs:dataTable>
+    <cs:lnRef idx="0"/>
+    <cs:fillRef idx="0"/>
+    <cs:effectRef idx="0"/>
+    <cs:fontRef idx="minor">
+      <a:schemeClr val="tx1">
+        <a:lumMod val="65000"/>
+        <a:lumOff val="35000"/>
+      </a:schemeClr>
+    </cs:fontRef>
+    <cs:spPr>
+      <a:noFill/>
+      <a:ln w="9525" cap="flat" cmpd="sng" algn="ctr">
+        <a:solidFill>
+          <a:schemeClr val="tx1">
+            <a:lumMod val="15000"/>
+            <a:lumOff val="85000"/>
+          </a:schemeClr>
+        </a:solidFill>
+        <a:round/>
+      </a:ln>
+    </cs:spPr>
+    <cs:defRPr sz="900" kern="1200"/>
+  </cs:dataTable>
+  <cs:downBar>
+    <cs:lnRef idx="0"/>
+    <cs:fillRef idx="0"/>
+    <cs:effectRef idx="0"/>
+    <cs:fontRef idx="minor">
+      <a:schemeClr val="dk1"/>
+    </cs:fontRef>
+    <cs:spPr>
+      <a:solidFill>
+        <a:schemeClr val="dk1">
+          <a:lumMod val="65000"/>
+          <a:lumOff val="35000"/>
+        </a:schemeClr>
+      </a:solidFill>
+      <a:ln w="9525">
+        <a:solidFill>
+          <a:schemeClr val="tx1">
+            <a:lumMod val="65000"/>
+            <a:lumOff val="35000"/>
+          </a:schemeClr>
+        </a:solidFill>
+      </a:ln>
+    </cs:spPr>
+  </cs:downBar>
+  <cs:dropLine>
+    <cs:lnRef idx="0"/>
+    <cs:fillRef idx="0"/>
+    <cs:effectRef idx="0"/>
+    <cs:fontRef idx="minor">
+      <a:schemeClr val="tx1"/>
+    </cs:fontRef>
+    <cs:spPr>
+      <a:ln w="9525" cap="flat" cmpd="sng" algn="ctr">
+        <a:solidFill>
+          <a:schemeClr val="tx1">
+            <a:lumMod val="35000"/>
+            <a:lumOff val="65000"/>
+          </a:schemeClr>
+        </a:solidFill>
+        <a:round/>
+      </a:ln>
+    </cs:spPr>
+  </cs:dropLine>
+  <cs:errorBar>
+    <cs:lnRef idx="0"/>
+    <cs:fillRef idx="0"/>
+    <cs:effectRef idx="0"/>
+    <cs:fontRef idx="minor">
+      <a:schemeClr val="tx1"/>
+    </cs:fontRef>
+    <cs:spPr>
+      <a:ln w="9525" cap="flat" cmpd="sng" algn="ctr">
+        <a:solidFill>
+          <a:schemeClr val="tx1">
+            <a:lumMod val="65000"/>
+            <a:lumOff val="35000"/>
+          </a:schemeClr>
+        </a:solidFill>
+        <a:round/>
+      </a:ln>
+    </cs:spPr>
+  </cs:errorBar>
+  <cs:floor>
+    <cs:lnRef idx="0"/>
+    <cs:fillRef idx="0"/>
+    <cs:effectRef idx="0"/>
+    <cs:fontRef idx="minor">
+      <a:schemeClr val="tx1"/>
+    </cs:fontRef>
+    <cs:spPr>
+      <a:noFill/>
+      <a:ln>
+        <a:noFill/>
+      </a:ln>
+    </cs:spPr>
+  </cs:floor>
+  <cs:gridlineMajor>
+    <cs:lnRef idx="0"/>
+    <cs:fillRef idx="0"/>
+    <cs:effectRef idx="0"/>
+    <cs:fontRef idx="minor">
+      <a:schemeClr val="tx1"/>
+    </cs:fontRef>
+    <cs:spPr>
+      <a:ln w="9525" cap="flat" cmpd="sng" algn="ctr">
+        <a:solidFill>
+          <a:schemeClr val="tx1">
+            <a:lumMod val="15000"/>
+            <a:lumOff val="85000"/>
+          </a:schemeClr>
+        </a:solidFill>
+        <a:round/>
+      </a:ln>
+    </cs:spPr>
+  </cs:gridlineMajor>
+  <cs:gridlineMinor>
+    <cs:lnRef idx="0"/>
+    <cs:fillRef idx="0"/>
+    <cs:effectRef idx="0"/>
+    <cs:fontRef idx="minor">
+      <a:schemeClr val="tx1"/>
+    </cs:fontRef>
+    <cs:spPr>
+      <a:ln w="9525" cap="flat" cmpd="sng" algn="ctr">
+        <a:solidFill>
+          <a:schemeClr val="tx1">
+            <a:lumMod val="5000"/>
+            <a:lumOff val="95000"/>
+          </a:schemeClr>
+        </a:solidFill>
+        <a:round/>
+      </a:ln>
+    </cs:spPr>
+  </cs:gridlineMinor>
+  <cs:hiLoLine>
+    <cs:lnRef idx="0"/>
+    <cs:fillRef idx="0"/>
+    <cs:effectRef idx="0"/>
+    <cs:fontRef idx="minor">
+      <a:schemeClr val="tx1"/>
+    </cs:fontRef>
+    <cs:spPr>
+      <a:ln w="9525" cap="flat" cmpd="sng" algn="ctr">
+        <a:solidFill>
+          <a:schemeClr val="tx1">
+            <a:lumMod val="75000"/>
+            <a:lumOff val="25000"/>
+          </a:schemeClr>
+        </a:solidFill>
+        <a:round/>
+      </a:ln>
+    </cs:spPr>
+  </cs:hiLoLine>
+  <cs:leaderLine>
+    <cs:lnRef idx="0"/>
+    <cs:fillRef idx="0"/>
+    <cs:effectRef idx="0"/>
+    <cs:fontRef idx="minor">
+      <a:schemeClr val="tx1"/>
+    </cs:fontRef>
+    <cs:spPr>
+      <a:ln w="9525" cap="flat" cmpd="sng" algn="ctr">
+        <a:solidFill>
+          <a:schemeClr val="tx1">
+            <a:lumMod val="35000"/>
+            <a:lumOff val="65000"/>
+          </a:schemeClr>
+        </a:solidFill>
+        <a:round/>
+      </a:ln>
+    </cs:spPr>
+  </cs:leaderLine>
+  <cs:legend>
+    <cs:lnRef idx="0"/>
+    <cs:fillRef idx="0"/>
+    <cs:effectRef idx="0"/>
+    <cs:fontRef idx="minor">
+      <a:schemeClr val="tx1">
+        <a:lumMod val="65000"/>
+        <a:lumOff val="35000"/>
+      </a:schemeClr>
+    </cs:fontRef>
+    <cs:defRPr sz="900" kern="1200"/>
+  </cs:legend>
+  <cs:plotArea mods="allowNoFillOverride allowNoLineOverride">
+    <cs:lnRef idx="0"/>
+    <cs:fillRef idx="0"/>
+    <cs:effectRef idx="0"/>
+    <cs:fontRef idx="minor">
+      <a:schemeClr val="tx1"/>
+    </cs:fontRef>
+  </cs:plotArea>
+  <cs:plotArea3D mods="allowNoFillOverride allowNoLineOverride">
+    <cs:lnRef idx="0"/>
+    <cs:fillRef idx="0"/>
+    <cs:effectRef idx="0"/>
+    <cs:fontRef idx="minor">
+      <a:schemeClr val="tx1"/>
+    </cs:fontRef>
+  </cs:plotArea3D>
+  <cs:seriesAxis>
+    <cs:lnRef idx="0"/>
+    <cs:fillRef idx="0"/>
+    <cs:effectRef idx="0"/>
+    <cs:fontRef idx="minor">
+      <a:schemeClr val="tx1">
+        <a:lumMod val="65000"/>
+        <a:lumOff val="35000"/>
+      </a:schemeClr>
+    </cs:fontRef>
+    <cs:defRPr sz="900" kern="1200"/>
+  </cs:seriesAxis>
+  <cs:seriesLine>
+    <cs:lnRef idx="0"/>
+    <cs:fillRef idx="0"/>
+    <cs:effectRef idx="0"/>
+    <cs:fontRef idx="minor">
+      <a:schemeClr val="tx1"/>
+    </cs:fontRef>
+    <cs:spPr>
+      <a:ln w="9525" cap="flat" cmpd="sng" algn="ctr">
+        <a:solidFill>
+          <a:schemeClr val="tx1">
+            <a:lumMod val="35000"/>
+            <a:lumOff val="65000"/>
+          </a:schemeClr>
+        </a:solidFill>
+        <a:round/>
+      </a:ln>
+    </cs:spPr>
+  </cs:seriesLine>
+  <cs:title>
+    <cs:lnRef idx="0"/>
+    <cs:fillRef idx="0"/>
+    <cs:effectRef idx="0"/>
+    <cs:fontRef idx="minor">
+      <a:schemeClr val="tx1">
+        <a:lumMod val="65000"/>
+        <a:lumOff val="35000"/>
+      </a:schemeClr>
+    </cs:fontRef>
+    <cs:defRPr sz="1400" b="0" kern="1200" spc="0" baseline="0"/>
+  </cs:title>
+  <cs:trendline>
+    <cs:lnRef idx="0">
+      <cs:styleClr val="auto"/>
+    </cs:lnRef>
+    <cs:fillRef idx="0"/>
+    <cs:effectRef idx="0"/>
+    <cs:fontRef idx="minor">
+      <a:schemeClr val="tx1"/>
+    </cs:fontRef>
+    <cs:spPr>
+      <a:ln w="19050" cap="rnd">
+        <a:solidFill>
+          <a:schemeClr val="phClr"/>
+        </a:solidFill>
+        <a:prstDash val="sysDot"/>
+      </a:ln>
+    </cs:spPr>
+  </cs:trendline>
+  <cs:trendlineLabel>
+    <cs:lnRef idx="0"/>
+    <cs:fillRef idx="0"/>
+    <cs:effectRef idx="0"/>
+    <cs:fontRef idx="minor">
+      <a:schemeClr val="tx1">
+        <a:lumMod val="65000"/>
+        <a:lumOff val="35000"/>
+      </a:schemeClr>
+    </cs:fontRef>
+    <cs:defRPr sz="900" kern="1200"/>
+  </cs:trendlineLabel>
+  <cs:upBar>
+    <cs:lnRef idx="0"/>
+    <cs:fillRef idx="0"/>
+    <cs:effectRef idx="0"/>
+    <cs:fontRef idx="minor">
+      <a:schemeClr val="dk1"/>
+    </cs:fontRef>
+    <cs:spPr>
+      <a:solidFill>
+        <a:schemeClr val="lt1"/>
+      </a:solidFill>
+      <a:ln w="9525">
+        <a:solidFill>
+          <a:schemeClr val="tx1">
+            <a:lumMod val="15000"/>
+            <a:lumOff val="85000"/>
+          </a:schemeClr>
+        </a:solidFill>
+      </a:ln>
+    </cs:spPr>
+  </cs:upBar>
+  <cs:valueAxis>
+    <cs:lnRef idx="0"/>
+    <cs:fillRef idx="0"/>
+    <cs:effectRef idx="0"/>
+    <cs:fontRef idx="minor">
+      <a:schemeClr val="tx1">
+        <a:lumMod val="65000"/>
+        <a:lumOff val="35000"/>
+      </a:schemeClr>
+    </cs:fontRef>
+    <cs:defRPr sz="900" kern="1200"/>
+  </cs:valueAxis>
+  <cs:wall>
+    <cs:lnRef idx="0"/>
+    <cs:fillRef idx="0"/>
+    <cs:effectRef idx="0"/>
+    <cs:fontRef idx="minor">
+      <a:schemeClr val="tx1"/>
+    </cs:fontRef>
+    <cs:spPr>
+      <a:noFill/>
+      <a:ln>
+        <a:noFill/>
+      </a:ln>
+    </cs:spPr>
+  </cs:wall>
+</cs:chartStyle>
+</file>
+
+<file path=ppt/charts/style5.xml><?xml version="1.0" encoding="utf-8"?>
 <cs:chartStyle xmlns:cs="http://schemas.microsoft.com/office/drawing/2012/chartStyle" xmlns:a="http://schemas.openxmlformats.org/drawingml/2006/main" id="201">
   <cs:axisTitle>
     <cs:lnRef idx="0"/>
@@ -4257,7 +6950,7 @@
           <a:p>
             <a:fld id="{08D45E2C-F65D-4824-8008-5941D4E99895}" type="datetimeFigureOut">
               <a:rPr lang="ko-KR" altLang="en-US" smtClean="0"/>
-              <a:t>2025-05-28</a:t>
+              <a:t>2025-05-29</a:t>
             </a:fld>
             <a:endParaRPr lang="ko-KR" altLang="en-US"/>
           </a:p>
@@ -4455,7 +7148,7 @@
           <a:p>
             <a:fld id="{08D45E2C-F65D-4824-8008-5941D4E99895}" type="datetimeFigureOut">
               <a:rPr lang="ko-KR" altLang="en-US" smtClean="0"/>
-              <a:t>2025-05-28</a:t>
+              <a:t>2025-05-29</a:t>
             </a:fld>
             <a:endParaRPr lang="ko-KR" altLang="en-US"/>
           </a:p>
@@ -4663,7 +7356,7 @@
           <a:p>
             <a:fld id="{08D45E2C-F65D-4824-8008-5941D4E99895}" type="datetimeFigureOut">
               <a:rPr lang="ko-KR" altLang="en-US" smtClean="0"/>
-              <a:t>2025-05-28</a:t>
+              <a:t>2025-05-29</a:t>
             </a:fld>
             <a:endParaRPr lang="ko-KR" altLang="en-US"/>
           </a:p>
@@ -4861,7 +7554,7 @@
           <a:p>
             <a:fld id="{08D45E2C-F65D-4824-8008-5941D4E99895}" type="datetimeFigureOut">
               <a:rPr lang="ko-KR" altLang="en-US" smtClean="0"/>
-              <a:t>2025-05-28</a:t>
+              <a:t>2025-05-29</a:t>
             </a:fld>
             <a:endParaRPr lang="ko-KR" altLang="en-US"/>
           </a:p>
@@ -5136,7 +7829,7 @@
           <a:p>
             <a:fld id="{08D45E2C-F65D-4824-8008-5941D4E99895}" type="datetimeFigureOut">
               <a:rPr lang="ko-KR" altLang="en-US" smtClean="0"/>
-              <a:t>2025-05-28</a:t>
+              <a:t>2025-05-29</a:t>
             </a:fld>
             <a:endParaRPr lang="ko-KR" altLang="en-US"/>
           </a:p>
@@ -5401,7 +8094,7 @@
           <a:p>
             <a:fld id="{08D45E2C-F65D-4824-8008-5941D4E99895}" type="datetimeFigureOut">
               <a:rPr lang="ko-KR" altLang="en-US" smtClean="0"/>
-              <a:t>2025-05-28</a:t>
+              <a:t>2025-05-29</a:t>
             </a:fld>
             <a:endParaRPr lang="ko-KR" altLang="en-US"/>
           </a:p>
@@ -5813,7 +8506,7 @@
           <a:p>
             <a:fld id="{08D45E2C-F65D-4824-8008-5941D4E99895}" type="datetimeFigureOut">
               <a:rPr lang="ko-KR" altLang="en-US" smtClean="0"/>
-              <a:t>2025-05-28</a:t>
+              <a:t>2025-05-29</a:t>
             </a:fld>
             <a:endParaRPr lang="ko-KR" altLang="en-US"/>
           </a:p>
@@ -5954,7 +8647,7 @@
           <a:p>
             <a:fld id="{08D45E2C-F65D-4824-8008-5941D4E99895}" type="datetimeFigureOut">
               <a:rPr lang="ko-KR" altLang="en-US" smtClean="0"/>
-              <a:t>2025-05-28</a:t>
+              <a:t>2025-05-29</a:t>
             </a:fld>
             <a:endParaRPr lang="ko-KR" altLang="en-US"/>
           </a:p>
@@ -6067,7 +8760,7 @@
           <a:p>
             <a:fld id="{08D45E2C-F65D-4824-8008-5941D4E99895}" type="datetimeFigureOut">
               <a:rPr lang="ko-KR" altLang="en-US" smtClean="0"/>
-              <a:t>2025-05-28</a:t>
+              <a:t>2025-05-29</a:t>
             </a:fld>
             <a:endParaRPr lang="ko-KR" altLang="en-US"/>
           </a:p>
@@ -6378,7 +9071,7 @@
           <a:p>
             <a:fld id="{08D45E2C-F65D-4824-8008-5941D4E99895}" type="datetimeFigureOut">
               <a:rPr lang="ko-KR" altLang="en-US" smtClean="0"/>
-              <a:t>2025-05-28</a:t>
+              <a:t>2025-05-29</a:t>
             </a:fld>
             <a:endParaRPr lang="ko-KR" altLang="en-US"/>
           </a:p>
@@ -6666,7 +9359,7 @@
           <a:p>
             <a:fld id="{08D45E2C-F65D-4824-8008-5941D4E99895}" type="datetimeFigureOut">
               <a:rPr lang="ko-KR" altLang="en-US" smtClean="0"/>
-              <a:t>2025-05-28</a:t>
+              <a:t>2025-05-29</a:t>
             </a:fld>
             <a:endParaRPr lang="ko-KR" altLang="en-US"/>
           </a:p>
@@ -6907,7 +9600,7 @@
           <a:p>
             <a:fld id="{08D45E2C-F65D-4824-8008-5941D4E99895}" type="datetimeFigureOut">
               <a:rPr lang="ko-KR" altLang="en-US" smtClean="0"/>
-              <a:t>2025-05-28</a:t>
+              <a:t>2025-05-29</a:t>
             </a:fld>
             <a:endParaRPr lang="ko-KR" altLang="en-US"/>
           </a:p>
@@ -7588,6 +10281,288 @@
   <p:cSld>
     <p:spTree>
       <p:nvGrpSpPr>
+        <p:cNvPr id="1" name="">
+          <a:extLst>
+            <a:ext uri="{FF2B5EF4-FFF2-40B4-BE49-F238E27FC236}">
+              <a16:creationId xmlns:a16="http://schemas.microsoft.com/office/drawing/2014/main" id="{CA148892-21BF-1CC2-8B2B-87CB5FF16A5E}"/>
+            </a:ext>
+          </a:extLst>
+        </p:cNvPr>
+        <p:cNvGrpSpPr/>
+        <p:nvPr/>
+      </p:nvGrpSpPr>
+      <p:grpSpPr>
+        <a:xfrm>
+          <a:off x="0" y="0"/>
+          <a:ext cx="0" cy="0"/>
+          <a:chOff x="0" y="0"/>
+          <a:chExt cx="0" cy="0"/>
+        </a:xfrm>
+      </p:grpSpPr>
+      <p:sp>
+        <p:nvSpPr>
+          <p:cNvPr id="11" name="직사각형 10">
+            <a:extLst>
+              <a:ext uri="{FF2B5EF4-FFF2-40B4-BE49-F238E27FC236}">
+                <a16:creationId xmlns:a16="http://schemas.microsoft.com/office/drawing/2014/main" id="{8FB02C88-37E5-6ACF-3097-D96E76ECDFE5}"/>
+              </a:ext>
+            </a:extLst>
+          </p:cNvPr>
+          <p:cNvSpPr/>
+          <p:nvPr/>
+        </p:nvSpPr>
+        <p:spPr>
+          <a:xfrm>
+            <a:off x="2609850" y="-276225"/>
+            <a:ext cx="7305675" cy="8858250"/>
+          </a:xfrm>
+          <a:prstGeom prst="rect">
+            <a:avLst/>
+          </a:prstGeom>
+          <a:solidFill>
+            <a:schemeClr val="bg1"/>
+          </a:solidFill>
+          <a:ln>
+            <a:solidFill>
+              <a:schemeClr val="tx1"/>
+            </a:solidFill>
+          </a:ln>
+        </p:spPr>
+        <p:style>
+          <a:lnRef idx="2">
+            <a:schemeClr val="accent1">
+              <a:shade val="15000"/>
+            </a:schemeClr>
+          </a:lnRef>
+          <a:fillRef idx="1">
+            <a:schemeClr val="accent1"/>
+          </a:fillRef>
+          <a:effectRef idx="0">
+            <a:schemeClr val="accent1"/>
+          </a:effectRef>
+          <a:fontRef idx="minor">
+            <a:schemeClr val="lt1"/>
+          </a:fontRef>
+        </p:style>
+        <p:txBody>
+          <a:bodyPr rtlCol="0" anchor="ctr"/>
+          <a:lstStyle/>
+          <a:p>
+            <a:pPr algn="ctr"/>
+            <a:endParaRPr lang="ko-KR" altLang="en-US"/>
+          </a:p>
+        </p:txBody>
+      </p:sp>
+      <p:sp>
+        <p:nvSpPr>
+          <p:cNvPr id="9" name="직사각형 8">
+            <a:extLst>
+              <a:ext uri="{FF2B5EF4-FFF2-40B4-BE49-F238E27FC236}">
+                <a16:creationId xmlns:a16="http://schemas.microsoft.com/office/drawing/2014/main" id="{469B3463-3D4B-CF73-1E1D-74A287434D9C}"/>
+              </a:ext>
+            </a:extLst>
+          </p:cNvPr>
+          <p:cNvSpPr/>
+          <p:nvPr/>
+        </p:nvSpPr>
+        <p:spPr>
+          <a:xfrm>
+            <a:off x="2769253" y="-263179"/>
+            <a:ext cx="452346" cy="341120"/>
+          </a:xfrm>
+          <a:prstGeom prst="rect">
+            <a:avLst/>
+          </a:prstGeom>
+          <a:noFill/>
+          <a:ln>
+            <a:noFill/>
+          </a:ln>
+        </p:spPr>
+        <p:style>
+          <a:lnRef idx="2">
+            <a:schemeClr val="accent1">
+              <a:shade val="15000"/>
+            </a:schemeClr>
+          </a:lnRef>
+          <a:fillRef idx="1">
+            <a:schemeClr val="accent1"/>
+          </a:fillRef>
+          <a:effectRef idx="0">
+            <a:schemeClr val="accent1"/>
+          </a:effectRef>
+          <a:fontRef idx="minor">
+            <a:schemeClr val="lt1"/>
+          </a:fontRef>
+        </p:style>
+        <p:txBody>
+          <a:bodyPr rtlCol="0" anchor="ctr"/>
+          <a:lstStyle/>
+          <a:p>
+            <a:pPr algn="ctr"/>
+            <a:r>
+              <a:rPr lang="en-US" altLang="ko-KR" sz="2000" b="1" dirty="0">
+                <a:solidFill>
+                  <a:schemeClr val="tx1"/>
+                </a:solidFill>
+                <a:latin typeface="바탕체" panose="02030609000101010101" pitchFamily="17" charset="-127"/>
+                <a:ea typeface="바탕체" panose="02030609000101010101" pitchFamily="17" charset="-127"/>
+              </a:rPr>
+              <a:t>(a)</a:t>
+            </a:r>
+            <a:endParaRPr lang="ko-KR" altLang="en-US" sz="2000" b="1" dirty="0">
+              <a:solidFill>
+                <a:schemeClr val="tx1"/>
+              </a:solidFill>
+              <a:latin typeface="바탕체" panose="02030609000101010101" pitchFamily="17" charset="-127"/>
+              <a:ea typeface="바탕체" panose="02030609000101010101" pitchFamily="17" charset="-127"/>
+            </a:endParaRPr>
+          </a:p>
+        </p:txBody>
+      </p:sp>
+      <p:sp>
+        <p:nvSpPr>
+          <p:cNvPr id="16" name="직사각형 15">
+            <a:extLst>
+              <a:ext uri="{FF2B5EF4-FFF2-40B4-BE49-F238E27FC236}">
+                <a16:creationId xmlns:a16="http://schemas.microsoft.com/office/drawing/2014/main" id="{BC0EE67C-0D7F-5F15-6251-C8D63AC866E6}"/>
+              </a:ext>
+            </a:extLst>
+          </p:cNvPr>
+          <p:cNvSpPr/>
+          <p:nvPr/>
+        </p:nvSpPr>
+        <p:spPr>
+          <a:xfrm>
+            <a:off x="2769253" y="4024260"/>
+            <a:ext cx="452346" cy="341120"/>
+          </a:xfrm>
+          <a:prstGeom prst="rect">
+            <a:avLst/>
+          </a:prstGeom>
+          <a:noFill/>
+          <a:ln>
+            <a:noFill/>
+          </a:ln>
+        </p:spPr>
+        <p:style>
+          <a:lnRef idx="2">
+            <a:schemeClr val="accent1">
+              <a:shade val="15000"/>
+            </a:schemeClr>
+          </a:lnRef>
+          <a:fillRef idx="1">
+            <a:schemeClr val="accent1"/>
+          </a:fillRef>
+          <a:effectRef idx="0">
+            <a:schemeClr val="accent1"/>
+          </a:effectRef>
+          <a:fontRef idx="minor">
+            <a:schemeClr val="lt1"/>
+          </a:fontRef>
+        </p:style>
+        <p:txBody>
+          <a:bodyPr rtlCol="0" anchor="ctr"/>
+          <a:lstStyle/>
+          <a:p>
+            <a:pPr algn="ctr"/>
+            <a:r>
+              <a:rPr lang="en-US" altLang="ko-KR" sz="2000" b="1" dirty="0">
+                <a:solidFill>
+                  <a:schemeClr val="tx1"/>
+                </a:solidFill>
+                <a:latin typeface="바탕체" panose="02030609000101010101" pitchFamily="17" charset="-127"/>
+                <a:ea typeface="바탕체" panose="02030609000101010101" pitchFamily="17" charset="-127"/>
+              </a:rPr>
+              <a:t>(b)</a:t>
+            </a:r>
+            <a:endParaRPr lang="ko-KR" altLang="en-US" sz="2000" b="1" dirty="0">
+              <a:solidFill>
+                <a:schemeClr val="tx1"/>
+              </a:solidFill>
+              <a:latin typeface="바탕체" panose="02030609000101010101" pitchFamily="17" charset="-127"/>
+              <a:ea typeface="바탕체" panose="02030609000101010101" pitchFamily="17" charset="-127"/>
+            </a:endParaRPr>
+          </a:p>
+        </p:txBody>
+      </p:sp>
+      <p:graphicFrame>
+        <p:nvGraphicFramePr>
+          <p:cNvPr id="4" name="차트 3">
+            <a:extLst>
+              <a:ext uri="{FF2B5EF4-FFF2-40B4-BE49-F238E27FC236}">
+                <a16:creationId xmlns:a16="http://schemas.microsoft.com/office/drawing/2014/main" id="{95E77633-03D4-A2FF-3720-EAE292C6BF75}"/>
+              </a:ext>
+            </a:extLst>
+          </p:cNvPr>
+          <p:cNvGraphicFramePr>
+            <a:graphicFrameLocks/>
+          </p:cNvGraphicFramePr>
+          <p:nvPr>
+            <p:extLst>
+              <p:ext uri="{D42A27DB-BD31-4B8C-83A1-F6EECF244321}">
+                <p14:modId xmlns:p14="http://schemas.microsoft.com/office/powerpoint/2010/main" val="1645004932"/>
+              </p:ext>
+            </p:extLst>
+          </p:nvPr>
+        </p:nvGraphicFramePr>
+        <p:xfrm>
+          <a:off x="2769253" y="4370460"/>
+          <a:ext cx="6618568" cy="3781425"/>
+        </p:xfrm>
+        <a:graphic>
+          <a:graphicData uri="http://schemas.openxmlformats.org/drawingml/2006/chart">
+            <c:chart xmlns:c="http://schemas.openxmlformats.org/drawingml/2006/chart" xmlns:r="http://schemas.openxmlformats.org/officeDocument/2006/relationships" r:id="rId2"/>
+          </a:graphicData>
+        </a:graphic>
+      </p:graphicFrame>
+      <p:graphicFrame>
+        <p:nvGraphicFramePr>
+          <p:cNvPr id="5" name="차트 4">
+            <a:extLst>
+              <a:ext uri="{FF2B5EF4-FFF2-40B4-BE49-F238E27FC236}">
+                <a16:creationId xmlns:a16="http://schemas.microsoft.com/office/drawing/2014/main" id="{C627175F-F2C7-4316-B9B8-BC1A6CD895CA}"/>
+              </a:ext>
+            </a:extLst>
+          </p:cNvPr>
+          <p:cNvGraphicFramePr>
+            <a:graphicFrameLocks/>
+          </p:cNvGraphicFramePr>
+          <p:nvPr>
+            <p:extLst>
+              <p:ext uri="{D42A27DB-BD31-4B8C-83A1-F6EECF244321}">
+                <p14:modId xmlns:p14="http://schemas.microsoft.com/office/powerpoint/2010/main" val="3044535362"/>
+              </p:ext>
+            </p:extLst>
+          </p:nvPr>
+        </p:nvGraphicFramePr>
+        <p:xfrm>
+          <a:off x="2769253" y="83250"/>
+          <a:ext cx="6617725" cy="3791030"/>
+        </p:xfrm>
+        <a:graphic>
+          <a:graphicData uri="http://schemas.openxmlformats.org/drawingml/2006/chart">
+            <c:chart xmlns:c="http://schemas.openxmlformats.org/drawingml/2006/chart" xmlns:r="http://schemas.openxmlformats.org/officeDocument/2006/relationships" r:id="rId3"/>
+          </a:graphicData>
+        </a:graphic>
+      </p:graphicFrame>
+    </p:spTree>
+    <p:extLst>
+      <p:ext uri="{BB962C8B-B14F-4D97-AF65-F5344CB8AC3E}">
+        <p14:creationId xmlns:p14="http://schemas.microsoft.com/office/powerpoint/2010/main" val="3457335067"/>
+      </p:ext>
+    </p:extLst>
+  </p:cSld>
+  <p:clrMapOvr>
+    <a:masterClrMapping/>
+  </p:clrMapOvr>
+</p:sld>
+</file>
+
+<file path=ppt/slides/slide3.xml><?xml version="1.0" encoding="utf-8"?>
+<p:sld xmlns:a="http://schemas.openxmlformats.org/drawingml/2006/main" xmlns:r="http://schemas.openxmlformats.org/officeDocument/2006/relationships" xmlns:p="http://schemas.openxmlformats.org/presentationml/2006/main">
+  <p:cSld>
+    <p:spTree>
+      <p:nvGrpSpPr>
         <p:cNvPr id="1" name=""/>
         <p:cNvGrpSpPr/>
         <p:nvPr/>
@@ -7643,7 +10618,7 @@
 </p:sld>
 </file>
 
-<file path=ppt/slides/slide3.xml><?xml version="1.0" encoding="utf-8"?>
+<file path=ppt/slides/slide4.xml><?xml version="1.0" encoding="utf-8"?>
 <p:sld xmlns:a="http://schemas.openxmlformats.org/drawingml/2006/main" xmlns:r="http://schemas.openxmlformats.org/officeDocument/2006/relationships" xmlns:p="http://schemas.openxmlformats.org/presentationml/2006/main">
   <p:cSld>
     <p:spTree>
